--- a/Abschlusspräsentation-Festiva.pptx
+++ b/Abschlusspräsentation-Festiva.pptx
@@ -6,7 +6,7 @@
     <p:sldMasterId id="2147483650" r:id="rId2"/>
   </p:sldMasterIdLst>
   <p:notesMasterIdLst>
-    <p:notesMasterId r:id="rId18"/>
+    <p:notesMasterId r:id="rId13"/>
   </p:notesMasterIdLst>
   <p:sldIdLst>
     <p:sldId id="256" r:id="rId3"/>
@@ -16,14 +16,9 @@
     <p:sldId id="268" r:id="rId7"/>
     <p:sldId id="266" r:id="rId8"/>
     <p:sldId id="269" r:id="rId9"/>
-    <p:sldId id="265" r:id="rId10"/>
-    <p:sldId id="271" r:id="rId11"/>
-    <p:sldId id="272" r:id="rId12"/>
-    <p:sldId id="273" r:id="rId13"/>
-    <p:sldId id="274" r:id="rId14"/>
-    <p:sldId id="260" r:id="rId15"/>
-    <p:sldId id="261" r:id="rId16"/>
-    <p:sldId id="270" r:id="rId17"/>
+    <p:sldId id="260" r:id="rId10"/>
+    <p:sldId id="261" r:id="rId11"/>
+    <p:sldId id="270" r:id="rId12"/>
   </p:sldIdLst>
   <p:sldSz cx="12192000" cy="6858000"/>
   <p:notesSz cx="6858000" cy="9144000"/>
@@ -908,7 +903,7 @@
         <a:lstStyle/>
         <a:p>
           <a:r>
-            <a:rPr lang="en-US" dirty="0" err="1" smtClean="0"/>
+            <a:rPr lang="en-US" dirty="0" err="1"/>
             <a:t>Funktionen</a:t>
           </a:r>
           <a:endParaRPr lang="en-US" dirty="0"/>
@@ -954,10 +949,10 @@
         <a:lstStyle/>
         <a:p>
           <a:r>
-            <a:rPr lang="en-US" dirty="0" err="1" smtClean="0"/>
+            <a:rPr lang="en-US" dirty="0" err="1"/>
             <a:t>Fazit</a:t>
           </a:r>
-          <a:endParaRPr lang="en-US" dirty="0" smtClean="0"/>
+          <a:endParaRPr lang="en-US" dirty="0"/>
         </a:p>
       </dgm:t>
     </dgm:pt>
@@ -1000,15 +995,15 @@
         <a:lstStyle/>
         <a:p>
           <a:r>
-            <a:rPr lang="en-US" dirty="0" err="1" smtClean="0"/>
+            <a:rPr lang="en-US" dirty="0" err="1"/>
             <a:t>Technisches</a:t>
           </a:r>
           <a:r>
-            <a:rPr lang="en-US" dirty="0" smtClean="0"/>
+            <a:rPr lang="en-US" dirty="0"/>
             <a:t> </a:t>
           </a:r>
           <a:r>
-            <a:rPr lang="en-US" dirty="0" err="1" smtClean="0"/>
+            <a:rPr lang="en-US" dirty="0" err="1"/>
             <a:t>Konzept</a:t>
           </a:r>
           <a:endParaRPr lang="en-US" dirty="0"/>
@@ -1060,7 +1055,7 @@
         <a:lstStyle/>
         <a:p>
           <a:r>
-            <a:rPr lang="en-US" dirty="0" err="1" smtClean="0"/>
+            <a:rPr lang="en-US" dirty="0" err="1"/>
             <a:t>Projektmanagement</a:t>
           </a:r>
           <a:endParaRPr lang="en-US" dirty="0"/>
@@ -1106,10 +1101,9 @@
         <a:lstStyle/>
         <a:p>
           <a:r>
-            <a:rPr lang="en-US" dirty="0" smtClean="0"/>
+            <a:rPr lang="en-US" dirty="0"/>
             <a:t>Live Demo</a:t>
           </a:r>
-          <a:endParaRPr lang="en-US" dirty="0"/>
         </a:p>
       </dgm:t>
     </dgm:pt>
@@ -1144,13 +1138,6 @@
         </dgm:presLayoutVars>
       </dgm:prSet>
       <dgm:spPr/>
-      <dgm:t>
-        <a:bodyPr/>
-        <a:lstStyle/>
-        <a:p>
-          <a:endParaRPr lang="de-DE"/>
-        </a:p>
-      </dgm:t>
     </dgm:pt>
     <dgm:pt modelId="{9055AC92-AB81-4ACA-8ABC-50B3F863DFB3}" type="pres">
       <dgm:prSet presAssocID="{F4990926-4545-4652-9821-B3E9335821DD}" presName="Name1" presStyleCnt="0"/>
@@ -1167,13 +1154,6 @@
     <dgm:pt modelId="{08338200-011D-419C-8D6C-DB93198330EB}" type="pres">
       <dgm:prSet presAssocID="{F4990926-4545-4652-9821-B3E9335821DD}" presName="conn" presStyleLbl="parChTrans1D2" presStyleIdx="0" presStyleCnt="1"/>
       <dgm:spPr/>
-      <dgm:t>
-        <a:bodyPr/>
-        <a:lstStyle/>
-        <a:p>
-          <a:endParaRPr lang="de-DE"/>
-        </a:p>
-      </dgm:t>
     </dgm:pt>
     <dgm:pt modelId="{CBAC0F48-23E1-455F-8346-82F50862B0AF}" type="pres">
       <dgm:prSet presAssocID="{F4990926-4545-4652-9821-B3E9335821DD}" presName="extraNode" presStyleLbl="node1" presStyleIdx="0" presStyleCnt="5"/>
@@ -1190,13 +1170,6 @@
         </dgm:presLayoutVars>
       </dgm:prSet>
       <dgm:spPr/>
-      <dgm:t>
-        <a:bodyPr/>
-        <a:lstStyle/>
-        <a:p>
-          <a:endParaRPr lang="en-GB"/>
-        </a:p>
-      </dgm:t>
     </dgm:pt>
     <dgm:pt modelId="{8977C4FF-AE82-4B71-8DF1-382BD931CA11}" type="pres">
       <dgm:prSet presAssocID="{1EF54ED1-D960-47E6-B715-96AC945ADAD8}" presName="accent_1" presStyleCnt="0"/>
@@ -1218,13 +1191,6 @@
           </a:solidFill>
         </a:ln>
       </dgm:spPr>
-      <dgm:t>
-        <a:bodyPr/>
-        <a:lstStyle/>
-        <a:p>
-          <a:endParaRPr lang="de-DE"/>
-        </a:p>
-      </dgm:t>
     </dgm:pt>
     <dgm:pt modelId="{B3942B6B-74BD-4E80-8DEE-0DFEAB6ED8ED}" type="pres">
       <dgm:prSet presAssocID="{6190FCA0-BBB1-4B98-A589-2A8622BC17F3}" presName="text_2" presStyleLbl="node1" presStyleIdx="1" presStyleCnt="5">
@@ -1233,13 +1199,6 @@
         </dgm:presLayoutVars>
       </dgm:prSet>
       <dgm:spPr/>
-      <dgm:t>
-        <a:bodyPr/>
-        <a:lstStyle/>
-        <a:p>
-          <a:endParaRPr lang="de-DE"/>
-        </a:p>
-      </dgm:t>
     </dgm:pt>
     <dgm:pt modelId="{721F9818-AB47-4949-920A-B4609767E8E5}" type="pres">
       <dgm:prSet presAssocID="{6190FCA0-BBB1-4B98-A589-2A8622BC17F3}" presName="accent_2" presStyleCnt="0"/>
@@ -1254,13 +1213,6 @@
           </a:solidFill>
         </a:ln>
       </dgm:spPr>
-      <dgm:t>
-        <a:bodyPr/>
-        <a:lstStyle/>
-        <a:p>
-          <a:endParaRPr lang="de-DE"/>
-        </a:p>
-      </dgm:t>
     </dgm:pt>
     <dgm:pt modelId="{89906392-974E-4299-A4FF-B570A1175F16}" type="pres">
       <dgm:prSet presAssocID="{3A84CA82-0B3E-46ED-B10A-555218B09A96}" presName="text_3" presStyleLbl="node1" presStyleIdx="2" presStyleCnt="5">
@@ -1269,13 +1221,6 @@
         </dgm:presLayoutVars>
       </dgm:prSet>
       <dgm:spPr/>
-      <dgm:t>
-        <a:bodyPr/>
-        <a:lstStyle/>
-        <a:p>
-          <a:endParaRPr lang="en-GB"/>
-        </a:p>
-      </dgm:t>
     </dgm:pt>
     <dgm:pt modelId="{395DD5B9-EEDD-4C7E-B5B6-6F89B90B1A49}" type="pres">
       <dgm:prSet presAssocID="{3A84CA82-0B3E-46ED-B10A-555218B09A96}" presName="accent_3" presStyleCnt="0"/>
@@ -1290,13 +1235,6 @@
           </a:solidFill>
         </a:ln>
       </dgm:spPr>
-      <dgm:t>
-        <a:bodyPr/>
-        <a:lstStyle/>
-        <a:p>
-          <a:endParaRPr lang="de-DE"/>
-        </a:p>
-      </dgm:t>
     </dgm:pt>
     <dgm:pt modelId="{6AD977A6-66BC-4167-A29D-96F0AF8FBEA7}" type="pres">
       <dgm:prSet presAssocID="{9550E736-1EA7-4B06-A059-CC1D16FEDD6C}" presName="text_4" presStyleLbl="node1" presStyleIdx="3" presStyleCnt="5">
@@ -1305,13 +1243,6 @@
         </dgm:presLayoutVars>
       </dgm:prSet>
       <dgm:spPr/>
-      <dgm:t>
-        <a:bodyPr/>
-        <a:lstStyle/>
-        <a:p>
-          <a:endParaRPr lang="de-DE"/>
-        </a:p>
-      </dgm:t>
     </dgm:pt>
     <dgm:pt modelId="{B9F7EEB7-50FF-424A-8515-4BA2ECE84741}" type="pres">
       <dgm:prSet presAssocID="{9550E736-1EA7-4B06-A059-CC1D16FEDD6C}" presName="accent_4" presStyleCnt="0"/>
@@ -1326,13 +1257,6 @@
           </a:solidFill>
         </a:ln>
       </dgm:spPr>
-      <dgm:t>
-        <a:bodyPr/>
-        <a:lstStyle/>
-        <a:p>
-          <a:endParaRPr lang="de-DE"/>
-        </a:p>
-      </dgm:t>
     </dgm:pt>
     <dgm:pt modelId="{E0DDF579-4168-429F-A041-526B06B4E9F3}" type="pres">
       <dgm:prSet presAssocID="{288190EE-4D49-4FC2-AF52-678B03F85511}" presName="text_5" presStyleLbl="node1" presStyleIdx="4" presStyleCnt="5">
@@ -1341,13 +1265,6 @@
         </dgm:presLayoutVars>
       </dgm:prSet>
       <dgm:spPr/>
-      <dgm:t>
-        <a:bodyPr/>
-        <a:lstStyle/>
-        <a:p>
-          <a:endParaRPr lang="de-DE"/>
-        </a:p>
-      </dgm:t>
     </dgm:pt>
     <dgm:pt modelId="{22DA48AD-EFB4-4775-A96C-5ED29A0BCA90}" type="pres">
       <dgm:prSet presAssocID="{288190EE-4D49-4FC2-AF52-678B03F85511}" presName="accent_5" presStyleCnt="0"/>
@@ -1362,18 +1279,11 @@
           </a:solidFill>
         </a:ln>
       </dgm:spPr>
-      <dgm:t>
-        <a:bodyPr/>
-        <a:lstStyle/>
-        <a:p>
-          <a:endParaRPr lang="de-DE"/>
-        </a:p>
-      </dgm:t>
     </dgm:pt>
   </dgm:ptLst>
   <dgm:cxnLst>
+    <dgm:cxn modelId="{6C2C2684-8AE9-460E-A694-482254BAF70C}" srcId="{F4990926-4545-4652-9821-B3E9335821DD}" destId="{9550E736-1EA7-4B06-A059-CC1D16FEDD6C}" srcOrd="3" destOrd="0" parTransId="{9DA9135E-E109-4510-99E7-6F6DDF01FBD7}" sibTransId="{A1A385E3-1F5E-44A2-889A-5853AE90FB86}"/>
     <dgm:cxn modelId="{192A5021-093C-4760-A495-9FAD01BE43FF}" srcId="{F4990926-4545-4652-9821-B3E9335821DD}" destId="{6190FCA0-BBB1-4B98-A589-2A8622BC17F3}" srcOrd="1" destOrd="0" parTransId="{A513600C-93FB-4B5C-9000-7B8C91F0620E}" sibTransId="{A617540E-1015-4818-8B63-46C3D464A828}"/>
-    <dgm:cxn modelId="{6C2C2684-8AE9-460E-A694-482254BAF70C}" srcId="{F4990926-4545-4652-9821-B3E9335821DD}" destId="{9550E736-1EA7-4B06-A059-CC1D16FEDD6C}" srcOrd="3" destOrd="0" parTransId="{9DA9135E-E109-4510-99E7-6F6DDF01FBD7}" sibTransId="{A1A385E3-1F5E-44A2-889A-5853AE90FB86}"/>
     <dgm:cxn modelId="{F4C75284-AB86-44FD-AB93-FB22D2050EC8}" type="presOf" srcId="{1EF54ED1-D960-47E6-B715-96AC945ADAD8}" destId="{1270E5EF-E671-4474-88BC-042E639AC05F}" srcOrd="0" destOrd="0" presId="urn:microsoft.com/office/officeart/2008/layout/VerticalCurvedList"/>
     <dgm:cxn modelId="{C2709C39-5775-4047-A25C-F5E5BEA2EC51}" srcId="{F4990926-4545-4652-9821-B3E9335821DD}" destId="{1EF54ED1-D960-47E6-B715-96AC945ADAD8}" srcOrd="0" destOrd="0" parTransId="{BAB11ED4-FC73-4350-9C7E-011A462433CD}" sibTransId="{28C7844A-3E93-4137-BE1F-8E5378BFF4C7}"/>
     <dgm:cxn modelId="{F86F2D69-33B6-432D-A427-8BDF5350F8A1}" type="presOf" srcId="{F4990926-4545-4652-9821-B3E9335821DD}" destId="{2F3E624A-D57F-49A3-B04B-5E89170CD435}" srcOrd="0" destOrd="0" presId="urn:microsoft.com/office/officeart/2008/layout/VerticalCurvedList"/>
@@ -1509,7 +1419,7 @@
         </a:bodyPr>
         <a:lstStyle/>
         <a:p>
-          <a:pPr lvl="0" algn="l" defTabSz="1377950">
+          <a:pPr marL="0" lvl="0" indent="0" algn="l" defTabSz="1377950">
             <a:lnSpc>
               <a:spcPct val="90000"/>
             </a:lnSpc>
@@ -1519,17 +1429,18 @@
             <a:spcAft>
               <a:spcPct val="35000"/>
             </a:spcAft>
+            <a:buNone/>
           </a:pPr>
           <a:r>
-            <a:rPr lang="en-US" sz="3100" kern="1200" dirty="0" err="1" smtClean="0"/>
+            <a:rPr lang="en-US" sz="3100" kern="1200" dirty="0" err="1"/>
             <a:t>Technisches</a:t>
           </a:r>
           <a:r>
-            <a:rPr lang="en-US" sz="3100" kern="1200" dirty="0" smtClean="0"/>
+            <a:rPr lang="en-US" sz="3100" kern="1200" dirty="0"/>
             <a:t> </a:t>
           </a:r>
           <a:r>
-            <a:rPr lang="en-US" sz="3100" kern="1200" dirty="0" err="1" smtClean="0"/>
+            <a:rPr lang="en-US" sz="3100" kern="1200" dirty="0" err="1"/>
             <a:t>Konzept</a:t>
           </a:r>
           <a:endParaRPr lang="en-US" sz="3100" kern="1200" dirty="0"/>
@@ -1627,7 +1538,7 @@
         </a:bodyPr>
         <a:lstStyle/>
         <a:p>
-          <a:pPr lvl="0" algn="l" defTabSz="1377950">
+          <a:pPr marL="0" lvl="0" indent="0" algn="l" defTabSz="1377950">
             <a:lnSpc>
               <a:spcPct val="90000"/>
             </a:lnSpc>
@@ -1637,9 +1548,10 @@
             <a:spcAft>
               <a:spcPct val="35000"/>
             </a:spcAft>
+            <a:buNone/>
           </a:pPr>
           <a:r>
-            <a:rPr lang="en-US" sz="3100" kern="1200" dirty="0" err="1" smtClean="0"/>
+            <a:rPr lang="en-US" sz="3100" kern="1200" dirty="0" err="1"/>
             <a:t>Projektmanagement</a:t>
           </a:r>
           <a:endParaRPr lang="en-US" sz="3100" kern="1200" dirty="0"/>
@@ -1738,7 +1650,7 @@
         </a:bodyPr>
         <a:lstStyle/>
         <a:p>
-          <a:pPr lvl="0" algn="l" defTabSz="1377950">
+          <a:pPr marL="0" lvl="0" indent="0" algn="l" defTabSz="1377950">
             <a:lnSpc>
               <a:spcPct val="90000"/>
             </a:lnSpc>
@@ -1748,9 +1660,10 @@
             <a:spcAft>
               <a:spcPct val="35000"/>
             </a:spcAft>
+            <a:buNone/>
           </a:pPr>
           <a:r>
-            <a:rPr lang="en-US" sz="3100" kern="1200" dirty="0" err="1" smtClean="0"/>
+            <a:rPr lang="en-US" sz="3100" kern="1200" dirty="0" err="1"/>
             <a:t>Funktionen</a:t>
           </a:r>
           <a:endParaRPr lang="en-US" sz="3100" kern="1200" dirty="0"/>
@@ -1849,7 +1762,7 @@
         </a:bodyPr>
         <a:lstStyle/>
         <a:p>
-          <a:pPr lvl="0" algn="l" defTabSz="1377950">
+          <a:pPr marL="0" lvl="0" indent="0" algn="l" defTabSz="1377950">
             <a:lnSpc>
               <a:spcPct val="90000"/>
             </a:lnSpc>
@@ -1859,12 +1772,12 @@
             <a:spcAft>
               <a:spcPct val="35000"/>
             </a:spcAft>
+            <a:buNone/>
           </a:pPr>
           <a:r>
-            <a:rPr lang="en-US" sz="3100" kern="1200" dirty="0" smtClean="0"/>
+            <a:rPr lang="en-US" sz="3100" kern="1200" dirty="0"/>
             <a:t>Live Demo</a:t>
           </a:r>
-          <a:endParaRPr lang="en-US" sz="3100" kern="1200" dirty="0"/>
         </a:p>
       </dsp:txBody>
       <dsp:txXfrm>
@@ -1960,7 +1873,7 @@
         </a:bodyPr>
         <a:lstStyle/>
         <a:p>
-          <a:pPr lvl="0" algn="l" defTabSz="1377950">
+          <a:pPr marL="0" lvl="0" indent="0" algn="l" defTabSz="1377950">
             <a:lnSpc>
               <a:spcPct val="90000"/>
             </a:lnSpc>
@@ -1970,12 +1883,13 @@
             <a:spcAft>
               <a:spcPct val="35000"/>
             </a:spcAft>
+            <a:buNone/>
           </a:pPr>
           <a:r>
-            <a:rPr lang="en-US" sz="3100" kern="1200" dirty="0" err="1" smtClean="0"/>
+            <a:rPr lang="en-US" sz="3100" kern="1200" dirty="0" err="1"/>
             <a:t>Fazit</a:t>
           </a:r>
-          <a:endParaRPr lang="en-US" sz="3100" kern="1200" dirty="0" smtClean="0"/>
+          <a:endParaRPr lang="en-US" sz="3100" kern="1200" dirty="0"/>
         </a:p>
       </dsp:txBody>
       <dsp:txXfrm>
@@ -4424,7 +4338,7 @@
           <a:p>
             <a:fld id="{1261BBFF-9D77-47D6-97C5-45941DD9B00F}" type="datetimeFigureOut">
               <a:rPr lang="en-US" smtClean="0"/>
-              <a:t>11/13/2016</a:t>
+              <a:t>11/14/2016</a:t>
             </a:fld>
             <a:endParaRPr lang="en-US"/>
           </a:p>
@@ -4488,35 +4402,35 @@
           <a:p>
             <a:pPr lvl="0"/>
             <a:r>
-              <a:rPr lang="de-DE" smtClean="0"/>
+              <a:rPr lang="de-DE"/>
               <a:t>Textmasterformat bearbeiten</a:t>
             </a:r>
           </a:p>
           <a:p>
             <a:pPr lvl="1"/>
             <a:r>
-              <a:rPr lang="de-DE" smtClean="0"/>
+              <a:rPr lang="de-DE"/>
               <a:t>Zweite Ebene</a:t>
             </a:r>
           </a:p>
           <a:p>
             <a:pPr lvl="2"/>
             <a:r>
-              <a:rPr lang="de-DE" smtClean="0"/>
+              <a:rPr lang="de-DE"/>
               <a:t>Dritte Ebene</a:t>
             </a:r>
           </a:p>
           <a:p>
             <a:pPr lvl="3"/>
             <a:r>
-              <a:rPr lang="de-DE" smtClean="0"/>
+              <a:rPr lang="de-DE"/>
               <a:t>Vierte Ebene</a:t>
             </a:r>
           </a:p>
           <a:p>
             <a:pPr lvl="4"/>
             <a:r>
-              <a:rPr lang="de-DE" smtClean="0"/>
+              <a:rPr lang="de-DE"/>
               <a:t>Fünfte Ebene</a:t>
             </a:r>
             <a:endParaRPr lang="en-US"/>
@@ -4719,13 +4633,6 @@
   <p:clrMapOvr>
     <a:masterClrMapping/>
   </p:clrMapOvr>
-  <p:timing>
-    <p:tnLst>
-      <p:par>
-        <p:cTn id="1" dur="indefinite" restart="never" nodeType="tmRoot"/>
-      </p:par>
-    </p:tnLst>
-  </p:timing>
 </p:sldLayout>
 </file>
 
@@ -4781,7 +4688,7 @@
           </a:lstStyle>
           <a:p>
             <a:r>
-              <a:rPr lang="de-DE" dirty="0" smtClean="0"/>
+              <a:rPr lang="de-DE" dirty="0"/>
               <a:t>Titel</a:t>
             </a:r>
             <a:endParaRPr lang="en-US" dirty="0"/>
@@ -4811,7 +4718,7 @@
           <a:lstStyle/>
           <a:p>
             <a:r>
-              <a:rPr lang="en-US" dirty="0" smtClean="0">
+              <a:rPr lang="en-US" dirty="0">
                 <a:solidFill>
                   <a:srgbClr val="990000"/>
                 </a:solidFill>
@@ -4819,7 +4726,7 @@
               <a:t>Alina </a:t>
             </a:r>
             <a:r>
-              <a:rPr lang="en-US" dirty="0" err="1" smtClean="0">
+              <a:rPr lang="en-US" dirty="0" err="1">
                 <a:solidFill>
                   <a:srgbClr val="990000"/>
                 </a:solidFill>
@@ -4827,7 +4734,7 @@
               <a:t>Fankhänel</a:t>
             </a:r>
             <a:r>
-              <a:rPr lang="en-US" dirty="0" smtClean="0">
+              <a:rPr lang="en-US" dirty="0">
                 <a:solidFill>
                   <a:srgbClr val="990000"/>
                 </a:solidFill>
@@ -4835,7 +4742,7 @@
               <a:t>, Nicola </a:t>
             </a:r>
             <a:r>
-              <a:rPr lang="en-US" dirty="0" err="1" smtClean="0">
+              <a:rPr lang="en-US" dirty="0" err="1">
                 <a:solidFill>
                   <a:srgbClr val="990000"/>
                 </a:solidFill>
@@ -4843,7 +4750,7 @@
               <a:t>Kloke</a:t>
             </a:r>
             <a:r>
-              <a:rPr lang="en-US" dirty="0" smtClean="0">
+              <a:rPr lang="en-US" dirty="0">
                 <a:solidFill>
                   <a:srgbClr val="990000"/>
                 </a:solidFill>
@@ -4851,7 +4758,7 @@
               <a:t> und </a:t>
             </a:r>
             <a:r>
-              <a:rPr lang="en-US" dirty="0" err="1" smtClean="0">
+              <a:rPr lang="en-US" dirty="0" err="1">
                 <a:solidFill>
                   <a:srgbClr val="990000"/>
                 </a:solidFill>
@@ -4859,20 +4766,12 @@
               <a:t>Timo</a:t>
             </a:r>
             <a:r>
-              <a:rPr lang="en-US" dirty="0" smtClean="0">
+              <a:rPr lang="en-US" dirty="0">
                 <a:solidFill>
                   <a:srgbClr val="990000"/>
                 </a:solidFill>
               </a:rPr>
-              <a:t> </a:t>
-            </a:r>
-            <a:r>
-              <a:rPr lang="en-US" dirty="0" smtClean="0">
-                <a:solidFill>
-                  <a:srgbClr val="990000"/>
-                </a:solidFill>
-              </a:rPr>
-              <a:t>Schlüter, </a:t>
+              <a:t> Schlüter, </a:t>
             </a:r>
             <a:fld id="{AE2BDC32-4077-4AB1-98E2-4DA23D62F244}" type="datetime4">
               <a:rPr lang="de-DE" smtClean="0">
@@ -4880,7 +4779,7 @@
                   <a:srgbClr val="990000"/>
                 </a:solidFill>
               </a:rPr>
-              <a:t>13. November 2016</a:t>
+              <a:t>14. November 2016</a:t>
             </a:fld>
             <a:endParaRPr lang="en-US" dirty="0">
               <a:solidFill>
@@ -4921,18 +4820,13 @@
               <a:t>‹Nr.›</a:t>
             </a:fld>
             <a:r>
-              <a:rPr lang="en-US" dirty="0" smtClean="0">
+              <a:rPr lang="en-US" dirty="0">
                 <a:solidFill>
                   <a:srgbClr val="990000"/>
                 </a:solidFill>
               </a:rPr>
-              <a:t>/7</a:t>
-            </a:r>
-            <a:endParaRPr lang="en-US" dirty="0">
-              <a:solidFill>
-                <a:srgbClr val="990000"/>
-              </a:solidFill>
-            </a:endParaRPr>
+              <a:t>/15</a:t>
+            </a:r>
           </a:p>
         </p:txBody>
       </p:sp>
@@ -4946,13 +4840,6 @@
   <p:clrMapOvr>
     <a:masterClrMapping/>
   </p:clrMapOvr>
-  <p:timing>
-    <p:tnLst>
-      <p:par>
-        <p:cTn id="1" dur="indefinite" restart="never" nodeType="tmRoot"/>
-      </p:par>
-    </p:tnLst>
-  </p:timing>
 </p:sldLayout>
 </file>
 
@@ -5001,7 +4888,7 @@
           </a:lstStyle>
           <a:p>
             <a:r>
-              <a:rPr lang="de-DE" dirty="0" smtClean="0"/>
+              <a:rPr lang="de-DE" dirty="0"/>
               <a:t>Titel</a:t>
             </a:r>
             <a:endParaRPr lang="en-US" dirty="0"/>
@@ -5031,11 +4918,11 @@
           <a:lstStyle/>
           <a:p>
             <a:r>
-              <a:rPr lang="en-US" dirty="0" smtClean="0"/>
+              <a:rPr lang="en-US" dirty="0"/>
               <a:t>Timo Schlüter, </a:t>
             </a:r>
             <a:r>
-              <a:rPr lang="de-DE" dirty="0" smtClean="0"/>
+              <a:rPr lang="de-DE" dirty="0"/>
               <a:t>31.01.2015</a:t>
             </a:r>
             <a:endParaRPr lang="en-US" dirty="0"/>
@@ -5069,10 +4956,9 @@
               <a:t>‹Nr.›</a:t>
             </a:fld>
             <a:r>
-              <a:rPr lang="en-US" dirty="0" smtClean="0"/>
+              <a:rPr lang="en-US" dirty="0"/>
               <a:t>/5</a:t>
             </a:r>
-            <a:endParaRPr lang="en-US" dirty="0"/>
           </a:p>
         </p:txBody>
       </p:sp>
@@ -5086,13 +4972,6 @@
   <p:clrMapOvr>
     <a:masterClrMapping/>
   </p:clrMapOvr>
-  <p:timing>
-    <p:tnLst>
-      <p:par>
-        <p:cTn id="1" dur="indefinite" restart="never" nodeType="tmRoot"/>
-      </p:par>
-    </p:tnLst>
-  </p:timing>
 </p:sldLayout>
 </file>
 
@@ -5129,13 +5008,6 @@
   <p:sldLayoutIdLst>
     <p:sldLayoutId id="2147483649" r:id="rId1"/>
   </p:sldLayoutIdLst>
-  <p:timing>
-    <p:tnLst>
-      <p:par>
-        <p:cTn id="1" dur="indefinite" restart="never" nodeType="tmRoot"/>
-      </p:par>
-    </p:tnLst>
-  </p:timing>
   <p:hf hdr="0" ftr="0"/>
   <p:txStyles>
     <p:titleStyle>
@@ -5667,13 +5539,6 @@
     <p:sldLayoutId id="2147483651" r:id="rId1"/>
     <p:sldLayoutId id="2147483652" r:id="rId2"/>
   </p:sldLayoutIdLst>
-  <p:timing>
-    <p:tnLst>
-      <p:par>
-        <p:cTn id="1" dur="indefinite" restart="never" nodeType="tmRoot"/>
-      </p:par>
-    </p:tnLst>
-  </p:timing>
   <p:hf hdr="0" ftr="0"/>
   <p:txStyles>
     <p:titleStyle>
@@ -6007,39 +5872,29 @@
           <a:p>
             <a:pPr algn="ctr"/>
             <a:r>
-              <a:rPr lang="de-DE" sz="6000" dirty="0" smtClean="0">
+              <a:rPr lang="de-DE" sz="6000" dirty="0">
                 <a:solidFill>
                   <a:schemeClr val="bg1"/>
                 </a:solidFill>
               </a:rPr>
               <a:t>Abschlusspräsentation</a:t>
             </a:r>
-            <a:endParaRPr lang="de-DE" sz="6000" dirty="0" smtClean="0">
-              <a:solidFill>
-                <a:schemeClr val="bg1"/>
-              </a:solidFill>
-            </a:endParaRPr>
           </a:p>
           <a:p>
             <a:pPr algn="ctr"/>
             <a:r>
-              <a:rPr lang="de-DE" sz="4500" dirty="0" smtClean="0">
+              <a:rPr lang="de-DE" sz="4500" dirty="0">
                 <a:solidFill>
                   <a:schemeClr val="bg1"/>
                 </a:solidFill>
               </a:rPr>
               <a:t>Projekte der Wirtschaftsinformatik</a:t>
             </a:r>
-            <a:endParaRPr lang="de-DE" sz="4500" dirty="0" smtClean="0">
-              <a:solidFill>
-                <a:schemeClr val="bg1"/>
-              </a:solidFill>
-            </a:endParaRPr>
           </a:p>
           <a:p>
             <a:pPr algn="ctr"/>
             <a:r>
-              <a:rPr lang="de-DE" sz="3000" dirty="0" smtClean="0">
+              <a:rPr lang="de-DE" sz="3000" dirty="0">
                 <a:solidFill>
                   <a:schemeClr val="bg1"/>
                 </a:solidFill>
@@ -6047,7 +5902,7 @@
               <a:t>Alina </a:t>
             </a:r>
             <a:r>
-              <a:rPr lang="de-DE" sz="3000" dirty="0" err="1" smtClean="0">
+              <a:rPr lang="de-DE" sz="3000" dirty="0" err="1">
                 <a:solidFill>
                   <a:schemeClr val="bg1"/>
                 </a:solidFill>
@@ -6055,7 +5910,7 @@
               <a:t>Fankhänel</a:t>
             </a:r>
             <a:r>
-              <a:rPr lang="de-DE" sz="3000" dirty="0" smtClean="0">
+              <a:rPr lang="de-DE" sz="3000" dirty="0">
                 <a:solidFill>
                   <a:schemeClr val="bg1"/>
                 </a:solidFill>
@@ -6063,7 +5918,7 @@
               <a:t>, Nicola </a:t>
             </a:r>
             <a:r>
-              <a:rPr lang="de-DE" sz="3000" dirty="0" err="1" smtClean="0">
+              <a:rPr lang="de-DE" sz="3000" dirty="0" err="1">
                 <a:solidFill>
                   <a:schemeClr val="bg1"/>
                 </a:solidFill>
@@ -6071,7 +5926,7 @@
               <a:t>Kloke</a:t>
             </a:r>
             <a:r>
-              <a:rPr lang="de-DE" sz="3000" dirty="0" smtClean="0">
+              <a:rPr lang="de-DE" sz="3000" dirty="0">
                 <a:solidFill>
                   <a:schemeClr val="bg1"/>
                 </a:solidFill>
@@ -6079,7 +5934,7 @@
               <a:t> </a:t>
             </a:r>
             <a:r>
-              <a:rPr lang="de-DE" sz="3000" dirty="0" err="1" smtClean="0">
+              <a:rPr lang="de-DE" sz="3000" dirty="0" err="1">
                 <a:solidFill>
                   <a:schemeClr val="bg1"/>
                 </a:solidFill>
@@ -6087,26 +5942,13 @@
               <a:t>undTimo</a:t>
             </a:r>
             <a:r>
-              <a:rPr lang="de-DE" sz="3000" dirty="0" smtClean="0">
+              <a:rPr lang="de-DE" sz="3000" dirty="0">
                 <a:solidFill>
                   <a:schemeClr val="bg1"/>
                 </a:solidFill>
               </a:rPr>
-              <a:t> </a:t>
-            </a:r>
-            <a:r>
-              <a:rPr lang="de-DE" sz="3000" dirty="0" smtClean="0">
-                <a:solidFill>
-                  <a:schemeClr val="bg1"/>
-                </a:solidFill>
-              </a:rPr>
-              <a:t>Schlüter</a:t>
-            </a:r>
-            <a:endParaRPr lang="de-DE" sz="3000" dirty="0">
-              <a:solidFill>
-                <a:schemeClr val="bg1"/>
-              </a:solidFill>
-            </a:endParaRPr>
+              <a:t> Schlüter</a:t>
+            </a:r>
           </a:p>
         </p:txBody>
       </p:sp>
@@ -6180,1254 +6022,10 @@
   <p:clrMapOvr>
     <a:masterClrMapping/>
   </p:clrMapOvr>
-  <p:timing>
-    <p:tnLst>
-      <p:par>
-        <p:cTn id="1" dur="indefinite" restart="never" nodeType="tmRoot"/>
-      </p:par>
-    </p:tnLst>
-  </p:timing>
 </p:sld>
 </file>
 
 <file path=ppt/slides/slide10.xml><?xml version="1.0" encoding="utf-8"?>
-<p:sld xmlns:a="http://schemas.openxmlformats.org/drawingml/2006/main" xmlns:r="http://schemas.openxmlformats.org/officeDocument/2006/relationships" xmlns:p="http://schemas.openxmlformats.org/presentationml/2006/main">
-  <p:cSld>
-    <p:spTree>
-      <p:nvGrpSpPr>
-        <p:cNvPr id="1" name=""/>
-        <p:cNvGrpSpPr/>
-        <p:nvPr/>
-      </p:nvGrpSpPr>
-      <p:grpSpPr>
-        <a:xfrm>
-          <a:off x="0" y="0"/>
-          <a:ext cx="0" cy="0"/>
-          <a:chOff x="0" y="0"/>
-          <a:chExt cx="0" cy="0"/>
-        </a:xfrm>
-      </p:grpSpPr>
-      <p:sp>
-        <p:nvSpPr>
-          <p:cNvPr id="3" name="Titel 2"/>
-          <p:cNvSpPr>
-            <a:spLocks noGrp="1"/>
-          </p:cNvSpPr>
-          <p:nvPr>
-            <p:ph type="title"/>
-          </p:nvPr>
-        </p:nvSpPr>
-        <p:spPr/>
-        <p:txBody>
-          <a:bodyPr/>
-          <a:lstStyle/>
-          <a:p>
-            <a:r>
-              <a:rPr lang="en-GB" dirty="0" err="1" smtClean="0"/>
-              <a:t>Funktionen</a:t>
-            </a:r>
-            <a:r>
-              <a:rPr lang="en-GB" dirty="0" smtClean="0"/>
-              <a:t>: Admin (Festival)</a:t>
-            </a:r>
-            <a:endParaRPr lang="en-GB" dirty="0"/>
-          </a:p>
-        </p:txBody>
-      </p:sp>
-      <p:sp>
-        <p:nvSpPr>
-          <p:cNvPr id="4" name="Textfeld 3"/>
-          <p:cNvSpPr txBox="1"/>
-          <p:nvPr/>
-        </p:nvSpPr>
-        <p:spPr>
-          <a:xfrm>
-            <a:off x="370703" y="1606378"/>
-            <a:ext cx="11252886" cy="589072"/>
-          </a:xfrm>
-          <a:prstGeom prst="rect">
-            <a:avLst/>
-          </a:prstGeom>
-          <a:noFill/>
-        </p:spPr>
-        <p:txBody>
-          <a:bodyPr wrap="square" rtlCol="0">
-            <a:spAutoFit/>
-          </a:bodyPr>
-          <a:lstStyle/>
-          <a:p>
-            <a:pPr lvl="4">
-              <a:lnSpc>
-                <a:spcPct val="150000"/>
-              </a:lnSpc>
-            </a:pPr>
-            <a:endParaRPr lang="en-US" sz="2400" dirty="0">
-              <a:solidFill>
-                <a:srgbClr val="990000"/>
-              </a:solidFill>
-            </a:endParaRPr>
-          </a:p>
-        </p:txBody>
-      </p:sp>
-      <p:sp>
-        <p:nvSpPr>
-          <p:cNvPr id="5" name="Rechteck 4"/>
-          <p:cNvSpPr/>
-          <p:nvPr/>
-        </p:nvSpPr>
-        <p:spPr>
-          <a:xfrm>
-            <a:off x="2446965" y="5708708"/>
-            <a:ext cx="2438167" cy="304800"/>
-          </a:xfrm>
-          <a:prstGeom prst="rect">
-            <a:avLst/>
-          </a:prstGeom>
-          <a:solidFill>
-            <a:srgbClr val="990000"/>
-          </a:solidFill>
-          <a:ln>
-            <a:solidFill>
-              <a:srgbClr val="C00000"/>
-            </a:solidFill>
-          </a:ln>
-        </p:spPr>
-        <p:style>
-          <a:lnRef idx="2">
-            <a:schemeClr val="accent1">
-              <a:shade val="50000"/>
-            </a:schemeClr>
-          </a:lnRef>
-          <a:fillRef idx="1">
-            <a:schemeClr val="accent1"/>
-          </a:fillRef>
-          <a:effectRef idx="0">
-            <a:schemeClr val="accent1"/>
-          </a:effectRef>
-          <a:fontRef idx="minor">
-            <a:schemeClr val="lt1"/>
-          </a:fontRef>
-        </p:style>
-        <p:txBody>
-          <a:bodyPr rtlCol="0" anchor="ctr"/>
-          <a:lstStyle/>
-          <a:p>
-            <a:pPr algn="ctr"/>
-            <a:r>
-              <a:rPr lang="en-US" dirty="0" err="1"/>
-              <a:t>Projektmanagement</a:t>
-            </a:r>
-            <a:endParaRPr lang="en-US" dirty="0"/>
-          </a:p>
-        </p:txBody>
-      </p:sp>
-      <p:sp>
-        <p:nvSpPr>
-          <p:cNvPr id="6" name="Rechteck 5"/>
-          <p:cNvSpPr/>
-          <p:nvPr/>
-        </p:nvSpPr>
-        <p:spPr>
-          <a:xfrm>
-            <a:off x="0" y="5708708"/>
-            <a:ext cx="2444739" cy="304800"/>
-          </a:xfrm>
-          <a:prstGeom prst="rect">
-            <a:avLst/>
-          </a:prstGeom>
-          <a:solidFill>
-            <a:srgbClr val="990000"/>
-          </a:solidFill>
-          <a:ln>
-            <a:solidFill>
-              <a:srgbClr val="C00000"/>
-            </a:solidFill>
-          </a:ln>
-        </p:spPr>
-        <p:style>
-          <a:lnRef idx="2">
-            <a:schemeClr val="accent1">
-              <a:shade val="50000"/>
-            </a:schemeClr>
-          </a:lnRef>
-          <a:fillRef idx="1">
-            <a:schemeClr val="accent1"/>
-          </a:fillRef>
-          <a:effectRef idx="0">
-            <a:schemeClr val="accent1"/>
-          </a:effectRef>
-          <a:fontRef idx="minor">
-            <a:schemeClr val="lt1"/>
-          </a:fontRef>
-        </p:style>
-        <p:txBody>
-          <a:bodyPr rtlCol="0" anchor="ctr"/>
-          <a:lstStyle/>
-          <a:p>
-            <a:pPr algn="ctr"/>
-            <a:r>
-              <a:rPr lang="en-US" dirty="0" err="1"/>
-              <a:t>Technisches</a:t>
-            </a:r>
-            <a:r>
-              <a:rPr lang="en-US" dirty="0"/>
-              <a:t> </a:t>
-            </a:r>
-            <a:r>
-              <a:rPr lang="en-US" dirty="0" err="1"/>
-              <a:t>Konzept</a:t>
-            </a:r>
-            <a:endParaRPr lang="en-US" dirty="0"/>
-          </a:p>
-        </p:txBody>
-      </p:sp>
-      <p:sp>
-        <p:nvSpPr>
-          <p:cNvPr id="7" name="Rechteck 6"/>
-          <p:cNvSpPr/>
-          <p:nvPr/>
-        </p:nvSpPr>
-        <p:spPr>
-          <a:xfrm>
-            <a:off x="4885132" y="5576904"/>
-            <a:ext cx="2422903" cy="436604"/>
-          </a:xfrm>
-          <a:prstGeom prst="rect">
-            <a:avLst/>
-          </a:prstGeom>
-          <a:solidFill>
-            <a:srgbClr val="C00000"/>
-          </a:solidFill>
-          <a:ln>
-            <a:solidFill>
-              <a:srgbClr val="990000"/>
-            </a:solidFill>
-          </a:ln>
-        </p:spPr>
-        <p:style>
-          <a:lnRef idx="2">
-            <a:schemeClr val="accent1">
-              <a:shade val="50000"/>
-            </a:schemeClr>
-          </a:lnRef>
-          <a:fillRef idx="1">
-            <a:schemeClr val="accent1"/>
-          </a:fillRef>
-          <a:effectRef idx="0">
-            <a:schemeClr val="accent1"/>
-          </a:effectRef>
-          <a:fontRef idx="minor">
-            <a:schemeClr val="lt1"/>
-          </a:fontRef>
-        </p:style>
-        <p:txBody>
-          <a:bodyPr rtlCol="0" anchor="ctr"/>
-          <a:lstStyle/>
-          <a:p>
-            <a:pPr algn="ctr"/>
-            <a:r>
-              <a:rPr lang="en-US" dirty="0" err="1"/>
-              <a:t>Funktionen</a:t>
-            </a:r>
-            <a:endParaRPr lang="en-US" dirty="0"/>
-          </a:p>
-        </p:txBody>
-      </p:sp>
-      <p:sp>
-        <p:nvSpPr>
-          <p:cNvPr id="8" name="Rechteck 7"/>
-          <p:cNvSpPr/>
-          <p:nvPr/>
-        </p:nvSpPr>
-        <p:spPr>
-          <a:xfrm>
-            <a:off x="7315667" y="5708708"/>
-            <a:ext cx="2438167" cy="304800"/>
-          </a:xfrm>
-          <a:prstGeom prst="rect">
-            <a:avLst/>
-          </a:prstGeom>
-          <a:solidFill>
-            <a:srgbClr val="990000"/>
-          </a:solidFill>
-          <a:ln>
-            <a:solidFill>
-              <a:srgbClr val="C00000"/>
-            </a:solidFill>
-          </a:ln>
-        </p:spPr>
-        <p:style>
-          <a:lnRef idx="2">
-            <a:schemeClr val="accent1">
-              <a:shade val="50000"/>
-            </a:schemeClr>
-          </a:lnRef>
-          <a:fillRef idx="1">
-            <a:schemeClr val="accent1"/>
-          </a:fillRef>
-          <a:effectRef idx="0">
-            <a:schemeClr val="accent1"/>
-          </a:effectRef>
-          <a:fontRef idx="minor">
-            <a:schemeClr val="lt1"/>
-          </a:fontRef>
-        </p:style>
-        <p:txBody>
-          <a:bodyPr rtlCol="0" anchor="ctr"/>
-          <a:lstStyle/>
-          <a:p>
-            <a:pPr algn="ctr"/>
-            <a:r>
-              <a:rPr lang="en-US" dirty="0"/>
-              <a:t>Live Demo</a:t>
-            </a:r>
-            <a:endParaRPr lang="en-US" dirty="0"/>
-          </a:p>
-        </p:txBody>
-      </p:sp>
-      <p:sp>
-        <p:nvSpPr>
-          <p:cNvPr id="9" name="Rechteck 8"/>
-          <p:cNvSpPr/>
-          <p:nvPr/>
-        </p:nvSpPr>
-        <p:spPr>
-          <a:xfrm>
-            <a:off x="9753834" y="5708708"/>
-            <a:ext cx="2438166" cy="304800"/>
-          </a:xfrm>
-          <a:prstGeom prst="rect">
-            <a:avLst/>
-          </a:prstGeom>
-          <a:solidFill>
-            <a:srgbClr val="990000"/>
-          </a:solidFill>
-          <a:ln>
-            <a:solidFill>
-              <a:srgbClr val="C00000"/>
-            </a:solidFill>
-          </a:ln>
-        </p:spPr>
-        <p:style>
-          <a:lnRef idx="2">
-            <a:schemeClr val="accent1">
-              <a:shade val="50000"/>
-            </a:schemeClr>
-          </a:lnRef>
-          <a:fillRef idx="1">
-            <a:schemeClr val="accent1"/>
-          </a:fillRef>
-          <a:effectRef idx="0">
-            <a:schemeClr val="accent1"/>
-          </a:effectRef>
-          <a:fontRef idx="minor">
-            <a:schemeClr val="lt1"/>
-          </a:fontRef>
-        </p:style>
-        <p:txBody>
-          <a:bodyPr rtlCol="0" anchor="ctr"/>
-          <a:lstStyle/>
-          <a:p>
-            <a:pPr algn="ctr"/>
-            <a:r>
-              <a:rPr lang="en-US" dirty="0" err="1"/>
-              <a:t>Fazit</a:t>
-            </a:r>
-            <a:endParaRPr lang="en-US" dirty="0"/>
-          </a:p>
-        </p:txBody>
-      </p:sp>
-      <p:pic>
-        <p:nvPicPr>
-          <p:cNvPr id="11" name="Grafik 10"/>
-          <p:cNvPicPr>
-            <a:picLocks noChangeAspect="1"/>
-          </p:cNvPicPr>
-          <p:nvPr/>
-        </p:nvPicPr>
-        <p:blipFill>
-          <a:blip r:embed="rId2">
-            <a:extLst>
-              <a:ext uri="{28A0092B-C50C-407E-A947-70E740481C1C}">
-                <a14:useLocalDpi xmlns:a14="http://schemas.microsoft.com/office/drawing/2010/main" val="0"/>
-              </a:ext>
-            </a:extLst>
-          </a:blip>
-          <a:stretch>
-            <a:fillRect/>
-          </a:stretch>
-        </p:blipFill>
-        <p:spPr>
-          <a:xfrm>
-            <a:off x="925092" y="1561699"/>
-            <a:ext cx="7603484" cy="3470400"/>
-          </a:xfrm>
-          <a:prstGeom prst="rect">
-            <a:avLst/>
-          </a:prstGeom>
-          <a:ln>
-            <a:noFill/>
-          </a:ln>
-          <a:effectLst>
-            <a:outerShdw blurRad="190500" algn="tl" rotWithShape="0">
-              <a:srgbClr val="000000">
-                <a:alpha val="70000"/>
-              </a:srgbClr>
-            </a:outerShdw>
-          </a:effectLst>
-        </p:spPr>
-      </p:pic>
-    </p:spTree>
-    <p:extLst>
-      <p:ext uri="{BB962C8B-B14F-4D97-AF65-F5344CB8AC3E}">
-        <p14:creationId xmlns:p14="http://schemas.microsoft.com/office/powerpoint/2010/main" val="2773457053"/>
-      </p:ext>
-    </p:extLst>
-  </p:cSld>
-  <p:clrMapOvr>
-    <a:masterClrMapping/>
-  </p:clrMapOvr>
-  <p:timing>
-    <p:tnLst>
-      <p:par>
-        <p:cTn id="1" dur="indefinite" restart="never" nodeType="tmRoot"/>
-      </p:par>
-    </p:tnLst>
-  </p:timing>
-</p:sld>
-</file>
-
-<file path=ppt/slides/slide11.xml><?xml version="1.0" encoding="utf-8"?>
-<p:sld xmlns:a="http://schemas.openxmlformats.org/drawingml/2006/main" xmlns:r="http://schemas.openxmlformats.org/officeDocument/2006/relationships" xmlns:p="http://schemas.openxmlformats.org/presentationml/2006/main">
-  <p:cSld>
-    <p:spTree>
-      <p:nvGrpSpPr>
-        <p:cNvPr id="1" name=""/>
-        <p:cNvGrpSpPr/>
-        <p:nvPr/>
-      </p:nvGrpSpPr>
-      <p:grpSpPr>
-        <a:xfrm>
-          <a:off x="0" y="0"/>
-          <a:ext cx="0" cy="0"/>
-          <a:chOff x="0" y="0"/>
-          <a:chExt cx="0" cy="0"/>
-        </a:xfrm>
-      </p:grpSpPr>
-      <p:sp>
-        <p:nvSpPr>
-          <p:cNvPr id="3" name="Titel 2"/>
-          <p:cNvSpPr>
-            <a:spLocks noGrp="1"/>
-          </p:cNvSpPr>
-          <p:nvPr>
-            <p:ph type="title"/>
-          </p:nvPr>
-        </p:nvSpPr>
-        <p:spPr/>
-        <p:txBody>
-          <a:bodyPr/>
-          <a:lstStyle/>
-          <a:p>
-            <a:r>
-              <a:rPr lang="en-GB" dirty="0" err="1" smtClean="0"/>
-              <a:t>Funktionen</a:t>
-            </a:r>
-            <a:r>
-              <a:rPr lang="en-GB" dirty="0" smtClean="0"/>
-              <a:t>: Admin (</a:t>
-            </a:r>
-            <a:r>
-              <a:rPr lang="en-GB" dirty="0" err="1" smtClean="0"/>
-              <a:t>Kunden</a:t>
-            </a:r>
-            <a:r>
-              <a:rPr lang="en-GB" dirty="0" smtClean="0"/>
-              <a:t>)</a:t>
-            </a:r>
-            <a:endParaRPr lang="en-GB" dirty="0"/>
-          </a:p>
-        </p:txBody>
-      </p:sp>
-      <p:sp>
-        <p:nvSpPr>
-          <p:cNvPr id="4" name="Textfeld 3"/>
-          <p:cNvSpPr txBox="1"/>
-          <p:nvPr/>
-        </p:nvSpPr>
-        <p:spPr>
-          <a:xfrm>
-            <a:off x="370703" y="1606378"/>
-            <a:ext cx="11252886" cy="589072"/>
-          </a:xfrm>
-          <a:prstGeom prst="rect">
-            <a:avLst/>
-          </a:prstGeom>
-          <a:noFill/>
-        </p:spPr>
-        <p:txBody>
-          <a:bodyPr wrap="square" rtlCol="0">
-            <a:spAutoFit/>
-          </a:bodyPr>
-          <a:lstStyle/>
-          <a:p>
-            <a:pPr lvl="4">
-              <a:lnSpc>
-                <a:spcPct val="150000"/>
-              </a:lnSpc>
-            </a:pPr>
-            <a:endParaRPr lang="en-US" sz="2400" dirty="0">
-              <a:solidFill>
-                <a:srgbClr val="990000"/>
-              </a:solidFill>
-            </a:endParaRPr>
-          </a:p>
-        </p:txBody>
-      </p:sp>
-      <p:sp>
-        <p:nvSpPr>
-          <p:cNvPr id="5" name="Rechteck 4"/>
-          <p:cNvSpPr/>
-          <p:nvPr/>
-        </p:nvSpPr>
-        <p:spPr>
-          <a:xfrm>
-            <a:off x="2446965" y="5708708"/>
-            <a:ext cx="2438167" cy="304800"/>
-          </a:xfrm>
-          <a:prstGeom prst="rect">
-            <a:avLst/>
-          </a:prstGeom>
-          <a:solidFill>
-            <a:srgbClr val="990000"/>
-          </a:solidFill>
-          <a:ln>
-            <a:solidFill>
-              <a:srgbClr val="C00000"/>
-            </a:solidFill>
-          </a:ln>
-        </p:spPr>
-        <p:style>
-          <a:lnRef idx="2">
-            <a:schemeClr val="accent1">
-              <a:shade val="50000"/>
-            </a:schemeClr>
-          </a:lnRef>
-          <a:fillRef idx="1">
-            <a:schemeClr val="accent1"/>
-          </a:fillRef>
-          <a:effectRef idx="0">
-            <a:schemeClr val="accent1"/>
-          </a:effectRef>
-          <a:fontRef idx="minor">
-            <a:schemeClr val="lt1"/>
-          </a:fontRef>
-        </p:style>
-        <p:txBody>
-          <a:bodyPr rtlCol="0" anchor="ctr"/>
-          <a:lstStyle/>
-          <a:p>
-            <a:pPr algn="ctr"/>
-            <a:r>
-              <a:rPr lang="en-US" dirty="0" err="1"/>
-              <a:t>Projektmanagement</a:t>
-            </a:r>
-            <a:endParaRPr lang="en-US" dirty="0"/>
-          </a:p>
-        </p:txBody>
-      </p:sp>
-      <p:sp>
-        <p:nvSpPr>
-          <p:cNvPr id="6" name="Rechteck 5"/>
-          <p:cNvSpPr/>
-          <p:nvPr/>
-        </p:nvSpPr>
-        <p:spPr>
-          <a:xfrm>
-            <a:off x="0" y="5708708"/>
-            <a:ext cx="2444739" cy="304800"/>
-          </a:xfrm>
-          <a:prstGeom prst="rect">
-            <a:avLst/>
-          </a:prstGeom>
-          <a:solidFill>
-            <a:srgbClr val="990000"/>
-          </a:solidFill>
-          <a:ln>
-            <a:solidFill>
-              <a:srgbClr val="C00000"/>
-            </a:solidFill>
-          </a:ln>
-        </p:spPr>
-        <p:style>
-          <a:lnRef idx="2">
-            <a:schemeClr val="accent1">
-              <a:shade val="50000"/>
-            </a:schemeClr>
-          </a:lnRef>
-          <a:fillRef idx="1">
-            <a:schemeClr val="accent1"/>
-          </a:fillRef>
-          <a:effectRef idx="0">
-            <a:schemeClr val="accent1"/>
-          </a:effectRef>
-          <a:fontRef idx="minor">
-            <a:schemeClr val="lt1"/>
-          </a:fontRef>
-        </p:style>
-        <p:txBody>
-          <a:bodyPr rtlCol="0" anchor="ctr"/>
-          <a:lstStyle/>
-          <a:p>
-            <a:pPr algn="ctr"/>
-            <a:r>
-              <a:rPr lang="en-US" dirty="0" err="1"/>
-              <a:t>Technisches</a:t>
-            </a:r>
-            <a:r>
-              <a:rPr lang="en-US" dirty="0"/>
-              <a:t> </a:t>
-            </a:r>
-            <a:r>
-              <a:rPr lang="en-US" dirty="0" err="1"/>
-              <a:t>Konzept</a:t>
-            </a:r>
-            <a:endParaRPr lang="en-US" dirty="0"/>
-          </a:p>
-        </p:txBody>
-      </p:sp>
-      <p:sp>
-        <p:nvSpPr>
-          <p:cNvPr id="7" name="Rechteck 6"/>
-          <p:cNvSpPr/>
-          <p:nvPr/>
-        </p:nvSpPr>
-        <p:spPr>
-          <a:xfrm>
-            <a:off x="4885132" y="5576904"/>
-            <a:ext cx="2422903" cy="436604"/>
-          </a:xfrm>
-          <a:prstGeom prst="rect">
-            <a:avLst/>
-          </a:prstGeom>
-          <a:solidFill>
-            <a:srgbClr val="C00000"/>
-          </a:solidFill>
-          <a:ln>
-            <a:solidFill>
-              <a:srgbClr val="990000"/>
-            </a:solidFill>
-          </a:ln>
-        </p:spPr>
-        <p:style>
-          <a:lnRef idx="2">
-            <a:schemeClr val="accent1">
-              <a:shade val="50000"/>
-            </a:schemeClr>
-          </a:lnRef>
-          <a:fillRef idx="1">
-            <a:schemeClr val="accent1"/>
-          </a:fillRef>
-          <a:effectRef idx="0">
-            <a:schemeClr val="accent1"/>
-          </a:effectRef>
-          <a:fontRef idx="minor">
-            <a:schemeClr val="lt1"/>
-          </a:fontRef>
-        </p:style>
-        <p:txBody>
-          <a:bodyPr rtlCol="0" anchor="ctr"/>
-          <a:lstStyle/>
-          <a:p>
-            <a:pPr algn="ctr"/>
-            <a:r>
-              <a:rPr lang="en-US" dirty="0" err="1"/>
-              <a:t>Funktionen</a:t>
-            </a:r>
-            <a:endParaRPr lang="en-US" dirty="0"/>
-          </a:p>
-        </p:txBody>
-      </p:sp>
-      <p:sp>
-        <p:nvSpPr>
-          <p:cNvPr id="8" name="Rechteck 7"/>
-          <p:cNvSpPr/>
-          <p:nvPr/>
-        </p:nvSpPr>
-        <p:spPr>
-          <a:xfrm>
-            <a:off x="7315667" y="5708708"/>
-            <a:ext cx="2438167" cy="304800"/>
-          </a:xfrm>
-          <a:prstGeom prst="rect">
-            <a:avLst/>
-          </a:prstGeom>
-          <a:solidFill>
-            <a:srgbClr val="990000"/>
-          </a:solidFill>
-          <a:ln>
-            <a:solidFill>
-              <a:srgbClr val="C00000"/>
-            </a:solidFill>
-          </a:ln>
-        </p:spPr>
-        <p:style>
-          <a:lnRef idx="2">
-            <a:schemeClr val="accent1">
-              <a:shade val="50000"/>
-            </a:schemeClr>
-          </a:lnRef>
-          <a:fillRef idx="1">
-            <a:schemeClr val="accent1"/>
-          </a:fillRef>
-          <a:effectRef idx="0">
-            <a:schemeClr val="accent1"/>
-          </a:effectRef>
-          <a:fontRef idx="minor">
-            <a:schemeClr val="lt1"/>
-          </a:fontRef>
-        </p:style>
-        <p:txBody>
-          <a:bodyPr rtlCol="0" anchor="ctr"/>
-          <a:lstStyle/>
-          <a:p>
-            <a:pPr algn="ctr"/>
-            <a:r>
-              <a:rPr lang="en-US" dirty="0"/>
-              <a:t>Live Demo</a:t>
-            </a:r>
-            <a:endParaRPr lang="en-US" dirty="0"/>
-          </a:p>
-        </p:txBody>
-      </p:sp>
-      <p:sp>
-        <p:nvSpPr>
-          <p:cNvPr id="9" name="Rechteck 8"/>
-          <p:cNvSpPr/>
-          <p:nvPr/>
-        </p:nvSpPr>
-        <p:spPr>
-          <a:xfrm>
-            <a:off x="9753834" y="5708708"/>
-            <a:ext cx="2438166" cy="304800"/>
-          </a:xfrm>
-          <a:prstGeom prst="rect">
-            <a:avLst/>
-          </a:prstGeom>
-          <a:solidFill>
-            <a:srgbClr val="990000"/>
-          </a:solidFill>
-          <a:ln>
-            <a:solidFill>
-              <a:srgbClr val="C00000"/>
-            </a:solidFill>
-          </a:ln>
-        </p:spPr>
-        <p:style>
-          <a:lnRef idx="2">
-            <a:schemeClr val="accent1">
-              <a:shade val="50000"/>
-            </a:schemeClr>
-          </a:lnRef>
-          <a:fillRef idx="1">
-            <a:schemeClr val="accent1"/>
-          </a:fillRef>
-          <a:effectRef idx="0">
-            <a:schemeClr val="accent1"/>
-          </a:effectRef>
-          <a:fontRef idx="minor">
-            <a:schemeClr val="lt1"/>
-          </a:fontRef>
-        </p:style>
-        <p:txBody>
-          <a:bodyPr rtlCol="0" anchor="ctr"/>
-          <a:lstStyle/>
-          <a:p>
-            <a:pPr algn="ctr"/>
-            <a:r>
-              <a:rPr lang="en-US" dirty="0" err="1"/>
-              <a:t>Fazit</a:t>
-            </a:r>
-            <a:endParaRPr lang="en-US" dirty="0"/>
-          </a:p>
-        </p:txBody>
-      </p:sp>
-      <p:pic>
-        <p:nvPicPr>
-          <p:cNvPr id="10" name="Grafik 9"/>
-          <p:cNvPicPr>
-            <a:picLocks noChangeAspect="1"/>
-          </p:cNvPicPr>
-          <p:nvPr/>
-        </p:nvPicPr>
-        <p:blipFill>
-          <a:blip r:embed="rId2">
-            <a:extLst>
-              <a:ext uri="{28A0092B-C50C-407E-A947-70E740481C1C}">
-                <a14:useLocalDpi xmlns:a14="http://schemas.microsoft.com/office/drawing/2010/main" val="0"/>
-              </a:ext>
-            </a:extLst>
-          </a:blip>
-          <a:stretch>
-            <a:fillRect/>
-          </a:stretch>
-        </p:blipFill>
-        <p:spPr>
-          <a:xfrm>
-            <a:off x="925092" y="1561699"/>
-            <a:ext cx="7740000" cy="3471146"/>
-          </a:xfrm>
-          <a:prstGeom prst="rect">
-            <a:avLst/>
-          </a:prstGeom>
-          <a:ln>
-            <a:noFill/>
-          </a:ln>
-          <a:effectLst>
-            <a:outerShdw blurRad="190500" algn="tl" rotWithShape="0">
-              <a:srgbClr val="000000">
-                <a:alpha val="70000"/>
-              </a:srgbClr>
-            </a:outerShdw>
-          </a:effectLst>
-        </p:spPr>
-      </p:pic>
-    </p:spTree>
-    <p:extLst>
-      <p:ext uri="{BB962C8B-B14F-4D97-AF65-F5344CB8AC3E}">
-        <p14:creationId xmlns:p14="http://schemas.microsoft.com/office/powerpoint/2010/main" val="4120019029"/>
-      </p:ext>
-    </p:extLst>
-  </p:cSld>
-  <p:clrMapOvr>
-    <a:masterClrMapping/>
-  </p:clrMapOvr>
-  <p:timing>
-    <p:tnLst>
-      <p:par>
-        <p:cTn id="1" dur="indefinite" restart="never" nodeType="tmRoot"/>
-      </p:par>
-    </p:tnLst>
-  </p:timing>
-</p:sld>
-</file>
-
-<file path=ppt/slides/slide12.xml><?xml version="1.0" encoding="utf-8"?>
-<p:sld xmlns:a="http://schemas.openxmlformats.org/drawingml/2006/main" xmlns:r="http://schemas.openxmlformats.org/officeDocument/2006/relationships" xmlns:p="http://schemas.openxmlformats.org/presentationml/2006/main">
-  <p:cSld>
-    <p:spTree>
-      <p:nvGrpSpPr>
-        <p:cNvPr id="1" name=""/>
-        <p:cNvGrpSpPr/>
-        <p:nvPr/>
-      </p:nvGrpSpPr>
-      <p:grpSpPr>
-        <a:xfrm>
-          <a:off x="0" y="0"/>
-          <a:ext cx="0" cy="0"/>
-          <a:chOff x="0" y="0"/>
-          <a:chExt cx="0" cy="0"/>
-        </a:xfrm>
-      </p:grpSpPr>
-      <p:sp>
-        <p:nvSpPr>
-          <p:cNvPr id="3" name="Titel 2"/>
-          <p:cNvSpPr>
-            <a:spLocks noGrp="1"/>
-          </p:cNvSpPr>
-          <p:nvPr>
-            <p:ph type="title"/>
-          </p:nvPr>
-        </p:nvSpPr>
-        <p:spPr/>
-        <p:txBody>
-          <a:bodyPr/>
-          <a:lstStyle/>
-          <a:p>
-            <a:r>
-              <a:rPr lang="en-GB" dirty="0" err="1" smtClean="0"/>
-              <a:t>Funktionen</a:t>
-            </a:r>
-            <a:r>
-              <a:rPr lang="en-GB" dirty="0" smtClean="0"/>
-              <a:t>: Admin (</a:t>
-            </a:r>
-            <a:r>
-              <a:rPr lang="en-GB" dirty="0" err="1" smtClean="0"/>
-              <a:t>Kategorie</a:t>
-            </a:r>
-            <a:r>
-              <a:rPr lang="en-GB" dirty="0" smtClean="0"/>
-              <a:t>)</a:t>
-            </a:r>
-            <a:endParaRPr lang="en-GB" dirty="0"/>
-          </a:p>
-        </p:txBody>
-      </p:sp>
-      <p:sp>
-        <p:nvSpPr>
-          <p:cNvPr id="4" name="Textfeld 3"/>
-          <p:cNvSpPr txBox="1"/>
-          <p:nvPr/>
-        </p:nvSpPr>
-        <p:spPr>
-          <a:xfrm>
-            <a:off x="370703" y="1606378"/>
-            <a:ext cx="11252886" cy="589072"/>
-          </a:xfrm>
-          <a:prstGeom prst="rect">
-            <a:avLst/>
-          </a:prstGeom>
-          <a:noFill/>
-        </p:spPr>
-        <p:txBody>
-          <a:bodyPr wrap="square" rtlCol="0">
-            <a:spAutoFit/>
-          </a:bodyPr>
-          <a:lstStyle/>
-          <a:p>
-            <a:pPr lvl="4">
-              <a:lnSpc>
-                <a:spcPct val="150000"/>
-              </a:lnSpc>
-            </a:pPr>
-            <a:endParaRPr lang="en-US" sz="2400" dirty="0">
-              <a:solidFill>
-                <a:srgbClr val="990000"/>
-              </a:solidFill>
-            </a:endParaRPr>
-          </a:p>
-        </p:txBody>
-      </p:sp>
-      <p:sp>
-        <p:nvSpPr>
-          <p:cNvPr id="5" name="Rechteck 4"/>
-          <p:cNvSpPr/>
-          <p:nvPr/>
-        </p:nvSpPr>
-        <p:spPr>
-          <a:xfrm>
-            <a:off x="2446965" y="5708708"/>
-            <a:ext cx="2438167" cy="304800"/>
-          </a:xfrm>
-          <a:prstGeom prst="rect">
-            <a:avLst/>
-          </a:prstGeom>
-          <a:solidFill>
-            <a:srgbClr val="990000"/>
-          </a:solidFill>
-          <a:ln>
-            <a:solidFill>
-              <a:srgbClr val="C00000"/>
-            </a:solidFill>
-          </a:ln>
-        </p:spPr>
-        <p:style>
-          <a:lnRef idx="2">
-            <a:schemeClr val="accent1">
-              <a:shade val="50000"/>
-            </a:schemeClr>
-          </a:lnRef>
-          <a:fillRef idx="1">
-            <a:schemeClr val="accent1"/>
-          </a:fillRef>
-          <a:effectRef idx="0">
-            <a:schemeClr val="accent1"/>
-          </a:effectRef>
-          <a:fontRef idx="minor">
-            <a:schemeClr val="lt1"/>
-          </a:fontRef>
-        </p:style>
-        <p:txBody>
-          <a:bodyPr rtlCol="0" anchor="ctr"/>
-          <a:lstStyle/>
-          <a:p>
-            <a:pPr algn="ctr"/>
-            <a:r>
-              <a:rPr lang="en-US" dirty="0" err="1"/>
-              <a:t>Projektmanagement</a:t>
-            </a:r>
-            <a:endParaRPr lang="en-US" dirty="0"/>
-          </a:p>
-        </p:txBody>
-      </p:sp>
-      <p:sp>
-        <p:nvSpPr>
-          <p:cNvPr id="6" name="Rechteck 5"/>
-          <p:cNvSpPr/>
-          <p:nvPr/>
-        </p:nvSpPr>
-        <p:spPr>
-          <a:xfrm>
-            <a:off x="0" y="5708708"/>
-            <a:ext cx="2444739" cy="304800"/>
-          </a:xfrm>
-          <a:prstGeom prst="rect">
-            <a:avLst/>
-          </a:prstGeom>
-          <a:solidFill>
-            <a:srgbClr val="990000"/>
-          </a:solidFill>
-          <a:ln>
-            <a:solidFill>
-              <a:srgbClr val="C00000"/>
-            </a:solidFill>
-          </a:ln>
-        </p:spPr>
-        <p:style>
-          <a:lnRef idx="2">
-            <a:schemeClr val="accent1">
-              <a:shade val="50000"/>
-            </a:schemeClr>
-          </a:lnRef>
-          <a:fillRef idx="1">
-            <a:schemeClr val="accent1"/>
-          </a:fillRef>
-          <a:effectRef idx="0">
-            <a:schemeClr val="accent1"/>
-          </a:effectRef>
-          <a:fontRef idx="minor">
-            <a:schemeClr val="lt1"/>
-          </a:fontRef>
-        </p:style>
-        <p:txBody>
-          <a:bodyPr rtlCol="0" anchor="ctr"/>
-          <a:lstStyle/>
-          <a:p>
-            <a:pPr algn="ctr"/>
-            <a:r>
-              <a:rPr lang="en-US" dirty="0" err="1"/>
-              <a:t>Technisches</a:t>
-            </a:r>
-            <a:r>
-              <a:rPr lang="en-US" dirty="0"/>
-              <a:t> </a:t>
-            </a:r>
-            <a:r>
-              <a:rPr lang="en-US" dirty="0" err="1"/>
-              <a:t>Konzept</a:t>
-            </a:r>
-            <a:endParaRPr lang="en-US" dirty="0"/>
-          </a:p>
-        </p:txBody>
-      </p:sp>
-      <p:sp>
-        <p:nvSpPr>
-          <p:cNvPr id="7" name="Rechteck 6"/>
-          <p:cNvSpPr/>
-          <p:nvPr/>
-        </p:nvSpPr>
-        <p:spPr>
-          <a:xfrm>
-            <a:off x="4885132" y="5576904"/>
-            <a:ext cx="2422903" cy="436604"/>
-          </a:xfrm>
-          <a:prstGeom prst="rect">
-            <a:avLst/>
-          </a:prstGeom>
-          <a:solidFill>
-            <a:srgbClr val="C00000"/>
-          </a:solidFill>
-          <a:ln>
-            <a:solidFill>
-              <a:srgbClr val="990000"/>
-            </a:solidFill>
-          </a:ln>
-        </p:spPr>
-        <p:style>
-          <a:lnRef idx="2">
-            <a:schemeClr val="accent1">
-              <a:shade val="50000"/>
-            </a:schemeClr>
-          </a:lnRef>
-          <a:fillRef idx="1">
-            <a:schemeClr val="accent1"/>
-          </a:fillRef>
-          <a:effectRef idx="0">
-            <a:schemeClr val="accent1"/>
-          </a:effectRef>
-          <a:fontRef idx="minor">
-            <a:schemeClr val="lt1"/>
-          </a:fontRef>
-        </p:style>
-        <p:txBody>
-          <a:bodyPr rtlCol="0" anchor="ctr"/>
-          <a:lstStyle/>
-          <a:p>
-            <a:pPr algn="ctr"/>
-            <a:r>
-              <a:rPr lang="en-US" dirty="0" err="1"/>
-              <a:t>Funktionen</a:t>
-            </a:r>
-            <a:endParaRPr lang="en-US" dirty="0"/>
-          </a:p>
-        </p:txBody>
-      </p:sp>
-      <p:sp>
-        <p:nvSpPr>
-          <p:cNvPr id="8" name="Rechteck 7"/>
-          <p:cNvSpPr/>
-          <p:nvPr/>
-        </p:nvSpPr>
-        <p:spPr>
-          <a:xfrm>
-            <a:off x="7315667" y="5708708"/>
-            <a:ext cx="2438167" cy="304800"/>
-          </a:xfrm>
-          <a:prstGeom prst="rect">
-            <a:avLst/>
-          </a:prstGeom>
-          <a:solidFill>
-            <a:srgbClr val="990000"/>
-          </a:solidFill>
-          <a:ln>
-            <a:solidFill>
-              <a:srgbClr val="C00000"/>
-            </a:solidFill>
-          </a:ln>
-        </p:spPr>
-        <p:style>
-          <a:lnRef idx="2">
-            <a:schemeClr val="accent1">
-              <a:shade val="50000"/>
-            </a:schemeClr>
-          </a:lnRef>
-          <a:fillRef idx="1">
-            <a:schemeClr val="accent1"/>
-          </a:fillRef>
-          <a:effectRef idx="0">
-            <a:schemeClr val="accent1"/>
-          </a:effectRef>
-          <a:fontRef idx="minor">
-            <a:schemeClr val="lt1"/>
-          </a:fontRef>
-        </p:style>
-        <p:txBody>
-          <a:bodyPr rtlCol="0" anchor="ctr"/>
-          <a:lstStyle/>
-          <a:p>
-            <a:pPr algn="ctr"/>
-            <a:r>
-              <a:rPr lang="en-US" dirty="0"/>
-              <a:t>Live Demo</a:t>
-            </a:r>
-            <a:endParaRPr lang="en-US" dirty="0"/>
-          </a:p>
-        </p:txBody>
-      </p:sp>
-      <p:sp>
-        <p:nvSpPr>
-          <p:cNvPr id="9" name="Rechteck 8"/>
-          <p:cNvSpPr/>
-          <p:nvPr/>
-        </p:nvSpPr>
-        <p:spPr>
-          <a:xfrm>
-            <a:off x="9753834" y="5708708"/>
-            <a:ext cx="2438166" cy="304800"/>
-          </a:xfrm>
-          <a:prstGeom prst="rect">
-            <a:avLst/>
-          </a:prstGeom>
-          <a:solidFill>
-            <a:srgbClr val="990000"/>
-          </a:solidFill>
-          <a:ln>
-            <a:solidFill>
-              <a:srgbClr val="C00000"/>
-            </a:solidFill>
-          </a:ln>
-        </p:spPr>
-        <p:style>
-          <a:lnRef idx="2">
-            <a:schemeClr val="accent1">
-              <a:shade val="50000"/>
-            </a:schemeClr>
-          </a:lnRef>
-          <a:fillRef idx="1">
-            <a:schemeClr val="accent1"/>
-          </a:fillRef>
-          <a:effectRef idx="0">
-            <a:schemeClr val="accent1"/>
-          </a:effectRef>
-          <a:fontRef idx="minor">
-            <a:schemeClr val="lt1"/>
-          </a:fontRef>
-        </p:style>
-        <p:txBody>
-          <a:bodyPr rtlCol="0" anchor="ctr"/>
-          <a:lstStyle/>
-          <a:p>
-            <a:pPr algn="ctr"/>
-            <a:r>
-              <a:rPr lang="en-US" dirty="0" err="1"/>
-              <a:t>Fazit</a:t>
-            </a:r>
-            <a:endParaRPr lang="en-US" dirty="0"/>
-          </a:p>
-        </p:txBody>
-      </p:sp>
-      <p:pic>
-        <p:nvPicPr>
-          <p:cNvPr id="11" name="Grafik 10"/>
-          <p:cNvPicPr>
-            <a:picLocks noChangeAspect="1"/>
-          </p:cNvPicPr>
-          <p:nvPr/>
-        </p:nvPicPr>
-        <p:blipFill>
-          <a:blip r:embed="rId2">
-            <a:extLst>
-              <a:ext uri="{28A0092B-C50C-407E-A947-70E740481C1C}">
-                <a14:useLocalDpi xmlns:a14="http://schemas.microsoft.com/office/drawing/2010/main" val="0"/>
-              </a:ext>
-            </a:extLst>
-          </a:blip>
-          <a:stretch>
-            <a:fillRect/>
-          </a:stretch>
-        </p:blipFill>
-        <p:spPr>
-          <a:xfrm>
-            <a:off x="925092" y="1561699"/>
-            <a:ext cx="7613840" cy="3470400"/>
-          </a:xfrm>
-          <a:prstGeom prst="rect">
-            <a:avLst/>
-          </a:prstGeom>
-          <a:ln>
-            <a:noFill/>
-          </a:ln>
-          <a:effectLst>
-            <a:outerShdw blurRad="190500" algn="tl" rotWithShape="0">
-              <a:srgbClr val="000000">
-                <a:alpha val="70000"/>
-              </a:srgbClr>
-            </a:outerShdw>
-          </a:effectLst>
-        </p:spPr>
-      </p:pic>
-    </p:spTree>
-    <p:extLst>
-      <p:ext uri="{BB962C8B-B14F-4D97-AF65-F5344CB8AC3E}">
-        <p14:creationId xmlns:p14="http://schemas.microsoft.com/office/powerpoint/2010/main" val="2393867371"/>
-      </p:ext>
-    </p:extLst>
-  </p:cSld>
-  <p:clrMapOvr>
-    <a:masterClrMapping/>
-  </p:clrMapOvr>
-  <p:timing>
-    <p:tnLst>
-      <p:par>
-        <p:cTn id="1" dur="indefinite" restart="never" nodeType="tmRoot"/>
-      </p:par>
-    </p:tnLst>
-  </p:timing>
-</p:sld>
-</file>
-
-<file path=ppt/slides/slide13.xml><?xml version="1.0" encoding="utf-8"?>
 <p:sld xmlns:a="http://schemas.openxmlformats.org/drawingml/2006/main" xmlns:r="http://schemas.openxmlformats.org/officeDocument/2006/relationships" xmlns:p="http://schemas.openxmlformats.org/presentationml/2006/main">
   <p:cSld>
     <p:spTree>
@@ -7460,8 +6058,8 @@
           <a:lstStyle/>
           <a:p>
             <a:r>
-              <a:rPr lang="en-US" dirty="0" smtClean="0"/>
-              <a:t>Live Demo</a:t>
+              <a:rPr lang="en-US" dirty="0" err="1"/>
+              <a:t>Quellen</a:t>
             </a:r>
             <a:endParaRPr lang="en-US" dirty="0"/>
           </a:p>
@@ -7469,14 +6067,14 @@
       </p:sp>
       <p:sp>
         <p:nvSpPr>
-          <p:cNvPr id="7" name="Textfeld 6"/>
+          <p:cNvPr id="8" name="Textfeld 7"/>
           <p:cNvSpPr txBox="1"/>
           <p:nvPr/>
         </p:nvSpPr>
         <p:spPr>
-          <a:xfrm rot="20444981">
-            <a:off x="393218" y="1241441"/>
-            <a:ext cx="11252886" cy="3539430"/>
+          <a:xfrm>
+            <a:off x="370703" y="1606378"/>
+            <a:ext cx="11252886" cy="1323439"/>
           </a:xfrm>
           <a:prstGeom prst="rect">
             <a:avLst/>
@@ -7489,528 +6087,59 @@
           </a:bodyPr>
           <a:lstStyle/>
           <a:p>
-            <a:pPr algn="ctr">
-              <a:lnSpc>
-                <a:spcPct val="200000"/>
-              </a:lnSpc>
+            <a:pPr marL="285750" indent="-285750">
+              <a:buFont typeface="Arial" panose="020B0604020202020204" pitchFamily="34" charset="0"/>
+              <a:buChar char="•"/>
             </a:pPr>
             <a:r>
-              <a:rPr lang="en-US" sz="8800" b="1" dirty="0" smtClean="0">
+              <a:rPr lang="en-US" sz="2000" dirty="0">
                 <a:solidFill>
-                  <a:srgbClr val="FF0000"/>
+                  <a:srgbClr val="990000"/>
                 </a:solidFill>
               </a:rPr>
-              <a:t>Live Demo</a:t>
-            </a:r>
-          </a:p>
-          <a:p>
-            <a:pPr algn="ctr">
-              <a:lnSpc>
-                <a:spcPct val="200000"/>
-              </a:lnSpc>
-            </a:pPr>
-            <a:r>
-              <a:rPr lang="en-US" sz="2400" b="1" dirty="0" smtClean="0">
+              <a:t>Interne </a:t>
+            </a:r>
+            <a:r>
+              <a:rPr lang="en-US" sz="2000" dirty="0" err="1">
                 <a:solidFill>
-                  <a:srgbClr val="FF0000"/>
+                  <a:srgbClr val="990000"/>
                 </a:solidFill>
               </a:rPr>
-              <a:t>(Screenshot der </a:t>
-            </a:r>
-            <a:r>
-              <a:rPr lang="en-US" sz="2400" b="1" dirty="0" err="1" smtClean="0">
-                <a:solidFill>
-                  <a:srgbClr val="FF0000"/>
-                </a:solidFill>
-              </a:rPr>
-              <a:t>Startseite</a:t>
-            </a:r>
-            <a:r>
-              <a:rPr lang="en-US" sz="2400" b="1" dirty="0" smtClean="0">
-                <a:solidFill>
-                  <a:srgbClr val="FF0000"/>
-                </a:solidFill>
-              </a:rPr>
-              <a:t>)</a:t>
-            </a:r>
-            <a:endParaRPr lang="en-US" sz="2400" b="1" dirty="0" smtClean="0">
+              <a:t>Bilderquellen</a:t>
+            </a:r>
+            <a:endParaRPr lang="en-US" sz="2000" dirty="0">
               <a:solidFill>
-                <a:srgbClr val="FF0000"/>
+                <a:srgbClr val="990000"/>
               </a:solidFill>
             </a:endParaRPr>
           </a:p>
-        </p:txBody>
-      </p:sp>
-      <p:sp>
-        <p:nvSpPr>
-          <p:cNvPr id="8" name="Rechteck 7"/>
-          <p:cNvSpPr/>
-          <p:nvPr/>
-        </p:nvSpPr>
-        <p:spPr>
-          <a:xfrm>
-            <a:off x="0" y="5710766"/>
-            <a:ext cx="2429142" cy="304800"/>
-          </a:xfrm>
-          <a:prstGeom prst="rect">
-            <a:avLst/>
-          </a:prstGeom>
-          <a:solidFill>
-            <a:srgbClr val="990000"/>
-          </a:solidFill>
-          <a:ln>
-            <a:solidFill>
-              <a:srgbClr val="C00000"/>
-            </a:solidFill>
-          </a:ln>
-        </p:spPr>
-        <p:style>
-          <a:lnRef idx="2">
-            <a:schemeClr val="accent1">
-              <a:shade val="50000"/>
-            </a:schemeClr>
-          </a:lnRef>
-          <a:fillRef idx="1">
-            <a:schemeClr val="accent1"/>
-          </a:fillRef>
-          <a:effectRef idx="0">
-            <a:schemeClr val="accent1"/>
-          </a:effectRef>
-          <a:fontRef idx="minor">
-            <a:schemeClr val="lt1"/>
-          </a:fontRef>
-        </p:style>
-        <p:txBody>
-          <a:bodyPr rtlCol="0" anchor="ctr"/>
-          <a:lstStyle/>
           <a:p>
-            <a:pPr algn="ctr"/>
-            <a:r>
-              <a:rPr lang="en-US" dirty="0" err="1"/>
-              <a:t>Technisches</a:t>
-            </a:r>
-            <a:r>
-              <a:rPr lang="en-US" dirty="0"/>
-              <a:t> </a:t>
-            </a:r>
-            <a:r>
-              <a:rPr lang="en-US" dirty="0" err="1"/>
-              <a:t>Konzept</a:t>
-            </a:r>
-            <a:endParaRPr lang="en-US" dirty="0"/>
+            <a:pPr marL="285750" indent="-285750">
+              <a:buFont typeface="Arial" panose="020B0604020202020204" pitchFamily="34" charset="0"/>
+              <a:buChar char="•"/>
+            </a:pPr>
+            <a:r>
+              <a:rPr lang="en-US" sz="2000" dirty="0">
+                <a:solidFill>
+                  <a:srgbClr val="990000"/>
+                </a:solidFill>
+              </a:rPr>
+              <a:t>http://www.thinkstockphotos.de/image/stock-illustration-simple-business-people-steady-growth/519385349</a:t>
+            </a:r>
           </a:p>
-        </p:txBody>
-      </p:sp>
-      <p:sp>
-        <p:nvSpPr>
-          <p:cNvPr id="9" name="Rechteck 8"/>
-          <p:cNvSpPr/>
-          <p:nvPr/>
-        </p:nvSpPr>
-        <p:spPr>
-          <a:xfrm>
-            <a:off x="2429475" y="5710766"/>
-            <a:ext cx="2444739" cy="304800"/>
-          </a:xfrm>
-          <a:prstGeom prst="rect">
-            <a:avLst/>
-          </a:prstGeom>
-          <a:solidFill>
-            <a:srgbClr val="990000"/>
-          </a:solidFill>
-          <a:ln>
-            <a:solidFill>
-              <a:srgbClr val="C00000"/>
-            </a:solidFill>
-          </a:ln>
-        </p:spPr>
-        <p:style>
-          <a:lnRef idx="2">
-            <a:schemeClr val="accent1">
-              <a:shade val="50000"/>
-            </a:schemeClr>
-          </a:lnRef>
-          <a:fillRef idx="1">
-            <a:schemeClr val="accent1"/>
-          </a:fillRef>
-          <a:effectRef idx="0">
-            <a:schemeClr val="accent1"/>
-          </a:effectRef>
-          <a:fontRef idx="minor">
-            <a:schemeClr val="lt1"/>
-          </a:fontRef>
-        </p:style>
-        <p:txBody>
-          <a:bodyPr rtlCol="0" anchor="ctr"/>
-          <a:lstStyle/>
           <a:p>
-            <a:pPr algn="ctr"/>
-            <a:r>
-              <a:rPr lang="en-US" dirty="0" err="1"/>
-              <a:t>Projektmanagement</a:t>
-            </a:r>
-            <a:endParaRPr lang="en-US" dirty="0"/>
-          </a:p>
-        </p:txBody>
-      </p:sp>
-      <p:sp>
-        <p:nvSpPr>
-          <p:cNvPr id="10" name="Rechteck 9"/>
-          <p:cNvSpPr/>
-          <p:nvPr/>
-        </p:nvSpPr>
-        <p:spPr>
-          <a:xfrm>
-            <a:off x="4881119" y="5710766"/>
-            <a:ext cx="2438167" cy="304800"/>
-          </a:xfrm>
-          <a:prstGeom prst="rect">
-            <a:avLst/>
-          </a:prstGeom>
-          <a:solidFill>
-            <a:srgbClr val="990000"/>
-          </a:solidFill>
-          <a:ln>
-            <a:solidFill>
-              <a:srgbClr val="C00000"/>
-            </a:solidFill>
-          </a:ln>
-        </p:spPr>
-        <p:style>
-          <a:lnRef idx="2">
-            <a:schemeClr val="accent1">
-              <a:shade val="50000"/>
-            </a:schemeClr>
-          </a:lnRef>
-          <a:fillRef idx="1">
-            <a:schemeClr val="accent1"/>
-          </a:fillRef>
-          <a:effectRef idx="0">
-            <a:schemeClr val="accent1"/>
-          </a:effectRef>
-          <a:fontRef idx="minor">
-            <a:schemeClr val="lt1"/>
-          </a:fontRef>
-        </p:style>
-        <p:txBody>
-          <a:bodyPr rtlCol="0" anchor="ctr"/>
-          <a:lstStyle/>
-          <a:p>
-            <a:pPr algn="ctr"/>
-            <a:r>
-              <a:rPr lang="en-US" dirty="0" err="1"/>
-              <a:t>Funktionen</a:t>
-            </a:r>
-            <a:endParaRPr lang="en-US" dirty="0"/>
-          </a:p>
-        </p:txBody>
-      </p:sp>
-      <p:sp>
-        <p:nvSpPr>
-          <p:cNvPr id="11" name="Rechteck 10"/>
-          <p:cNvSpPr/>
-          <p:nvPr/>
-        </p:nvSpPr>
-        <p:spPr>
-          <a:xfrm>
-            <a:off x="9753834" y="5710766"/>
-            <a:ext cx="2438166" cy="304800"/>
-          </a:xfrm>
-          <a:prstGeom prst="rect">
-            <a:avLst/>
-          </a:prstGeom>
-          <a:solidFill>
-            <a:srgbClr val="990000"/>
-          </a:solidFill>
-          <a:ln>
-            <a:solidFill>
-              <a:srgbClr val="C00000"/>
-            </a:solidFill>
-          </a:ln>
-        </p:spPr>
-        <p:style>
-          <a:lnRef idx="2">
-            <a:schemeClr val="accent1">
-              <a:shade val="50000"/>
-            </a:schemeClr>
-          </a:lnRef>
-          <a:fillRef idx="1">
-            <a:schemeClr val="accent1"/>
-          </a:fillRef>
-          <a:effectRef idx="0">
-            <a:schemeClr val="accent1"/>
-          </a:effectRef>
-          <a:fontRef idx="minor">
-            <a:schemeClr val="lt1"/>
-          </a:fontRef>
-        </p:style>
-        <p:txBody>
-          <a:bodyPr rtlCol="0" anchor="ctr"/>
-          <a:lstStyle/>
-          <a:p>
-            <a:pPr algn="ctr"/>
-            <a:r>
-              <a:rPr lang="en-US" dirty="0" err="1"/>
-              <a:t>Fazit</a:t>
-            </a:r>
-            <a:endParaRPr lang="en-US" dirty="0"/>
-          </a:p>
-        </p:txBody>
-      </p:sp>
-      <p:sp>
-        <p:nvSpPr>
-          <p:cNvPr id="12" name="Rechteck 11"/>
-          <p:cNvSpPr/>
-          <p:nvPr/>
-        </p:nvSpPr>
-        <p:spPr>
-          <a:xfrm>
-            <a:off x="7317477" y="5578962"/>
-            <a:ext cx="2438167" cy="436604"/>
-          </a:xfrm>
-          <a:prstGeom prst="rect">
-            <a:avLst/>
-          </a:prstGeom>
-          <a:solidFill>
-            <a:srgbClr val="C00000"/>
-          </a:solidFill>
-          <a:ln>
-            <a:solidFill>
-              <a:srgbClr val="990000"/>
-            </a:solidFill>
-          </a:ln>
-        </p:spPr>
-        <p:style>
-          <a:lnRef idx="2">
-            <a:schemeClr val="accent1">
-              <a:shade val="50000"/>
-            </a:schemeClr>
-          </a:lnRef>
-          <a:fillRef idx="1">
-            <a:schemeClr val="accent1"/>
-          </a:fillRef>
-          <a:effectRef idx="0">
-            <a:schemeClr val="accent1"/>
-          </a:effectRef>
-          <a:fontRef idx="minor">
-            <a:schemeClr val="lt1"/>
-          </a:fontRef>
-        </p:style>
-        <p:txBody>
-          <a:bodyPr rtlCol="0" anchor="ctr"/>
-          <a:lstStyle/>
-          <a:p>
-            <a:pPr algn="ctr"/>
-            <a:r>
-              <a:rPr lang="en-US" dirty="0"/>
-              <a:t>Live Demo</a:t>
-            </a:r>
-            <a:endParaRPr lang="en-US" dirty="0"/>
-          </a:p>
-        </p:txBody>
-      </p:sp>
-    </p:spTree>
-    <p:extLst>
-      <p:ext uri="{BB962C8B-B14F-4D97-AF65-F5344CB8AC3E}">
-        <p14:creationId xmlns:p14="http://schemas.microsoft.com/office/powerpoint/2010/main" val="919154234"/>
-      </p:ext>
-    </p:extLst>
-  </p:cSld>
-  <p:clrMapOvr>
-    <a:masterClrMapping/>
-  </p:clrMapOvr>
-  <p:timing>
-    <p:tnLst>
-      <p:par>
-        <p:cTn id="1" dur="indefinite" restart="never" nodeType="tmRoot">
-          <p:childTnLst>
-            <p:seq concurrent="1" nextAc="seek">
-              <p:cTn id="2" dur="indefinite" nodeType="mainSeq">
-                <p:childTnLst>
-                  <p:par>
-                    <p:cTn id="3" fill="hold">
-                      <p:stCondLst>
-                        <p:cond delay="indefinite"/>
-                      </p:stCondLst>
-                      <p:childTnLst>
-                        <p:par>
-                          <p:cTn id="4" fill="hold">
-                            <p:stCondLst>
-                              <p:cond delay="0"/>
-                            </p:stCondLst>
-                            <p:childTnLst>
-                              <p:par>
-                                <p:cTn id="5" presetID="10" presetClass="entr" presetSubtype="0" fill="hold" nodeType="clickEffect">
-                                  <p:stCondLst>
-                                    <p:cond delay="0"/>
-                                  </p:stCondLst>
-                                  <p:childTnLst>
-                                    <p:set>
-                                      <p:cBhvr>
-                                        <p:cTn id="6" dur="1" fill="hold">
-                                          <p:stCondLst>
-                                            <p:cond delay="0"/>
-                                          </p:stCondLst>
-                                        </p:cTn>
-                                        <p:tgtEl>
-                                          <p:spTgt spid="7">
-                                            <p:txEl>
-                                              <p:pRg st="0" end="0"/>
-                                            </p:txEl>
-                                          </p:spTgt>
-                                        </p:tgtEl>
-                                        <p:attrNameLst>
-                                          <p:attrName>style.visibility</p:attrName>
-                                        </p:attrNameLst>
-                                      </p:cBhvr>
-                                      <p:to>
-                                        <p:strVal val="visible"/>
-                                      </p:to>
-                                    </p:set>
-                                    <p:animEffect transition="in" filter="fade">
-                                      <p:cBhvr>
-                                        <p:cTn id="7" dur="500"/>
-                                        <p:tgtEl>
-                                          <p:spTgt spid="7">
-                                            <p:txEl>
-                                              <p:pRg st="0" end="0"/>
-                                            </p:txEl>
-                                          </p:spTgt>
-                                        </p:tgtEl>
-                                      </p:cBhvr>
-                                    </p:animEffect>
-                                  </p:childTnLst>
-                                </p:cTn>
-                              </p:par>
-                            </p:childTnLst>
-                          </p:cTn>
-                        </p:par>
-                      </p:childTnLst>
-                    </p:cTn>
-                  </p:par>
-                  <p:par>
-                    <p:cTn id="8" fill="hold">
-                      <p:stCondLst>
-                        <p:cond delay="indefinite"/>
-                      </p:stCondLst>
-                      <p:childTnLst>
-                        <p:par>
-                          <p:cTn id="9" fill="hold">
-                            <p:stCondLst>
-                              <p:cond delay="0"/>
-                            </p:stCondLst>
-                            <p:childTnLst>
-                              <p:par>
-                                <p:cTn id="10" presetID="10" presetClass="entr" presetSubtype="0" fill="hold" nodeType="clickEffect">
-                                  <p:stCondLst>
-                                    <p:cond delay="0"/>
-                                  </p:stCondLst>
-                                  <p:childTnLst>
-                                    <p:set>
-                                      <p:cBhvr>
-                                        <p:cTn id="11" dur="1" fill="hold">
-                                          <p:stCondLst>
-                                            <p:cond delay="0"/>
-                                          </p:stCondLst>
-                                        </p:cTn>
-                                        <p:tgtEl>
-                                          <p:spTgt spid="7">
-                                            <p:txEl>
-                                              <p:pRg st="1" end="1"/>
-                                            </p:txEl>
-                                          </p:spTgt>
-                                        </p:tgtEl>
-                                        <p:attrNameLst>
-                                          <p:attrName>style.visibility</p:attrName>
-                                        </p:attrNameLst>
-                                      </p:cBhvr>
-                                      <p:to>
-                                        <p:strVal val="visible"/>
-                                      </p:to>
-                                    </p:set>
-                                    <p:animEffect transition="in" filter="fade">
-                                      <p:cBhvr>
-                                        <p:cTn id="12" dur="500"/>
-                                        <p:tgtEl>
-                                          <p:spTgt spid="7">
-                                            <p:txEl>
-                                              <p:pRg st="1" end="1"/>
-                                            </p:txEl>
-                                          </p:spTgt>
-                                        </p:tgtEl>
-                                      </p:cBhvr>
-                                    </p:animEffect>
-                                  </p:childTnLst>
-                                </p:cTn>
-                              </p:par>
-                            </p:childTnLst>
-                          </p:cTn>
-                        </p:par>
-                      </p:childTnLst>
-                    </p:cTn>
-                  </p:par>
-                </p:childTnLst>
-              </p:cTn>
-              <p:prevCondLst>
-                <p:cond evt="onPrev" delay="0">
-                  <p:tgtEl>
-                    <p:sldTgt/>
-                  </p:tgtEl>
-                </p:cond>
-              </p:prevCondLst>
-              <p:nextCondLst>
-                <p:cond evt="onNext" delay="0">
-                  <p:tgtEl>
-                    <p:sldTgt/>
-                  </p:tgtEl>
-                </p:cond>
-              </p:nextCondLst>
-            </p:seq>
-          </p:childTnLst>
-        </p:cTn>
-      </p:par>
-    </p:tnLst>
-  </p:timing>
-</p:sld>
-</file>
-
-<file path=ppt/slides/slide14.xml><?xml version="1.0" encoding="utf-8"?>
-<p:sld xmlns:a="http://schemas.openxmlformats.org/drawingml/2006/main" xmlns:r="http://schemas.openxmlformats.org/officeDocument/2006/relationships" xmlns:p="http://schemas.openxmlformats.org/presentationml/2006/main">
-  <p:cSld>
-    <p:spTree>
-      <p:nvGrpSpPr>
-        <p:cNvPr id="1" name=""/>
-        <p:cNvGrpSpPr/>
-        <p:nvPr/>
-      </p:nvGrpSpPr>
-      <p:grpSpPr>
-        <a:xfrm>
-          <a:off x="0" y="0"/>
-          <a:ext cx="0" cy="0"/>
-          <a:chOff x="0" y="0"/>
-          <a:chExt cx="0" cy="0"/>
-        </a:xfrm>
-      </p:grpSpPr>
-      <p:sp>
-        <p:nvSpPr>
-          <p:cNvPr id="2" name="Titel 1"/>
-          <p:cNvSpPr>
-            <a:spLocks noGrp="1"/>
-          </p:cNvSpPr>
-          <p:nvPr>
-            <p:ph type="title"/>
-          </p:nvPr>
-        </p:nvSpPr>
-        <p:spPr/>
-        <p:txBody>
-          <a:bodyPr/>
-          <a:lstStyle/>
-          <a:p>
-            <a:r>
-              <a:rPr lang="en-US" dirty="0" err="1" smtClean="0"/>
-              <a:t>Fazit</a:t>
-            </a:r>
-            <a:endParaRPr lang="en-US" dirty="0"/>
+            <a:pPr marL="285750" indent="-285750">
+              <a:buFont typeface="Arial" panose="020B0604020202020204" pitchFamily="34" charset="0"/>
+              <a:buChar char="•"/>
+            </a:pPr>
+            <a:r>
+              <a:rPr lang="en-US" sz="2000" dirty="0">
+                <a:solidFill>
+                  <a:srgbClr val="990000"/>
+                </a:solidFill>
+              </a:rPr>
+              <a:t>http://comps.canstockphoto.com/can-stock-photo_csp16420993.jpg</a:t>
+            </a:r>
           </a:p>
         </p:txBody>
       </p:sp>
@@ -8226,979 +6355,6 @@
               <a:rPr lang="en-US" dirty="0"/>
               <a:t>Live Demo</a:t>
             </a:r>
-            <a:endParaRPr lang="en-US" dirty="0"/>
-          </a:p>
-        </p:txBody>
-      </p:sp>
-      <p:sp>
-        <p:nvSpPr>
-          <p:cNvPr id="13" name="Rechteck 12"/>
-          <p:cNvSpPr/>
-          <p:nvPr/>
-        </p:nvSpPr>
-        <p:spPr>
-          <a:xfrm>
-            <a:off x="9757452" y="5578962"/>
-            <a:ext cx="2438167" cy="436604"/>
-          </a:xfrm>
-          <a:prstGeom prst="rect">
-            <a:avLst/>
-          </a:prstGeom>
-          <a:solidFill>
-            <a:srgbClr val="C00000"/>
-          </a:solidFill>
-          <a:ln>
-            <a:solidFill>
-              <a:srgbClr val="990000"/>
-            </a:solidFill>
-          </a:ln>
-        </p:spPr>
-        <p:style>
-          <a:lnRef idx="2">
-            <a:schemeClr val="accent1">
-              <a:shade val="50000"/>
-            </a:schemeClr>
-          </a:lnRef>
-          <a:fillRef idx="1">
-            <a:schemeClr val="accent1"/>
-          </a:fillRef>
-          <a:effectRef idx="0">
-            <a:schemeClr val="accent1"/>
-          </a:effectRef>
-          <a:fontRef idx="minor">
-            <a:schemeClr val="lt1"/>
-          </a:fontRef>
-        </p:style>
-        <p:txBody>
-          <a:bodyPr rtlCol="0" anchor="ctr"/>
-          <a:lstStyle/>
-          <a:p>
-            <a:pPr algn="ctr"/>
-            <a:r>
-              <a:rPr lang="en-US" dirty="0" err="1"/>
-              <a:t>Fazit</a:t>
-            </a:r>
-            <a:endParaRPr lang="en-US" dirty="0"/>
-          </a:p>
-        </p:txBody>
-      </p:sp>
-      <p:sp>
-        <p:nvSpPr>
-          <p:cNvPr id="15" name="Textfeld 14"/>
-          <p:cNvSpPr txBox="1"/>
-          <p:nvPr/>
-        </p:nvSpPr>
-        <p:spPr>
-          <a:xfrm>
-            <a:off x="370703" y="1606378"/>
-            <a:ext cx="11252886" cy="3785652"/>
-          </a:xfrm>
-          <a:prstGeom prst="rect">
-            <a:avLst/>
-          </a:prstGeom>
-          <a:noFill/>
-        </p:spPr>
-        <p:txBody>
-          <a:bodyPr wrap="square" rtlCol="0">
-            <a:spAutoFit/>
-          </a:bodyPr>
-          <a:lstStyle/>
-          <a:p>
-            <a:pPr marL="285750" indent="-285750">
-              <a:lnSpc>
-                <a:spcPct val="200000"/>
-              </a:lnSpc>
-              <a:buFont typeface="Arial" panose="020B0604020202020204" pitchFamily="34" charset="0"/>
-              <a:buChar char="•"/>
-            </a:pPr>
-            <a:r>
-              <a:rPr lang="en-US" sz="2400" dirty="0" err="1" smtClean="0">
-                <a:solidFill>
-                  <a:srgbClr val="990000"/>
-                </a:solidFill>
-              </a:rPr>
-              <a:t>Alle</a:t>
-            </a:r>
-            <a:r>
-              <a:rPr lang="en-US" sz="2400" dirty="0" smtClean="0">
-                <a:solidFill>
-                  <a:srgbClr val="990000"/>
-                </a:solidFill>
-              </a:rPr>
-              <a:t> Muss-</a:t>
-            </a:r>
-            <a:r>
-              <a:rPr lang="en-US" sz="2400" dirty="0" err="1" smtClean="0">
-                <a:solidFill>
-                  <a:srgbClr val="990000"/>
-                </a:solidFill>
-              </a:rPr>
-              <a:t>Kriterien</a:t>
-            </a:r>
-            <a:r>
-              <a:rPr lang="en-US" sz="2400" dirty="0" smtClean="0">
-                <a:solidFill>
-                  <a:srgbClr val="990000"/>
-                </a:solidFill>
-              </a:rPr>
-              <a:t> </a:t>
-            </a:r>
-            <a:r>
-              <a:rPr lang="en-US" sz="2400" dirty="0" err="1" smtClean="0">
-                <a:solidFill>
-                  <a:srgbClr val="990000"/>
-                </a:solidFill>
-              </a:rPr>
-              <a:t>erfüllt</a:t>
-            </a:r>
-            <a:endParaRPr lang="en-US" sz="2400" dirty="0" smtClean="0">
-              <a:solidFill>
-                <a:srgbClr val="990000"/>
-              </a:solidFill>
-            </a:endParaRPr>
-          </a:p>
-          <a:p>
-            <a:pPr marL="285750" indent="-285750">
-              <a:lnSpc>
-                <a:spcPct val="200000"/>
-              </a:lnSpc>
-              <a:buFont typeface="Arial" panose="020B0604020202020204" pitchFamily="34" charset="0"/>
-              <a:buChar char="•"/>
-            </a:pPr>
-            <a:r>
-              <a:rPr lang="en-US" sz="2400" dirty="0" err="1" smtClean="0">
-                <a:solidFill>
-                  <a:srgbClr val="990000"/>
-                </a:solidFill>
-              </a:rPr>
-              <a:t>Einige</a:t>
-            </a:r>
-            <a:r>
-              <a:rPr lang="en-US" sz="2400" dirty="0" smtClean="0">
-                <a:solidFill>
-                  <a:srgbClr val="990000"/>
-                </a:solidFill>
-              </a:rPr>
-              <a:t> </a:t>
-            </a:r>
-            <a:r>
-              <a:rPr lang="en-US" sz="2400" dirty="0" err="1" smtClean="0">
-                <a:solidFill>
-                  <a:srgbClr val="990000"/>
-                </a:solidFill>
-              </a:rPr>
-              <a:t>Kann-Kriterien</a:t>
-            </a:r>
-            <a:r>
-              <a:rPr lang="en-US" sz="2400" dirty="0" smtClean="0">
-                <a:solidFill>
-                  <a:srgbClr val="990000"/>
-                </a:solidFill>
-              </a:rPr>
-              <a:t> </a:t>
-            </a:r>
-            <a:r>
-              <a:rPr lang="en-US" sz="2400" dirty="0" err="1" smtClean="0">
-                <a:solidFill>
-                  <a:srgbClr val="990000"/>
-                </a:solidFill>
-              </a:rPr>
-              <a:t>erfüllt</a:t>
-            </a:r>
-            <a:endParaRPr lang="en-US" sz="2400" dirty="0" smtClean="0">
-              <a:solidFill>
-                <a:srgbClr val="990000"/>
-              </a:solidFill>
-            </a:endParaRPr>
-          </a:p>
-          <a:p>
-            <a:pPr marL="285750" indent="-285750">
-              <a:lnSpc>
-                <a:spcPct val="200000"/>
-              </a:lnSpc>
-              <a:buFont typeface="Arial" panose="020B0604020202020204" pitchFamily="34" charset="0"/>
-              <a:buChar char="•"/>
-            </a:pPr>
-            <a:r>
-              <a:rPr lang="en-US" sz="2400" dirty="0" err="1" smtClean="0">
-                <a:solidFill>
-                  <a:srgbClr val="990000"/>
-                </a:solidFill>
-              </a:rPr>
-              <a:t>Probleme</a:t>
-            </a:r>
-            <a:r>
-              <a:rPr lang="en-US" sz="2400" dirty="0" smtClean="0">
-                <a:solidFill>
-                  <a:srgbClr val="990000"/>
-                </a:solidFill>
-              </a:rPr>
-              <a:t> in der </a:t>
-            </a:r>
-            <a:r>
-              <a:rPr lang="en-US" sz="2400" dirty="0" err="1" smtClean="0">
-                <a:solidFill>
-                  <a:srgbClr val="990000"/>
-                </a:solidFill>
-              </a:rPr>
-              <a:t>Kommunikation</a:t>
-            </a:r>
-            <a:endParaRPr lang="en-US" sz="2400" dirty="0" smtClean="0">
-              <a:solidFill>
-                <a:srgbClr val="990000"/>
-              </a:solidFill>
-            </a:endParaRPr>
-          </a:p>
-          <a:p>
-            <a:pPr marL="285750" indent="-285750">
-              <a:lnSpc>
-                <a:spcPct val="200000"/>
-              </a:lnSpc>
-              <a:buFont typeface="Arial" panose="020B0604020202020204" pitchFamily="34" charset="0"/>
-              <a:buChar char="•"/>
-            </a:pPr>
-            <a:r>
-              <a:rPr lang="en-US" sz="2400" dirty="0" err="1" smtClean="0">
-                <a:solidFill>
-                  <a:srgbClr val="990000"/>
-                </a:solidFill>
-              </a:rPr>
-              <a:t>Nicht</a:t>
-            </a:r>
-            <a:r>
-              <a:rPr lang="en-US" sz="2400" dirty="0" smtClean="0">
-                <a:solidFill>
-                  <a:srgbClr val="990000"/>
-                </a:solidFill>
-              </a:rPr>
-              <a:t> </a:t>
-            </a:r>
-            <a:r>
-              <a:rPr lang="en-US" sz="2400" dirty="0" err="1" smtClean="0">
-                <a:solidFill>
-                  <a:srgbClr val="990000"/>
-                </a:solidFill>
-              </a:rPr>
-              <a:t>einhalten</a:t>
-            </a:r>
-            <a:r>
-              <a:rPr lang="en-US" sz="2400" dirty="0" smtClean="0">
-                <a:solidFill>
-                  <a:srgbClr val="990000"/>
-                </a:solidFill>
-              </a:rPr>
-              <a:t> von </a:t>
-            </a:r>
-            <a:r>
-              <a:rPr lang="en-US" sz="2400" dirty="0" err="1" smtClean="0">
-                <a:solidFill>
-                  <a:srgbClr val="990000"/>
-                </a:solidFill>
-              </a:rPr>
-              <a:t>Terminen</a:t>
-            </a:r>
-            <a:endParaRPr lang="en-US" sz="2400" dirty="0" smtClean="0">
-              <a:solidFill>
-                <a:srgbClr val="990000"/>
-              </a:solidFill>
-            </a:endParaRPr>
-          </a:p>
-          <a:p>
-            <a:pPr marL="285750" indent="-285750">
-              <a:lnSpc>
-                <a:spcPct val="200000"/>
-              </a:lnSpc>
-              <a:buFont typeface="Arial" panose="020B0604020202020204" pitchFamily="34" charset="0"/>
-              <a:buChar char="•"/>
-            </a:pPr>
-            <a:endParaRPr lang="en-US" sz="2400" dirty="0" smtClean="0">
-              <a:solidFill>
-                <a:srgbClr val="990000"/>
-              </a:solidFill>
-            </a:endParaRPr>
-          </a:p>
-        </p:txBody>
-      </p:sp>
-      <p:pic>
-        <p:nvPicPr>
-          <p:cNvPr id="14" name="Grafik 13"/>
-          <p:cNvPicPr>
-            <a:picLocks noChangeAspect="1"/>
-          </p:cNvPicPr>
-          <p:nvPr/>
-        </p:nvPicPr>
-        <p:blipFill>
-          <a:blip r:embed="rId2">
-            <a:extLst>
-              <a:ext uri="{28A0092B-C50C-407E-A947-70E740481C1C}">
-                <a14:useLocalDpi xmlns:a14="http://schemas.microsoft.com/office/drawing/2010/main" val="0"/>
-              </a:ext>
-            </a:extLst>
-          </a:blip>
-          <a:stretch>
-            <a:fillRect/>
-          </a:stretch>
-        </p:blipFill>
-        <p:spPr>
-          <a:xfrm>
-            <a:off x="6992115" y="1612082"/>
-            <a:ext cx="4821316" cy="3900978"/>
-          </a:xfrm>
-          <a:prstGeom prst="rect">
-            <a:avLst/>
-          </a:prstGeom>
-          <a:effectLst>
-            <a:outerShdw blurRad="50800" dist="38100" dir="2700000" algn="tl" rotWithShape="0">
-              <a:prstClr val="black">
-                <a:alpha val="40000"/>
-              </a:prstClr>
-            </a:outerShdw>
-            <a:softEdge rad="76200"/>
-          </a:effectLst>
-        </p:spPr>
-      </p:pic>
-    </p:spTree>
-    <p:extLst>
-      <p:ext uri="{BB962C8B-B14F-4D97-AF65-F5344CB8AC3E}">
-        <p14:creationId xmlns:p14="http://schemas.microsoft.com/office/powerpoint/2010/main" val="3133564744"/>
-      </p:ext>
-    </p:extLst>
-  </p:cSld>
-  <p:clrMapOvr>
-    <a:masterClrMapping/>
-  </p:clrMapOvr>
-  <p:timing>
-    <p:tnLst>
-      <p:par>
-        <p:cTn id="1" dur="indefinite" restart="never" nodeType="tmRoot">
-          <p:childTnLst>
-            <p:seq concurrent="1" nextAc="seek">
-              <p:cTn id="2" dur="indefinite" nodeType="mainSeq">
-                <p:childTnLst>
-                  <p:par>
-                    <p:cTn id="3" fill="hold">
-                      <p:stCondLst>
-                        <p:cond delay="indefinite"/>
-                      </p:stCondLst>
-                      <p:childTnLst>
-                        <p:par>
-                          <p:cTn id="4" fill="hold">
-                            <p:stCondLst>
-                              <p:cond delay="0"/>
-                            </p:stCondLst>
-                            <p:childTnLst>
-                              <p:par>
-                                <p:cTn id="5" presetID="10" presetClass="entr" presetSubtype="0" fill="hold" nodeType="clickEffect">
-                                  <p:stCondLst>
-                                    <p:cond delay="0"/>
-                                  </p:stCondLst>
-                                  <p:childTnLst>
-                                    <p:set>
-                                      <p:cBhvr>
-                                        <p:cTn id="6" dur="1" fill="hold">
-                                          <p:stCondLst>
-                                            <p:cond delay="0"/>
-                                          </p:stCondLst>
-                                        </p:cTn>
-                                        <p:tgtEl>
-                                          <p:spTgt spid="15">
-                                            <p:txEl>
-                                              <p:pRg st="0" end="0"/>
-                                            </p:txEl>
-                                          </p:spTgt>
-                                        </p:tgtEl>
-                                        <p:attrNameLst>
-                                          <p:attrName>style.visibility</p:attrName>
-                                        </p:attrNameLst>
-                                      </p:cBhvr>
-                                      <p:to>
-                                        <p:strVal val="visible"/>
-                                      </p:to>
-                                    </p:set>
-                                    <p:animEffect transition="in" filter="fade">
-                                      <p:cBhvr>
-                                        <p:cTn id="7" dur="500"/>
-                                        <p:tgtEl>
-                                          <p:spTgt spid="15">
-                                            <p:txEl>
-                                              <p:pRg st="0" end="0"/>
-                                            </p:txEl>
-                                          </p:spTgt>
-                                        </p:tgtEl>
-                                      </p:cBhvr>
-                                    </p:animEffect>
-                                  </p:childTnLst>
-                                </p:cTn>
-                              </p:par>
-                            </p:childTnLst>
-                          </p:cTn>
-                        </p:par>
-                      </p:childTnLst>
-                    </p:cTn>
-                  </p:par>
-                  <p:par>
-                    <p:cTn id="8" fill="hold">
-                      <p:stCondLst>
-                        <p:cond delay="indefinite"/>
-                      </p:stCondLst>
-                      <p:childTnLst>
-                        <p:par>
-                          <p:cTn id="9" fill="hold">
-                            <p:stCondLst>
-                              <p:cond delay="0"/>
-                            </p:stCondLst>
-                            <p:childTnLst>
-                              <p:par>
-                                <p:cTn id="10" presetID="10" presetClass="entr" presetSubtype="0" fill="hold" nodeType="clickEffect">
-                                  <p:stCondLst>
-                                    <p:cond delay="0"/>
-                                  </p:stCondLst>
-                                  <p:childTnLst>
-                                    <p:set>
-                                      <p:cBhvr>
-                                        <p:cTn id="11" dur="1" fill="hold">
-                                          <p:stCondLst>
-                                            <p:cond delay="0"/>
-                                          </p:stCondLst>
-                                        </p:cTn>
-                                        <p:tgtEl>
-                                          <p:spTgt spid="15">
-                                            <p:txEl>
-                                              <p:pRg st="1" end="1"/>
-                                            </p:txEl>
-                                          </p:spTgt>
-                                        </p:tgtEl>
-                                        <p:attrNameLst>
-                                          <p:attrName>style.visibility</p:attrName>
-                                        </p:attrNameLst>
-                                      </p:cBhvr>
-                                      <p:to>
-                                        <p:strVal val="visible"/>
-                                      </p:to>
-                                    </p:set>
-                                    <p:animEffect transition="in" filter="fade">
-                                      <p:cBhvr>
-                                        <p:cTn id="12" dur="500"/>
-                                        <p:tgtEl>
-                                          <p:spTgt spid="15">
-                                            <p:txEl>
-                                              <p:pRg st="1" end="1"/>
-                                            </p:txEl>
-                                          </p:spTgt>
-                                        </p:tgtEl>
-                                      </p:cBhvr>
-                                    </p:animEffect>
-                                  </p:childTnLst>
-                                </p:cTn>
-                              </p:par>
-                            </p:childTnLst>
-                          </p:cTn>
-                        </p:par>
-                      </p:childTnLst>
-                    </p:cTn>
-                  </p:par>
-                  <p:par>
-                    <p:cTn id="13" fill="hold">
-                      <p:stCondLst>
-                        <p:cond delay="indefinite"/>
-                      </p:stCondLst>
-                      <p:childTnLst>
-                        <p:par>
-                          <p:cTn id="14" fill="hold">
-                            <p:stCondLst>
-                              <p:cond delay="0"/>
-                            </p:stCondLst>
-                            <p:childTnLst>
-                              <p:par>
-                                <p:cTn id="15" presetID="10" presetClass="entr" presetSubtype="0" fill="hold" nodeType="clickEffect">
-                                  <p:stCondLst>
-                                    <p:cond delay="0"/>
-                                  </p:stCondLst>
-                                  <p:childTnLst>
-                                    <p:set>
-                                      <p:cBhvr>
-                                        <p:cTn id="16" dur="1" fill="hold">
-                                          <p:stCondLst>
-                                            <p:cond delay="0"/>
-                                          </p:stCondLst>
-                                        </p:cTn>
-                                        <p:tgtEl>
-                                          <p:spTgt spid="15">
-                                            <p:txEl>
-                                              <p:pRg st="2" end="2"/>
-                                            </p:txEl>
-                                          </p:spTgt>
-                                        </p:tgtEl>
-                                        <p:attrNameLst>
-                                          <p:attrName>style.visibility</p:attrName>
-                                        </p:attrNameLst>
-                                      </p:cBhvr>
-                                      <p:to>
-                                        <p:strVal val="visible"/>
-                                      </p:to>
-                                    </p:set>
-                                    <p:animEffect transition="in" filter="fade">
-                                      <p:cBhvr>
-                                        <p:cTn id="17" dur="500"/>
-                                        <p:tgtEl>
-                                          <p:spTgt spid="15">
-                                            <p:txEl>
-                                              <p:pRg st="2" end="2"/>
-                                            </p:txEl>
-                                          </p:spTgt>
-                                        </p:tgtEl>
-                                      </p:cBhvr>
-                                    </p:animEffect>
-                                  </p:childTnLst>
-                                </p:cTn>
-                              </p:par>
-                            </p:childTnLst>
-                          </p:cTn>
-                        </p:par>
-                      </p:childTnLst>
-                    </p:cTn>
-                  </p:par>
-                  <p:par>
-                    <p:cTn id="18" fill="hold">
-                      <p:stCondLst>
-                        <p:cond delay="indefinite"/>
-                      </p:stCondLst>
-                      <p:childTnLst>
-                        <p:par>
-                          <p:cTn id="19" fill="hold">
-                            <p:stCondLst>
-                              <p:cond delay="0"/>
-                            </p:stCondLst>
-                            <p:childTnLst>
-                              <p:par>
-                                <p:cTn id="20" presetID="10" presetClass="entr" presetSubtype="0" fill="hold" nodeType="clickEffect">
-                                  <p:stCondLst>
-                                    <p:cond delay="0"/>
-                                  </p:stCondLst>
-                                  <p:childTnLst>
-                                    <p:set>
-                                      <p:cBhvr>
-                                        <p:cTn id="21" dur="1" fill="hold">
-                                          <p:stCondLst>
-                                            <p:cond delay="0"/>
-                                          </p:stCondLst>
-                                        </p:cTn>
-                                        <p:tgtEl>
-                                          <p:spTgt spid="15">
-                                            <p:txEl>
-                                              <p:pRg st="3" end="3"/>
-                                            </p:txEl>
-                                          </p:spTgt>
-                                        </p:tgtEl>
-                                        <p:attrNameLst>
-                                          <p:attrName>style.visibility</p:attrName>
-                                        </p:attrNameLst>
-                                      </p:cBhvr>
-                                      <p:to>
-                                        <p:strVal val="visible"/>
-                                      </p:to>
-                                    </p:set>
-                                    <p:animEffect transition="in" filter="fade">
-                                      <p:cBhvr>
-                                        <p:cTn id="22" dur="500"/>
-                                        <p:tgtEl>
-                                          <p:spTgt spid="15">
-                                            <p:txEl>
-                                              <p:pRg st="3" end="3"/>
-                                            </p:txEl>
-                                          </p:spTgt>
-                                        </p:tgtEl>
-                                      </p:cBhvr>
-                                    </p:animEffect>
-                                  </p:childTnLst>
-                                </p:cTn>
-                              </p:par>
-                            </p:childTnLst>
-                          </p:cTn>
-                        </p:par>
-                      </p:childTnLst>
-                    </p:cTn>
-                  </p:par>
-                </p:childTnLst>
-              </p:cTn>
-              <p:prevCondLst>
-                <p:cond evt="onPrev" delay="0">
-                  <p:tgtEl>
-                    <p:sldTgt/>
-                  </p:tgtEl>
-                </p:cond>
-              </p:prevCondLst>
-              <p:nextCondLst>
-                <p:cond evt="onNext" delay="0">
-                  <p:tgtEl>
-                    <p:sldTgt/>
-                  </p:tgtEl>
-                </p:cond>
-              </p:nextCondLst>
-            </p:seq>
-          </p:childTnLst>
-        </p:cTn>
-      </p:par>
-    </p:tnLst>
-  </p:timing>
-</p:sld>
-</file>
-
-<file path=ppt/slides/slide15.xml><?xml version="1.0" encoding="utf-8"?>
-<p:sld xmlns:a="http://schemas.openxmlformats.org/drawingml/2006/main" xmlns:r="http://schemas.openxmlformats.org/officeDocument/2006/relationships" xmlns:p="http://schemas.openxmlformats.org/presentationml/2006/main">
-  <p:cSld>
-    <p:spTree>
-      <p:nvGrpSpPr>
-        <p:cNvPr id="1" name=""/>
-        <p:cNvGrpSpPr/>
-        <p:nvPr/>
-      </p:nvGrpSpPr>
-      <p:grpSpPr>
-        <a:xfrm>
-          <a:off x="0" y="0"/>
-          <a:ext cx="0" cy="0"/>
-          <a:chOff x="0" y="0"/>
-          <a:chExt cx="0" cy="0"/>
-        </a:xfrm>
-      </p:grpSpPr>
-      <p:sp>
-        <p:nvSpPr>
-          <p:cNvPr id="2" name="Titel 1"/>
-          <p:cNvSpPr>
-            <a:spLocks noGrp="1"/>
-          </p:cNvSpPr>
-          <p:nvPr>
-            <p:ph type="title"/>
-          </p:nvPr>
-        </p:nvSpPr>
-        <p:spPr/>
-        <p:txBody>
-          <a:bodyPr/>
-          <a:lstStyle/>
-          <a:p>
-            <a:r>
-              <a:rPr lang="en-US" dirty="0" err="1" smtClean="0"/>
-              <a:t>Quellen</a:t>
-            </a:r>
-            <a:endParaRPr lang="en-US" dirty="0"/>
-          </a:p>
-        </p:txBody>
-      </p:sp>
-      <p:sp>
-        <p:nvSpPr>
-          <p:cNvPr id="8" name="Textfeld 7"/>
-          <p:cNvSpPr txBox="1"/>
-          <p:nvPr/>
-        </p:nvSpPr>
-        <p:spPr>
-          <a:xfrm>
-            <a:off x="370703" y="1606378"/>
-            <a:ext cx="11252886" cy="1323439"/>
-          </a:xfrm>
-          <a:prstGeom prst="rect">
-            <a:avLst/>
-          </a:prstGeom>
-          <a:noFill/>
-        </p:spPr>
-        <p:txBody>
-          <a:bodyPr wrap="square" rtlCol="0">
-            <a:spAutoFit/>
-          </a:bodyPr>
-          <a:lstStyle/>
-          <a:p>
-            <a:pPr marL="285750" indent="-285750">
-              <a:buFont typeface="Arial" panose="020B0604020202020204" pitchFamily="34" charset="0"/>
-              <a:buChar char="•"/>
-            </a:pPr>
-            <a:r>
-              <a:rPr lang="en-US" sz="2000" dirty="0" smtClean="0">
-                <a:solidFill>
-                  <a:srgbClr val="990000"/>
-                </a:solidFill>
-              </a:rPr>
-              <a:t>Interne </a:t>
-            </a:r>
-            <a:r>
-              <a:rPr lang="en-US" sz="2000" dirty="0" err="1" smtClean="0">
-                <a:solidFill>
-                  <a:srgbClr val="990000"/>
-                </a:solidFill>
-              </a:rPr>
-              <a:t>Bilderquellen</a:t>
-            </a:r>
-            <a:endParaRPr lang="en-US" sz="2000" dirty="0" smtClean="0">
-              <a:solidFill>
-                <a:srgbClr val="990000"/>
-              </a:solidFill>
-            </a:endParaRPr>
-          </a:p>
-          <a:p>
-            <a:pPr marL="285750" indent="-285750">
-              <a:buFont typeface="Arial" panose="020B0604020202020204" pitchFamily="34" charset="0"/>
-              <a:buChar char="•"/>
-            </a:pPr>
-            <a:r>
-              <a:rPr lang="en-US" sz="2000" dirty="0" smtClean="0">
-                <a:solidFill>
-                  <a:srgbClr val="990000"/>
-                </a:solidFill>
-              </a:rPr>
-              <a:t>http</a:t>
-            </a:r>
-            <a:r>
-              <a:rPr lang="en-US" sz="2000" dirty="0">
-                <a:solidFill>
-                  <a:srgbClr val="990000"/>
-                </a:solidFill>
-              </a:rPr>
-              <a:t>://</a:t>
-            </a:r>
-            <a:r>
-              <a:rPr lang="en-US" sz="2000" dirty="0" smtClean="0">
-                <a:solidFill>
-                  <a:srgbClr val="990000"/>
-                </a:solidFill>
-              </a:rPr>
-              <a:t>www.thinkstockphotos.de/image/stock-illustration-simple-business-people-steady-growth/519385349</a:t>
-            </a:r>
-          </a:p>
-          <a:p>
-            <a:pPr marL="285750" indent="-285750">
-              <a:buFont typeface="Arial" panose="020B0604020202020204" pitchFamily="34" charset="0"/>
-              <a:buChar char="•"/>
-            </a:pPr>
-            <a:r>
-              <a:rPr lang="en-US" sz="2000" dirty="0">
-                <a:solidFill>
-                  <a:srgbClr val="990000"/>
-                </a:solidFill>
-              </a:rPr>
-              <a:t>http://</a:t>
-            </a:r>
-            <a:r>
-              <a:rPr lang="en-US" sz="2000" dirty="0" smtClean="0">
-                <a:solidFill>
-                  <a:srgbClr val="990000"/>
-                </a:solidFill>
-              </a:rPr>
-              <a:t>comps.canstockphoto.com/can-stock-photo_csp16420993.jpg</a:t>
-            </a:r>
-          </a:p>
-        </p:txBody>
-      </p:sp>
-      <p:sp>
-        <p:nvSpPr>
-          <p:cNvPr id="9" name="Rechteck 8"/>
-          <p:cNvSpPr/>
-          <p:nvPr/>
-        </p:nvSpPr>
-        <p:spPr>
-          <a:xfrm>
-            <a:off x="0" y="5710766"/>
-            <a:ext cx="2429142" cy="304800"/>
-          </a:xfrm>
-          <a:prstGeom prst="rect">
-            <a:avLst/>
-          </a:prstGeom>
-          <a:solidFill>
-            <a:srgbClr val="990000"/>
-          </a:solidFill>
-          <a:ln>
-            <a:solidFill>
-              <a:srgbClr val="C00000"/>
-            </a:solidFill>
-          </a:ln>
-        </p:spPr>
-        <p:style>
-          <a:lnRef idx="2">
-            <a:schemeClr val="accent1">
-              <a:shade val="50000"/>
-            </a:schemeClr>
-          </a:lnRef>
-          <a:fillRef idx="1">
-            <a:schemeClr val="accent1"/>
-          </a:fillRef>
-          <a:effectRef idx="0">
-            <a:schemeClr val="accent1"/>
-          </a:effectRef>
-          <a:fontRef idx="minor">
-            <a:schemeClr val="lt1"/>
-          </a:fontRef>
-        </p:style>
-        <p:txBody>
-          <a:bodyPr rtlCol="0" anchor="ctr"/>
-          <a:lstStyle/>
-          <a:p>
-            <a:pPr algn="ctr"/>
-            <a:r>
-              <a:rPr lang="en-US" dirty="0" err="1"/>
-              <a:t>Technisches</a:t>
-            </a:r>
-            <a:r>
-              <a:rPr lang="en-US" dirty="0"/>
-              <a:t> </a:t>
-            </a:r>
-            <a:r>
-              <a:rPr lang="en-US" dirty="0" err="1"/>
-              <a:t>Konzept</a:t>
-            </a:r>
-            <a:endParaRPr lang="en-US" dirty="0"/>
-          </a:p>
-        </p:txBody>
-      </p:sp>
-      <p:sp>
-        <p:nvSpPr>
-          <p:cNvPr id="10" name="Rechteck 9"/>
-          <p:cNvSpPr/>
-          <p:nvPr/>
-        </p:nvSpPr>
-        <p:spPr>
-          <a:xfrm>
-            <a:off x="2429475" y="5710766"/>
-            <a:ext cx="2444739" cy="304800"/>
-          </a:xfrm>
-          <a:prstGeom prst="rect">
-            <a:avLst/>
-          </a:prstGeom>
-          <a:solidFill>
-            <a:srgbClr val="990000"/>
-          </a:solidFill>
-          <a:ln>
-            <a:solidFill>
-              <a:srgbClr val="C00000"/>
-            </a:solidFill>
-          </a:ln>
-        </p:spPr>
-        <p:style>
-          <a:lnRef idx="2">
-            <a:schemeClr val="accent1">
-              <a:shade val="50000"/>
-            </a:schemeClr>
-          </a:lnRef>
-          <a:fillRef idx="1">
-            <a:schemeClr val="accent1"/>
-          </a:fillRef>
-          <a:effectRef idx="0">
-            <a:schemeClr val="accent1"/>
-          </a:effectRef>
-          <a:fontRef idx="minor">
-            <a:schemeClr val="lt1"/>
-          </a:fontRef>
-        </p:style>
-        <p:txBody>
-          <a:bodyPr rtlCol="0" anchor="ctr"/>
-          <a:lstStyle/>
-          <a:p>
-            <a:pPr algn="ctr"/>
-            <a:r>
-              <a:rPr lang="en-US" dirty="0" err="1"/>
-              <a:t>Projektmanagement</a:t>
-            </a:r>
-            <a:endParaRPr lang="en-US" dirty="0"/>
-          </a:p>
-        </p:txBody>
-      </p:sp>
-      <p:sp>
-        <p:nvSpPr>
-          <p:cNvPr id="11" name="Rechteck 10"/>
-          <p:cNvSpPr/>
-          <p:nvPr/>
-        </p:nvSpPr>
-        <p:spPr>
-          <a:xfrm>
-            <a:off x="4881119" y="5710766"/>
-            <a:ext cx="2438167" cy="304800"/>
-          </a:xfrm>
-          <a:prstGeom prst="rect">
-            <a:avLst/>
-          </a:prstGeom>
-          <a:solidFill>
-            <a:srgbClr val="990000"/>
-          </a:solidFill>
-          <a:ln>
-            <a:solidFill>
-              <a:srgbClr val="C00000"/>
-            </a:solidFill>
-          </a:ln>
-        </p:spPr>
-        <p:style>
-          <a:lnRef idx="2">
-            <a:schemeClr val="accent1">
-              <a:shade val="50000"/>
-            </a:schemeClr>
-          </a:lnRef>
-          <a:fillRef idx="1">
-            <a:schemeClr val="accent1"/>
-          </a:fillRef>
-          <a:effectRef idx="0">
-            <a:schemeClr val="accent1"/>
-          </a:effectRef>
-          <a:fontRef idx="minor">
-            <a:schemeClr val="lt1"/>
-          </a:fontRef>
-        </p:style>
-        <p:txBody>
-          <a:bodyPr rtlCol="0" anchor="ctr"/>
-          <a:lstStyle/>
-          <a:p>
-            <a:pPr algn="ctr"/>
-            <a:r>
-              <a:rPr lang="en-US" dirty="0" err="1"/>
-              <a:t>Funktionen</a:t>
-            </a:r>
-            <a:endParaRPr lang="en-US" dirty="0"/>
-          </a:p>
-        </p:txBody>
-      </p:sp>
-      <p:sp>
-        <p:nvSpPr>
-          <p:cNvPr id="12" name="Rechteck 11"/>
-          <p:cNvSpPr/>
-          <p:nvPr/>
-        </p:nvSpPr>
-        <p:spPr>
-          <a:xfrm>
-            <a:off x="7319286" y="5710766"/>
-            <a:ext cx="2438166" cy="304800"/>
-          </a:xfrm>
-          <a:prstGeom prst="rect">
-            <a:avLst/>
-          </a:prstGeom>
-          <a:solidFill>
-            <a:srgbClr val="990000"/>
-          </a:solidFill>
-          <a:ln>
-            <a:solidFill>
-              <a:srgbClr val="C00000"/>
-            </a:solidFill>
-          </a:ln>
-        </p:spPr>
-        <p:style>
-          <a:lnRef idx="2">
-            <a:schemeClr val="accent1">
-              <a:shade val="50000"/>
-            </a:schemeClr>
-          </a:lnRef>
-          <a:fillRef idx="1">
-            <a:schemeClr val="accent1"/>
-          </a:fillRef>
-          <a:effectRef idx="0">
-            <a:schemeClr val="accent1"/>
-          </a:effectRef>
-          <a:fontRef idx="minor">
-            <a:schemeClr val="lt1"/>
-          </a:fontRef>
-        </p:style>
-        <p:txBody>
-          <a:bodyPr rtlCol="0" anchor="ctr"/>
-          <a:lstStyle/>
-          <a:p>
-            <a:pPr algn="ctr"/>
-            <a:r>
-              <a:rPr lang="en-US" dirty="0"/>
-              <a:t>Live Demo</a:t>
-            </a:r>
-            <a:endParaRPr lang="en-US" dirty="0"/>
           </a:p>
         </p:txBody>
       </p:sp>
@@ -9480,10 +6636,9 @@
           <a:lstStyle/>
           <a:p>
             <a:r>
-              <a:rPr lang="en-US" dirty="0" smtClean="0"/>
+              <a:rPr lang="en-US" dirty="0"/>
               <a:t>Agenda</a:t>
             </a:r>
-            <a:endParaRPr lang="en-US" dirty="0"/>
           </a:p>
         </p:txBody>
       </p:sp>
@@ -10185,23 +7340,23 @@
           <a:lstStyle/>
           <a:p>
             <a:r>
-              <a:rPr lang="en-GB" dirty="0" err="1" smtClean="0"/>
+              <a:rPr lang="en-GB" dirty="0" err="1"/>
               <a:t>Technisches</a:t>
             </a:r>
             <a:r>
-              <a:rPr lang="en-GB" dirty="0" smtClean="0"/>
+              <a:rPr lang="en-GB" dirty="0"/>
               <a:t> </a:t>
             </a:r>
             <a:r>
-              <a:rPr lang="en-GB" dirty="0" err="1" smtClean="0"/>
+              <a:rPr lang="en-GB" dirty="0" err="1"/>
               <a:t>Konzept</a:t>
             </a:r>
             <a:r>
-              <a:rPr lang="en-GB" dirty="0" smtClean="0"/>
+              <a:rPr lang="en-GB" dirty="0"/>
               <a:t>: </a:t>
             </a:r>
             <a:r>
-              <a:rPr lang="en-GB" dirty="0" err="1" smtClean="0"/>
+              <a:rPr lang="en-GB" dirty="0" err="1"/>
               <a:t>Allgemein</a:t>
             </a:r>
             <a:endParaRPr lang="en-GB" dirty="0"/>
@@ -10238,7 +7393,7 @@
               <a:buChar char="•"/>
             </a:pPr>
             <a:r>
-              <a:rPr lang="en-US" sz="2400" dirty="0" err="1" smtClean="0">
+              <a:rPr lang="en-US" sz="2400" dirty="0" err="1">
                 <a:solidFill>
                   <a:srgbClr val="990000"/>
                 </a:solidFill>
@@ -10246,7 +7401,7 @@
               <a:t>Programmierung</a:t>
             </a:r>
             <a:r>
-              <a:rPr lang="en-US" sz="2400" dirty="0" smtClean="0">
+              <a:rPr lang="en-US" sz="2400" dirty="0">
                 <a:solidFill>
                   <a:srgbClr val="990000"/>
                 </a:solidFill>
@@ -10263,7 +7418,7 @@
               <a:buChar char="•"/>
             </a:pPr>
             <a:r>
-              <a:rPr lang="en-US" sz="2400" dirty="0" err="1" smtClean="0">
+              <a:rPr lang="en-US" sz="2400" dirty="0" err="1">
                 <a:solidFill>
                   <a:srgbClr val="990000"/>
                 </a:solidFill>
@@ -10271,7 +7426,7 @@
               <a:t>Programmiersprachen</a:t>
             </a:r>
             <a:r>
-              <a:rPr lang="en-US" sz="2400" dirty="0" smtClean="0">
+              <a:rPr lang="en-US" sz="2400" dirty="0">
                 <a:solidFill>
                   <a:srgbClr val="990000"/>
                 </a:solidFill>
@@ -10288,7 +7443,7 @@
               <a:buChar char="•"/>
             </a:pPr>
             <a:r>
-              <a:rPr lang="en-US" sz="2400" dirty="0" err="1" smtClean="0">
+              <a:rPr lang="en-US" sz="2400" dirty="0" err="1">
                 <a:solidFill>
                   <a:srgbClr val="990000"/>
                 </a:solidFill>
@@ -10296,7 +7451,7 @@
               <a:t>Entwicklungsumgebung</a:t>
             </a:r>
             <a:r>
-              <a:rPr lang="en-US" sz="2400" dirty="0" smtClean="0">
+              <a:rPr lang="en-US" sz="2400" dirty="0">
                 <a:solidFill>
                   <a:srgbClr val="990000"/>
                 </a:solidFill>
@@ -10313,7 +7468,7 @@
               <a:buChar char="•"/>
             </a:pPr>
             <a:r>
-              <a:rPr lang="en-US" sz="2400" dirty="0" err="1" smtClean="0">
+              <a:rPr lang="en-US" sz="2400" dirty="0" err="1">
                 <a:solidFill>
                   <a:srgbClr val="990000"/>
                 </a:solidFill>
@@ -10321,7 +7476,7 @@
               <a:t>Zusätzliche</a:t>
             </a:r>
             <a:r>
-              <a:rPr lang="en-US" sz="2400" dirty="0" smtClean="0">
+              <a:rPr lang="en-US" sz="2400" dirty="0">
                 <a:solidFill>
                   <a:srgbClr val="990000"/>
                 </a:solidFill>
@@ -10338,7 +7493,7 @@
               <a:buChar char="•"/>
             </a:pPr>
             <a:r>
-              <a:rPr lang="en-US" sz="2400" dirty="0" err="1" smtClean="0">
+              <a:rPr lang="en-US" sz="2400" dirty="0" err="1">
                 <a:solidFill>
                   <a:srgbClr val="990000"/>
                 </a:solidFill>
@@ -10346,7 +7501,7 @@
               <a:t>Dokumentation</a:t>
             </a:r>
             <a:r>
-              <a:rPr lang="en-US" sz="2400" dirty="0" smtClean="0">
+              <a:rPr lang="en-US" sz="2400" dirty="0">
                 <a:solidFill>
                   <a:srgbClr val="990000"/>
                 </a:solidFill>
@@ -10354,7 +7509,7 @@
               <a:t>: MS Office, MS Visio, </a:t>
             </a:r>
             <a:r>
-              <a:rPr lang="en-US" sz="2400" dirty="0" err="1" smtClean="0">
+              <a:rPr lang="en-US" sz="2400" dirty="0" err="1">
                 <a:solidFill>
                   <a:srgbClr val="990000"/>
                 </a:solidFill>
@@ -10367,25 +7522,17 @@
                   <a:srgbClr val="990000"/>
                 </a:solidFill>
               </a:rPr>
-              <a:t> </a:t>
-            </a:r>
-            <a:r>
-              <a:rPr lang="en-US" sz="2400" dirty="0" smtClean="0">
-                <a:solidFill>
-                  <a:srgbClr val="990000"/>
-                </a:solidFill>
-              </a:rPr>
-              <a:t>und </a:t>
-            </a:r>
-            <a:r>
-              <a:rPr lang="en-US" sz="2400" dirty="0" err="1" smtClean="0">
+              <a:t> und </a:t>
+            </a:r>
+            <a:r>
+              <a:rPr lang="en-US" sz="2400" dirty="0" err="1">
                 <a:solidFill>
                   <a:srgbClr val="990000"/>
                 </a:solidFill>
               </a:rPr>
               <a:t>Moqups</a:t>
             </a:r>
-            <a:endParaRPr lang="en-US" sz="2400" dirty="0" smtClean="0">
+            <a:endParaRPr lang="en-US" sz="2400" dirty="0">
               <a:solidFill>
                 <a:srgbClr val="990000"/>
               </a:solidFill>
@@ -10400,7 +7547,7 @@
               <a:buChar char="•"/>
             </a:pPr>
             <a:r>
-              <a:rPr lang="en-US" sz="2400" dirty="0" err="1" smtClean="0">
+              <a:rPr lang="en-US" sz="2400" dirty="0" err="1">
                 <a:solidFill>
                   <a:srgbClr val="990000"/>
                 </a:solidFill>
@@ -10408,7 +7555,7 @@
               <a:t>Projektmanagement</a:t>
             </a:r>
             <a:r>
-              <a:rPr lang="en-US" sz="2400" dirty="0" smtClean="0">
+              <a:rPr lang="en-US" sz="2400" dirty="0">
                 <a:solidFill>
                   <a:srgbClr val="990000"/>
                 </a:solidFill>
@@ -10421,7 +7568,7 @@
               <a:buFont typeface="Arial" panose="020B0604020202020204" pitchFamily="34" charset="0"/>
               <a:buChar char="•"/>
             </a:pPr>
-            <a:endParaRPr lang="en-US" sz="2400" dirty="0" smtClean="0">
+            <a:endParaRPr lang="en-US" sz="2400" dirty="0">
               <a:solidFill>
                 <a:srgbClr val="990000"/>
               </a:solidFill>
@@ -10485,7 +7632,7 @@
           <a:p>
             <a:pPr algn="ctr"/>
             <a:r>
-              <a:rPr lang="en-US" dirty="0" err="1" smtClean="0"/>
+              <a:rPr lang="en-US" dirty="0" err="1"/>
               <a:t>Projektmanagement</a:t>
             </a:r>
             <a:endParaRPr lang="en-US" dirty="0"/>
@@ -10537,7 +7684,7 @@
           <a:p>
             <a:pPr algn="ctr"/>
             <a:r>
-              <a:rPr lang="en-US" dirty="0" err="1" smtClean="0"/>
+              <a:rPr lang="en-US" dirty="0" err="1"/>
               <a:t>Funktionen</a:t>
             </a:r>
             <a:endParaRPr lang="en-US" dirty="0"/>
@@ -10589,15 +7736,15 @@
           <a:p>
             <a:pPr algn="ctr"/>
             <a:r>
-              <a:rPr lang="en-US" dirty="0" err="1" smtClean="0"/>
+              <a:rPr lang="en-US" dirty="0" err="1"/>
               <a:t>Technisches</a:t>
             </a:r>
             <a:r>
-              <a:rPr lang="en-US" dirty="0" smtClean="0"/>
+              <a:rPr lang="en-US" dirty="0"/>
               <a:t> </a:t>
             </a:r>
             <a:r>
-              <a:rPr lang="en-US" dirty="0" err="1" smtClean="0"/>
+              <a:rPr lang="en-US" dirty="0" err="1"/>
               <a:t>Konzept</a:t>
             </a:r>
             <a:endParaRPr lang="en-US" dirty="0"/>
@@ -10649,10 +7796,9 @@
           <a:p>
             <a:pPr algn="ctr"/>
             <a:r>
-              <a:rPr lang="en-US" dirty="0" smtClean="0"/>
+              <a:rPr lang="en-US" dirty="0"/>
               <a:t>Live Demo</a:t>
             </a:r>
-            <a:endParaRPr lang="en-US" dirty="0"/>
           </a:p>
         </p:txBody>
       </p:sp>
@@ -10701,7 +7847,7 @@
           <a:p>
             <a:pPr algn="ctr"/>
             <a:r>
-              <a:rPr lang="en-US" dirty="0" err="1" smtClean="0"/>
+              <a:rPr lang="en-US" dirty="0" err="1"/>
               <a:t>Fazit</a:t>
             </a:r>
             <a:endParaRPr lang="en-US" dirty="0"/>
@@ -10718,13 +7864,6 @@
   <p:clrMapOvr>
     <a:masterClrMapping/>
   </p:clrMapOvr>
-  <p:timing>
-    <p:tnLst>
-      <p:par>
-        <p:cTn id="1" dur="indefinite" restart="never" nodeType="tmRoot"/>
-      </p:par>
-    </p:tnLst>
-  </p:timing>
 </p:sld>
 </file>
 
@@ -10761,20 +7900,388 @@
           <a:lstStyle/>
           <a:p>
             <a:r>
-              <a:rPr lang="en-GB" dirty="0" err="1" smtClean="0"/>
+              <a:rPr lang="en-GB" dirty="0" err="1"/>
               <a:t>Technisches</a:t>
             </a:r>
             <a:r>
-              <a:rPr lang="en-GB" dirty="0" smtClean="0"/>
+              <a:rPr lang="en-GB" dirty="0"/>
               <a:t> </a:t>
             </a:r>
             <a:r>
-              <a:rPr lang="en-GB" dirty="0" err="1" smtClean="0"/>
+              <a:rPr lang="en-GB" dirty="0" err="1"/>
               <a:t>Konzept</a:t>
             </a:r>
             <a:r>
-              <a:rPr lang="en-GB" dirty="0" smtClean="0"/>
+              <a:rPr lang="en-GB" dirty="0"/>
               <a:t>: Model-View-Concept</a:t>
+            </a:r>
+          </a:p>
+        </p:txBody>
+      </p:sp>
+      <p:sp>
+        <p:nvSpPr>
+          <p:cNvPr id="4" name="Rechteck 3"/>
+          <p:cNvSpPr/>
+          <p:nvPr/>
+        </p:nvSpPr>
+        <p:spPr>
+          <a:xfrm>
+            <a:off x="2426189" y="5708708"/>
+            <a:ext cx="2438167" cy="304800"/>
+          </a:xfrm>
+          <a:prstGeom prst="rect">
+            <a:avLst/>
+          </a:prstGeom>
+          <a:solidFill>
+            <a:srgbClr val="990000"/>
+          </a:solidFill>
+          <a:ln>
+            <a:solidFill>
+              <a:srgbClr val="C00000"/>
+            </a:solidFill>
+          </a:ln>
+        </p:spPr>
+        <p:style>
+          <a:lnRef idx="2">
+            <a:schemeClr val="accent1">
+              <a:shade val="50000"/>
+            </a:schemeClr>
+          </a:lnRef>
+          <a:fillRef idx="1">
+            <a:schemeClr val="accent1"/>
+          </a:fillRef>
+          <a:effectRef idx="0">
+            <a:schemeClr val="accent1"/>
+          </a:effectRef>
+          <a:fontRef idx="minor">
+            <a:schemeClr val="lt1"/>
+          </a:fontRef>
+        </p:style>
+        <p:txBody>
+          <a:bodyPr rtlCol="0" anchor="ctr"/>
+          <a:lstStyle/>
+          <a:p>
+            <a:pPr algn="ctr"/>
+            <a:r>
+              <a:rPr lang="en-US" dirty="0" err="1"/>
+              <a:t>Projektmanagement</a:t>
+            </a:r>
+            <a:endParaRPr lang="en-US" dirty="0"/>
+          </a:p>
+        </p:txBody>
+      </p:sp>
+      <p:sp>
+        <p:nvSpPr>
+          <p:cNvPr id="5" name="Rechteck 4"/>
+          <p:cNvSpPr/>
+          <p:nvPr/>
+        </p:nvSpPr>
+        <p:spPr>
+          <a:xfrm>
+            <a:off x="4867642" y="5708708"/>
+            <a:ext cx="2444739" cy="304800"/>
+          </a:xfrm>
+          <a:prstGeom prst="rect">
+            <a:avLst/>
+          </a:prstGeom>
+          <a:solidFill>
+            <a:srgbClr val="990000"/>
+          </a:solidFill>
+          <a:ln>
+            <a:solidFill>
+              <a:srgbClr val="C00000"/>
+            </a:solidFill>
+          </a:ln>
+        </p:spPr>
+        <p:style>
+          <a:lnRef idx="2">
+            <a:schemeClr val="accent1">
+              <a:shade val="50000"/>
+            </a:schemeClr>
+          </a:lnRef>
+          <a:fillRef idx="1">
+            <a:schemeClr val="accent1"/>
+          </a:fillRef>
+          <a:effectRef idx="0">
+            <a:schemeClr val="accent1"/>
+          </a:effectRef>
+          <a:fontRef idx="minor">
+            <a:schemeClr val="lt1"/>
+          </a:fontRef>
+        </p:style>
+        <p:txBody>
+          <a:bodyPr rtlCol="0" anchor="ctr"/>
+          <a:lstStyle/>
+          <a:p>
+            <a:pPr algn="ctr"/>
+            <a:r>
+              <a:rPr lang="en-US" dirty="0" err="1"/>
+              <a:t>Funktionen</a:t>
+            </a:r>
+            <a:endParaRPr lang="en-US" dirty="0"/>
+          </a:p>
+        </p:txBody>
+      </p:sp>
+      <p:sp>
+        <p:nvSpPr>
+          <p:cNvPr id="6" name="Rechteck 5"/>
+          <p:cNvSpPr/>
+          <p:nvPr/>
+        </p:nvSpPr>
+        <p:spPr>
+          <a:xfrm>
+            <a:off x="0" y="5576904"/>
+            <a:ext cx="2422903" cy="436604"/>
+          </a:xfrm>
+          <a:prstGeom prst="rect">
+            <a:avLst/>
+          </a:prstGeom>
+          <a:solidFill>
+            <a:srgbClr val="C00000"/>
+          </a:solidFill>
+          <a:ln>
+            <a:solidFill>
+              <a:srgbClr val="990000"/>
+            </a:solidFill>
+          </a:ln>
+        </p:spPr>
+        <p:style>
+          <a:lnRef idx="2">
+            <a:schemeClr val="accent1">
+              <a:shade val="50000"/>
+            </a:schemeClr>
+          </a:lnRef>
+          <a:fillRef idx="1">
+            <a:schemeClr val="accent1"/>
+          </a:fillRef>
+          <a:effectRef idx="0">
+            <a:schemeClr val="accent1"/>
+          </a:effectRef>
+          <a:fontRef idx="minor">
+            <a:schemeClr val="lt1"/>
+          </a:fontRef>
+        </p:style>
+        <p:txBody>
+          <a:bodyPr rtlCol="0" anchor="ctr"/>
+          <a:lstStyle/>
+          <a:p>
+            <a:pPr algn="ctr"/>
+            <a:r>
+              <a:rPr lang="en-US" dirty="0" err="1"/>
+              <a:t>Technisches</a:t>
+            </a:r>
+            <a:r>
+              <a:rPr lang="en-US" dirty="0"/>
+              <a:t> </a:t>
+            </a:r>
+            <a:r>
+              <a:rPr lang="en-US" dirty="0" err="1"/>
+              <a:t>Konzept</a:t>
+            </a:r>
+            <a:endParaRPr lang="en-US" dirty="0"/>
+          </a:p>
+        </p:txBody>
+      </p:sp>
+      <p:sp>
+        <p:nvSpPr>
+          <p:cNvPr id="7" name="Rechteck 6"/>
+          <p:cNvSpPr/>
+          <p:nvPr/>
+        </p:nvSpPr>
+        <p:spPr>
+          <a:xfrm>
+            <a:off x="7315667" y="5708708"/>
+            <a:ext cx="2438167" cy="304800"/>
+          </a:xfrm>
+          <a:prstGeom prst="rect">
+            <a:avLst/>
+          </a:prstGeom>
+          <a:solidFill>
+            <a:srgbClr val="990000"/>
+          </a:solidFill>
+          <a:ln>
+            <a:solidFill>
+              <a:srgbClr val="C00000"/>
+            </a:solidFill>
+          </a:ln>
+        </p:spPr>
+        <p:style>
+          <a:lnRef idx="2">
+            <a:schemeClr val="accent1">
+              <a:shade val="50000"/>
+            </a:schemeClr>
+          </a:lnRef>
+          <a:fillRef idx="1">
+            <a:schemeClr val="accent1"/>
+          </a:fillRef>
+          <a:effectRef idx="0">
+            <a:schemeClr val="accent1"/>
+          </a:effectRef>
+          <a:fontRef idx="minor">
+            <a:schemeClr val="lt1"/>
+          </a:fontRef>
+        </p:style>
+        <p:txBody>
+          <a:bodyPr rtlCol="0" anchor="ctr"/>
+          <a:lstStyle/>
+          <a:p>
+            <a:pPr algn="ctr"/>
+            <a:r>
+              <a:rPr lang="en-US" dirty="0"/>
+              <a:t>Live Demo</a:t>
+            </a:r>
+          </a:p>
+        </p:txBody>
+      </p:sp>
+      <p:sp>
+        <p:nvSpPr>
+          <p:cNvPr id="8" name="Rechteck 7"/>
+          <p:cNvSpPr/>
+          <p:nvPr/>
+        </p:nvSpPr>
+        <p:spPr>
+          <a:xfrm>
+            <a:off x="9753834" y="5708708"/>
+            <a:ext cx="2438166" cy="304800"/>
+          </a:xfrm>
+          <a:prstGeom prst="rect">
+            <a:avLst/>
+          </a:prstGeom>
+          <a:solidFill>
+            <a:srgbClr val="990000"/>
+          </a:solidFill>
+          <a:ln>
+            <a:solidFill>
+              <a:srgbClr val="C00000"/>
+            </a:solidFill>
+          </a:ln>
+        </p:spPr>
+        <p:style>
+          <a:lnRef idx="2">
+            <a:schemeClr val="accent1">
+              <a:shade val="50000"/>
+            </a:schemeClr>
+          </a:lnRef>
+          <a:fillRef idx="1">
+            <a:schemeClr val="accent1"/>
+          </a:fillRef>
+          <a:effectRef idx="0">
+            <a:schemeClr val="accent1"/>
+          </a:effectRef>
+          <a:fontRef idx="minor">
+            <a:schemeClr val="lt1"/>
+          </a:fontRef>
+        </p:style>
+        <p:txBody>
+          <a:bodyPr rtlCol="0" anchor="ctr"/>
+          <a:lstStyle/>
+          <a:p>
+            <a:pPr algn="ctr"/>
+            <a:r>
+              <a:rPr lang="en-US" dirty="0" err="1"/>
+              <a:t>Fazit</a:t>
+            </a:r>
+            <a:endParaRPr lang="en-US" dirty="0"/>
+          </a:p>
+        </p:txBody>
+      </p:sp>
+      <p:pic>
+        <p:nvPicPr>
+          <p:cNvPr id="9" name="Grafik 8" descr="F:\Documents\FHDW\pfbw113a_WS14-15_Projekte der Wirtschaftsinformatik\7e7a7815ff9aad1df2de3275.jpg.gif"/>
+          <p:cNvPicPr/>
+          <p:nvPr/>
+        </p:nvPicPr>
+        <p:blipFill>
+          <a:blip r:embed="rId2">
+            <a:extLst>
+              <a:ext uri="{28A0092B-C50C-407E-A947-70E740481C1C}">
+                <a14:useLocalDpi xmlns:a14="http://schemas.microsoft.com/office/drawing/2010/main" val="0"/>
+              </a:ext>
+            </a:extLst>
+          </a:blip>
+          <a:srcRect/>
+          <a:stretch>
+            <a:fillRect/>
+          </a:stretch>
+        </p:blipFill>
+        <p:spPr bwMode="auto">
+          <a:xfrm>
+            <a:off x="3249612" y="2302192"/>
+            <a:ext cx="5692775" cy="2253615"/>
+          </a:xfrm>
+          <a:prstGeom prst="rect">
+            <a:avLst/>
+          </a:prstGeom>
+          <a:noFill/>
+          <a:ln>
+            <a:noFill/>
+          </a:ln>
+        </p:spPr>
+      </p:pic>
+    </p:spTree>
+    <p:extLst>
+      <p:ext uri="{BB962C8B-B14F-4D97-AF65-F5344CB8AC3E}">
+        <p14:creationId xmlns:p14="http://schemas.microsoft.com/office/powerpoint/2010/main" val="1048647052"/>
+      </p:ext>
+    </p:extLst>
+  </p:cSld>
+  <p:clrMapOvr>
+    <a:masterClrMapping/>
+  </p:clrMapOvr>
+</p:sld>
+</file>
+
+<file path=ppt/slides/slide5.xml><?xml version="1.0" encoding="utf-8"?>
+<p:sld xmlns:a="http://schemas.openxmlformats.org/drawingml/2006/main" xmlns:r="http://schemas.openxmlformats.org/officeDocument/2006/relationships" xmlns:p="http://schemas.openxmlformats.org/presentationml/2006/main">
+  <p:cSld>
+    <p:spTree>
+      <p:nvGrpSpPr>
+        <p:cNvPr id="1" name=""/>
+        <p:cNvGrpSpPr/>
+        <p:nvPr/>
+      </p:nvGrpSpPr>
+      <p:grpSpPr>
+        <a:xfrm>
+          <a:off x="0" y="0"/>
+          <a:ext cx="0" cy="0"/>
+          <a:chOff x="0" y="0"/>
+          <a:chExt cx="0" cy="0"/>
+        </a:xfrm>
+      </p:grpSpPr>
+      <p:sp>
+        <p:nvSpPr>
+          <p:cNvPr id="2" name="Titel 1"/>
+          <p:cNvSpPr>
+            <a:spLocks noGrp="1"/>
+          </p:cNvSpPr>
+          <p:nvPr>
+            <p:ph type="title"/>
+          </p:nvPr>
+        </p:nvSpPr>
+        <p:spPr/>
+        <p:txBody>
+          <a:bodyPr/>
+          <a:lstStyle/>
+          <a:p>
+            <a:r>
+              <a:rPr lang="en-GB" dirty="0" err="1"/>
+              <a:t>Technisches</a:t>
+            </a:r>
+            <a:r>
+              <a:rPr lang="en-GB" dirty="0"/>
+              <a:t> </a:t>
+            </a:r>
+            <a:r>
+              <a:rPr lang="en-GB" dirty="0" err="1"/>
+              <a:t>Konzept</a:t>
+            </a:r>
+            <a:r>
+              <a:rPr lang="en-GB" dirty="0"/>
+              <a:t>: </a:t>
+            </a:r>
+            <a:r>
+              <a:rPr lang="en-GB" dirty="0" err="1"/>
+              <a:t>Datenhaltung</a:t>
             </a:r>
             <a:endParaRPr lang="en-GB" dirty="0"/>
           </a:p>
@@ -10825,7 +8332,7 @@
           <a:p>
             <a:pPr algn="ctr"/>
             <a:r>
-              <a:rPr lang="en-US" dirty="0" err="1" smtClean="0"/>
+              <a:rPr lang="en-US" dirty="0" err="1"/>
               <a:t>Projektmanagement</a:t>
             </a:r>
             <a:endParaRPr lang="en-US" dirty="0"/>
@@ -10877,7 +8384,7 @@
           <a:p>
             <a:pPr algn="ctr"/>
             <a:r>
-              <a:rPr lang="en-US" dirty="0" err="1" smtClean="0"/>
+              <a:rPr lang="en-US" dirty="0" err="1"/>
               <a:t>Funktionen</a:t>
             </a:r>
             <a:endParaRPr lang="en-US" dirty="0"/>
@@ -10929,15 +8436,15 @@
           <a:p>
             <a:pPr algn="ctr"/>
             <a:r>
-              <a:rPr lang="en-US" dirty="0" err="1" smtClean="0"/>
+              <a:rPr lang="en-US" dirty="0" err="1"/>
               <a:t>Technisches</a:t>
             </a:r>
             <a:r>
-              <a:rPr lang="en-US" dirty="0" smtClean="0"/>
+              <a:rPr lang="en-US" dirty="0"/>
               <a:t> </a:t>
             </a:r>
             <a:r>
-              <a:rPr lang="en-US" dirty="0" err="1" smtClean="0"/>
+              <a:rPr lang="en-US" dirty="0" err="1"/>
               <a:t>Konzept</a:t>
             </a:r>
             <a:endParaRPr lang="en-US" dirty="0"/>
@@ -10989,10 +8496,9 @@
           <a:p>
             <a:pPr algn="ctr"/>
             <a:r>
-              <a:rPr lang="en-US" dirty="0" smtClean="0"/>
+              <a:rPr lang="en-US" dirty="0"/>
               <a:t>Live Demo</a:t>
             </a:r>
-            <a:endParaRPr lang="en-US" dirty="0"/>
           </a:p>
         </p:txBody>
       </p:sp>
@@ -11041,384 +8547,7 @@
           <a:p>
             <a:pPr algn="ctr"/>
             <a:r>
-              <a:rPr lang="en-US" dirty="0" err="1" smtClean="0"/>
-              <a:t>Fazit</a:t>
-            </a:r>
-            <a:endParaRPr lang="en-US" dirty="0"/>
-          </a:p>
-        </p:txBody>
-      </p:sp>
-      <p:pic>
-        <p:nvPicPr>
-          <p:cNvPr id="9" name="Grafik 8" descr="F:\Documents\FHDW\pfbw113a_WS14-15_Projekte der Wirtschaftsinformatik\7e7a7815ff9aad1df2de3275.jpg.gif"/>
-          <p:cNvPicPr/>
-          <p:nvPr/>
-        </p:nvPicPr>
-        <p:blipFill>
-          <a:blip r:embed="rId2">
-            <a:extLst>
-              <a:ext uri="{28A0092B-C50C-407E-A947-70E740481C1C}">
-                <a14:useLocalDpi xmlns:a14="http://schemas.microsoft.com/office/drawing/2010/main" val="0"/>
-              </a:ext>
-            </a:extLst>
-          </a:blip>
-          <a:srcRect/>
-          <a:stretch>
-            <a:fillRect/>
-          </a:stretch>
-        </p:blipFill>
-        <p:spPr bwMode="auto">
-          <a:xfrm>
-            <a:off x="3249612" y="2302192"/>
-            <a:ext cx="5692775" cy="2253615"/>
-          </a:xfrm>
-          <a:prstGeom prst="rect">
-            <a:avLst/>
-          </a:prstGeom>
-          <a:noFill/>
-          <a:ln>
-            <a:noFill/>
-          </a:ln>
-        </p:spPr>
-      </p:pic>
-    </p:spTree>
-    <p:extLst>
-      <p:ext uri="{BB962C8B-B14F-4D97-AF65-F5344CB8AC3E}">
-        <p14:creationId xmlns:p14="http://schemas.microsoft.com/office/powerpoint/2010/main" val="1048647052"/>
-      </p:ext>
-    </p:extLst>
-  </p:cSld>
-  <p:clrMapOvr>
-    <a:masterClrMapping/>
-  </p:clrMapOvr>
-  <p:timing>
-    <p:tnLst>
-      <p:par>
-        <p:cTn id="1" dur="indefinite" restart="never" nodeType="tmRoot"/>
-      </p:par>
-    </p:tnLst>
-  </p:timing>
-</p:sld>
-</file>
-
-<file path=ppt/slides/slide5.xml><?xml version="1.0" encoding="utf-8"?>
-<p:sld xmlns:a="http://schemas.openxmlformats.org/drawingml/2006/main" xmlns:r="http://schemas.openxmlformats.org/officeDocument/2006/relationships" xmlns:p="http://schemas.openxmlformats.org/presentationml/2006/main">
-  <p:cSld>
-    <p:spTree>
-      <p:nvGrpSpPr>
-        <p:cNvPr id="1" name=""/>
-        <p:cNvGrpSpPr/>
-        <p:nvPr/>
-      </p:nvGrpSpPr>
-      <p:grpSpPr>
-        <a:xfrm>
-          <a:off x="0" y="0"/>
-          <a:ext cx="0" cy="0"/>
-          <a:chOff x="0" y="0"/>
-          <a:chExt cx="0" cy="0"/>
-        </a:xfrm>
-      </p:grpSpPr>
-      <p:sp>
-        <p:nvSpPr>
-          <p:cNvPr id="2" name="Titel 1"/>
-          <p:cNvSpPr>
-            <a:spLocks noGrp="1"/>
-          </p:cNvSpPr>
-          <p:nvPr>
-            <p:ph type="title"/>
-          </p:nvPr>
-        </p:nvSpPr>
-        <p:spPr/>
-        <p:txBody>
-          <a:bodyPr/>
-          <a:lstStyle/>
-          <a:p>
-            <a:r>
-              <a:rPr lang="en-GB" dirty="0" err="1" smtClean="0"/>
-              <a:t>Technisches</a:t>
-            </a:r>
-            <a:r>
-              <a:rPr lang="en-GB" dirty="0" smtClean="0"/>
-              <a:t> </a:t>
-            </a:r>
-            <a:r>
-              <a:rPr lang="en-GB" dirty="0" err="1" smtClean="0"/>
-              <a:t>Konzept</a:t>
-            </a:r>
-            <a:r>
-              <a:rPr lang="en-GB" dirty="0" smtClean="0"/>
-              <a:t>: </a:t>
-            </a:r>
-            <a:r>
-              <a:rPr lang="en-GB" dirty="0" err="1" smtClean="0"/>
-              <a:t>Datenhaltung</a:t>
-            </a:r>
-            <a:endParaRPr lang="en-GB" dirty="0"/>
-          </a:p>
-        </p:txBody>
-      </p:sp>
-      <p:sp>
-        <p:nvSpPr>
-          <p:cNvPr id="4" name="Rechteck 3"/>
-          <p:cNvSpPr/>
-          <p:nvPr/>
-        </p:nvSpPr>
-        <p:spPr>
-          <a:xfrm>
-            <a:off x="2426189" y="5708708"/>
-            <a:ext cx="2438167" cy="304800"/>
-          </a:xfrm>
-          <a:prstGeom prst="rect">
-            <a:avLst/>
-          </a:prstGeom>
-          <a:solidFill>
-            <a:srgbClr val="990000"/>
-          </a:solidFill>
-          <a:ln>
-            <a:solidFill>
-              <a:srgbClr val="C00000"/>
-            </a:solidFill>
-          </a:ln>
-        </p:spPr>
-        <p:style>
-          <a:lnRef idx="2">
-            <a:schemeClr val="accent1">
-              <a:shade val="50000"/>
-            </a:schemeClr>
-          </a:lnRef>
-          <a:fillRef idx="1">
-            <a:schemeClr val="accent1"/>
-          </a:fillRef>
-          <a:effectRef idx="0">
-            <a:schemeClr val="accent1"/>
-          </a:effectRef>
-          <a:fontRef idx="minor">
-            <a:schemeClr val="lt1"/>
-          </a:fontRef>
-        </p:style>
-        <p:txBody>
-          <a:bodyPr rtlCol="0" anchor="ctr"/>
-          <a:lstStyle/>
-          <a:p>
-            <a:pPr algn="ctr"/>
-            <a:r>
-              <a:rPr lang="en-US" dirty="0" err="1" smtClean="0"/>
-              <a:t>Projektmanagement</a:t>
-            </a:r>
-            <a:endParaRPr lang="en-US" dirty="0"/>
-          </a:p>
-        </p:txBody>
-      </p:sp>
-      <p:sp>
-        <p:nvSpPr>
-          <p:cNvPr id="5" name="Rechteck 4"/>
-          <p:cNvSpPr/>
-          <p:nvPr/>
-        </p:nvSpPr>
-        <p:spPr>
-          <a:xfrm>
-            <a:off x="4867642" y="5708708"/>
-            <a:ext cx="2444739" cy="304800"/>
-          </a:xfrm>
-          <a:prstGeom prst="rect">
-            <a:avLst/>
-          </a:prstGeom>
-          <a:solidFill>
-            <a:srgbClr val="990000"/>
-          </a:solidFill>
-          <a:ln>
-            <a:solidFill>
-              <a:srgbClr val="C00000"/>
-            </a:solidFill>
-          </a:ln>
-        </p:spPr>
-        <p:style>
-          <a:lnRef idx="2">
-            <a:schemeClr val="accent1">
-              <a:shade val="50000"/>
-            </a:schemeClr>
-          </a:lnRef>
-          <a:fillRef idx="1">
-            <a:schemeClr val="accent1"/>
-          </a:fillRef>
-          <a:effectRef idx="0">
-            <a:schemeClr val="accent1"/>
-          </a:effectRef>
-          <a:fontRef idx="minor">
-            <a:schemeClr val="lt1"/>
-          </a:fontRef>
-        </p:style>
-        <p:txBody>
-          <a:bodyPr rtlCol="0" anchor="ctr"/>
-          <a:lstStyle/>
-          <a:p>
-            <a:pPr algn="ctr"/>
-            <a:r>
-              <a:rPr lang="en-US" dirty="0" err="1" smtClean="0"/>
-              <a:t>Funktionen</a:t>
-            </a:r>
-            <a:endParaRPr lang="en-US" dirty="0"/>
-          </a:p>
-        </p:txBody>
-      </p:sp>
-      <p:sp>
-        <p:nvSpPr>
-          <p:cNvPr id="6" name="Rechteck 5"/>
-          <p:cNvSpPr/>
-          <p:nvPr/>
-        </p:nvSpPr>
-        <p:spPr>
-          <a:xfrm>
-            <a:off x="0" y="5576904"/>
-            <a:ext cx="2422903" cy="436604"/>
-          </a:xfrm>
-          <a:prstGeom prst="rect">
-            <a:avLst/>
-          </a:prstGeom>
-          <a:solidFill>
-            <a:srgbClr val="C00000"/>
-          </a:solidFill>
-          <a:ln>
-            <a:solidFill>
-              <a:srgbClr val="990000"/>
-            </a:solidFill>
-          </a:ln>
-        </p:spPr>
-        <p:style>
-          <a:lnRef idx="2">
-            <a:schemeClr val="accent1">
-              <a:shade val="50000"/>
-            </a:schemeClr>
-          </a:lnRef>
-          <a:fillRef idx="1">
-            <a:schemeClr val="accent1"/>
-          </a:fillRef>
-          <a:effectRef idx="0">
-            <a:schemeClr val="accent1"/>
-          </a:effectRef>
-          <a:fontRef idx="minor">
-            <a:schemeClr val="lt1"/>
-          </a:fontRef>
-        </p:style>
-        <p:txBody>
-          <a:bodyPr rtlCol="0" anchor="ctr"/>
-          <a:lstStyle/>
-          <a:p>
-            <a:pPr algn="ctr"/>
-            <a:r>
-              <a:rPr lang="en-US" dirty="0" err="1" smtClean="0"/>
-              <a:t>Technisches</a:t>
-            </a:r>
-            <a:r>
-              <a:rPr lang="en-US" dirty="0" smtClean="0"/>
-              <a:t> </a:t>
-            </a:r>
-            <a:r>
-              <a:rPr lang="en-US" dirty="0" err="1" smtClean="0"/>
-              <a:t>Konzept</a:t>
-            </a:r>
-            <a:endParaRPr lang="en-US" dirty="0"/>
-          </a:p>
-        </p:txBody>
-      </p:sp>
-      <p:sp>
-        <p:nvSpPr>
-          <p:cNvPr id="7" name="Rechteck 6"/>
-          <p:cNvSpPr/>
-          <p:nvPr/>
-        </p:nvSpPr>
-        <p:spPr>
-          <a:xfrm>
-            <a:off x="7315667" y="5708708"/>
-            <a:ext cx="2438167" cy="304800"/>
-          </a:xfrm>
-          <a:prstGeom prst="rect">
-            <a:avLst/>
-          </a:prstGeom>
-          <a:solidFill>
-            <a:srgbClr val="990000"/>
-          </a:solidFill>
-          <a:ln>
-            <a:solidFill>
-              <a:srgbClr val="C00000"/>
-            </a:solidFill>
-          </a:ln>
-        </p:spPr>
-        <p:style>
-          <a:lnRef idx="2">
-            <a:schemeClr val="accent1">
-              <a:shade val="50000"/>
-            </a:schemeClr>
-          </a:lnRef>
-          <a:fillRef idx="1">
-            <a:schemeClr val="accent1"/>
-          </a:fillRef>
-          <a:effectRef idx="0">
-            <a:schemeClr val="accent1"/>
-          </a:effectRef>
-          <a:fontRef idx="minor">
-            <a:schemeClr val="lt1"/>
-          </a:fontRef>
-        </p:style>
-        <p:txBody>
-          <a:bodyPr rtlCol="0" anchor="ctr"/>
-          <a:lstStyle/>
-          <a:p>
-            <a:pPr algn="ctr"/>
-            <a:r>
-              <a:rPr lang="en-US" dirty="0" smtClean="0"/>
-              <a:t>Live Demo</a:t>
-            </a:r>
-            <a:endParaRPr lang="en-US" dirty="0"/>
-          </a:p>
-        </p:txBody>
-      </p:sp>
-      <p:sp>
-        <p:nvSpPr>
-          <p:cNvPr id="8" name="Rechteck 7"/>
-          <p:cNvSpPr/>
-          <p:nvPr/>
-        </p:nvSpPr>
-        <p:spPr>
-          <a:xfrm>
-            <a:off x="9753834" y="5708708"/>
-            <a:ext cx="2438166" cy="304800"/>
-          </a:xfrm>
-          <a:prstGeom prst="rect">
-            <a:avLst/>
-          </a:prstGeom>
-          <a:solidFill>
-            <a:srgbClr val="990000"/>
-          </a:solidFill>
-          <a:ln>
-            <a:solidFill>
-              <a:srgbClr val="C00000"/>
-            </a:solidFill>
-          </a:ln>
-        </p:spPr>
-        <p:style>
-          <a:lnRef idx="2">
-            <a:schemeClr val="accent1">
-              <a:shade val="50000"/>
-            </a:schemeClr>
-          </a:lnRef>
-          <a:fillRef idx="1">
-            <a:schemeClr val="accent1"/>
-          </a:fillRef>
-          <a:effectRef idx="0">
-            <a:schemeClr val="accent1"/>
-          </a:effectRef>
-          <a:fontRef idx="minor">
-            <a:schemeClr val="lt1"/>
-          </a:fontRef>
-        </p:style>
-        <p:txBody>
-          <a:bodyPr rtlCol="0" anchor="ctr"/>
-          <a:lstStyle/>
-          <a:p>
-            <a:pPr algn="ctr"/>
-            <a:r>
-              <a:rPr lang="en-US" dirty="0" err="1" smtClean="0"/>
+              <a:rPr lang="en-US" dirty="0" err="1"/>
               <a:t>Fazit</a:t>
             </a:r>
             <a:endParaRPr lang="en-US" dirty="0"/>
@@ -11468,7 +8597,7 @@
           </a:lstStyle>
           <a:p>
             <a:r>
-              <a:rPr lang="en-GB" sz="8000" b="1" dirty="0" err="1" smtClean="0">
+              <a:rPr lang="en-GB" sz="8000" b="1" dirty="0" err="1">
                 <a:solidFill>
                   <a:srgbClr val="FF0000"/>
                 </a:solidFill>
@@ -11476,7 +8605,7 @@
               <a:t>Aktuelles</a:t>
             </a:r>
             <a:r>
-              <a:rPr lang="en-GB" sz="8000" b="1" dirty="0" smtClean="0">
+              <a:rPr lang="en-GB" sz="8000" b="1" dirty="0">
                 <a:solidFill>
                   <a:srgbClr val="FF0000"/>
                 </a:solidFill>
@@ -11484,7 +8613,7 @@
               <a:t> ER-</a:t>
             </a:r>
             <a:r>
-              <a:rPr lang="en-GB" sz="8000" b="1" dirty="0" err="1" smtClean="0">
+              <a:rPr lang="en-GB" sz="8000" b="1" dirty="0" err="1">
                 <a:solidFill>
                   <a:srgbClr val="FF0000"/>
                 </a:solidFill>
@@ -11509,13 +8638,6 @@
   <p:clrMapOvr>
     <a:masterClrMapping/>
   </p:clrMapOvr>
-  <p:timing>
-    <p:tnLst>
-      <p:par>
-        <p:cTn id="1" dur="indefinite" restart="never" nodeType="tmRoot"/>
-      </p:par>
-    </p:tnLst>
-  </p:timing>
 </p:sld>
 </file>
 
@@ -11552,14 +8674,13 @@
           <a:lstStyle/>
           <a:p>
             <a:r>
-              <a:rPr lang="en-US" dirty="0" err="1" smtClean="0"/>
+              <a:rPr lang="en-US" dirty="0" err="1"/>
               <a:t>Projektmanagement</a:t>
             </a:r>
             <a:r>
-              <a:rPr lang="en-US" dirty="0" smtClean="0"/>
+              <a:rPr lang="en-US" dirty="0"/>
               <a:t>: Modell</a:t>
             </a:r>
-            <a:endParaRPr lang="en-US" dirty="0"/>
           </a:p>
         </p:txBody>
       </p:sp>
@@ -11775,7 +8896,6 @@
               <a:rPr lang="en-US" dirty="0"/>
               <a:t>Live Demo</a:t>
             </a:r>
-            <a:endParaRPr lang="en-US" dirty="0"/>
           </a:p>
         </p:txBody>
       </p:sp>
@@ -11929,13 +9049,6 @@
       </p:transition>
     </mc:Fallback>
   </mc:AlternateContent>
-  <p:timing>
-    <p:tnLst>
-      <p:par>
-        <p:cTn id="1" dur="indefinite" restart="never" nodeType="tmRoot"/>
-      </p:par>
-    </p:tnLst>
-  </p:timing>
 </p:sld>
 </file>
 
@@ -11972,15 +9085,15 @@
           <a:lstStyle/>
           <a:p>
             <a:r>
-              <a:rPr lang="en-US" dirty="0" err="1" smtClean="0"/>
+              <a:rPr lang="en-US" dirty="0" err="1"/>
               <a:t>Projektmanagement</a:t>
             </a:r>
             <a:r>
-              <a:rPr lang="en-US" dirty="0" smtClean="0"/>
+              <a:rPr lang="en-US" dirty="0"/>
               <a:t>: </a:t>
             </a:r>
             <a:r>
-              <a:rPr lang="en-US" dirty="0" err="1" smtClean="0"/>
+              <a:rPr lang="en-US" dirty="0" err="1"/>
               <a:t>Soll-Ist-Vergleich</a:t>
             </a:r>
             <a:endParaRPr lang="en-US" dirty="0"/>
@@ -12199,7 +9312,6 @@
               <a:rPr lang="en-US" dirty="0"/>
               <a:t>Live Demo</a:t>
             </a:r>
-            <a:endParaRPr lang="en-US" dirty="0"/>
           </a:p>
         </p:txBody>
       </p:sp>
@@ -12283,7 +9395,7 @@
               </a:spcAft>
             </a:pPr>
             <a:r>
-              <a:rPr lang="en-US" sz="2400" dirty="0" smtClean="0">
+              <a:rPr lang="en-US" sz="2400" dirty="0">
                 <a:solidFill>
                   <a:srgbClr val="990000"/>
                 </a:solidFill>
@@ -12291,7 +9403,7 @@
               <a:t>	</a:t>
             </a:r>
             <a:r>
-              <a:rPr lang="en-US" sz="2400" dirty="0" err="1" smtClean="0">
+              <a:rPr lang="en-US" sz="2400" dirty="0" err="1">
                 <a:solidFill>
                   <a:srgbClr val="990000"/>
                 </a:solidFill>
@@ -12299,7 +9411,7 @@
               <a:t>Soll</a:t>
             </a:r>
             <a:r>
-              <a:rPr lang="en-US" sz="2400" dirty="0" smtClean="0">
+              <a:rPr lang="en-US" sz="2400" dirty="0">
                 <a:solidFill>
                   <a:srgbClr val="990000"/>
                 </a:solidFill>
@@ -12307,14 +9419,14 @@
               <a:t>				</a:t>
             </a:r>
             <a:r>
-              <a:rPr lang="en-US" sz="2400" dirty="0" err="1" smtClean="0">
+              <a:rPr lang="en-US" sz="2400" dirty="0" err="1">
                 <a:solidFill>
                   <a:srgbClr val="990000"/>
                 </a:solidFill>
               </a:rPr>
               <a:t>Ist</a:t>
             </a:r>
-            <a:endParaRPr lang="en-US" sz="2400" dirty="0" smtClean="0">
+            <a:endParaRPr lang="en-US" sz="2400" dirty="0">
               <a:solidFill>
                 <a:srgbClr val="990000"/>
               </a:solidFill>
@@ -12329,7 +9441,7 @@
               <a:buChar char="•"/>
             </a:pPr>
             <a:r>
-              <a:rPr lang="en-US" sz="2400" dirty="0" err="1" smtClean="0">
+              <a:rPr lang="en-US" sz="2400" dirty="0" err="1">
                 <a:solidFill>
                   <a:srgbClr val="990000"/>
                 </a:solidFill>
@@ -12337,7 +9449,7 @@
               <a:t>Projektinitialisierung</a:t>
             </a:r>
             <a:r>
-              <a:rPr lang="en-US" sz="2400" dirty="0" smtClean="0">
+              <a:rPr lang="en-US" sz="2400" dirty="0">
                 <a:solidFill>
                   <a:srgbClr val="990000"/>
                 </a:solidFill>
@@ -12345,7 +9457,7 @@
               <a:t>:		3     </a:t>
             </a:r>
             <a:r>
-              <a:rPr lang="en-US" sz="2400" dirty="0" err="1" smtClean="0">
+              <a:rPr lang="en-US" sz="2400" dirty="0" err="1">
                 <a:solidFill>
                   <a:srgbClr val="990000"/>
                 </a:solidFill>
@@ -12353,7 +9465,7 @@
               <a:t>Std</a:t>
             </a:r>
             <a:r>
-              <a:rPr lang="en-US" sz="2400" dirty="0" smtClean="0">
+              <a:rPr lang="en-US" sz="2400" dirty="0">
                 <a:solidFill>
                   <a:srgbClr val="990000"/>
                 </a:solidFill>
@@ -12361,14 +9473,14 @@
               <a:t>				3 </a:t>
             </a:r>
             <a:r>
-              <a:rPr lang="en-US" sz="2400" dirty="0" err="1" smtClean="0">
+              <a:rPr lang="en-US" sz="2400" dirty="0" err="1">
                 <a:solidFill>
                   <a:srgbClr val="990000"/>
                 </a:solidFill>
               </a:rPr>
               <a:t>Std</a:t>
             </a:r>
-            <a:endParaRPr lang="en-US" sz="2400" dirty="0" smtClean="0">
+            <a:endParaRPr lang="en-US" sz="2400" dirty="0">
               <a:solidFill>
                 <a:srgbClr val="990000"/>
               </a:solidFill>
@@ -12383,7 +9495,7 @@
               <a:buChar char="•"/>
             </a:pPr>
             <a:r>
-              <a:rPr lang="en-US" sz="2400" dirty="0" err="1" smtClean="0">
+              <a:rPr lang="en-US" sz="2400" dirty="0" err="1">
                 <a:solidFill>
                   <a:srgbClr val="990000"/>
                 </a:solidFill>
@@ -12391,7 +9503,7 @@
               <a:t>Konzeption</a:t>
             </a:r>
             <a:r>
-              <a:rPr lang="en-US" sz="2400" dirty="0" smtClean="0">
+              <a:rPr lang="en-US" sz="2400" dirty="0">
                 <a:solidFill>
                   <a:srgbClr val="990000"/>
                 </a:solidFill>
@@ -12399,7 +9511,7 @@
               <a:t>:			22   </a:t>
             </a:r>
             <a:r>
-              <a:rPr lang="en-US" sz="2400" dirty="0" err="1" smtClean="0">
+              <a:rPr lang="en-US" sz="2400" dirty="0" err="1">
                 <a:solidFill>
                   <a:srgbClr val="990000"/>
                 </a:solidFill>
@@ -12407,7 +9519,7 @@
               <a:t>Std</a:t>
             </a:r>
             <a:r>
-              <a:rPr lang="en-US" sz="2400" dirty="0" smtClean="0">
+              <a:rPr lang="en-US" sz="2400" dirty="0">
                 <a:solidFill>
                   <a:srgbClr val="990000"/>
                 </a:solidFill>
@@ -12415,14 +9527,14 @@
               <a:t>				22 </a:t>
             </a:r>
             <a:r>
-              <a:rPr lang="en-US" sz="2400" dirty="0" err="1" smtClean="0">
+              <a:rPr lang="en-US" sz="2400" dirty="0" err="1">
                 <a:solidFill>
                   <a:srgbClr val="990000"/>
                 </a:solidFill>
               </a:rPr>
               <a:t>Std</a:t>
             </a:r>
-            <a:endParaRPr lang="en-US" sz="2400" dirty="0" smtClean="0">
+            <a:endParaRPr lang="en-US" sz="2400" dirty="0">
               <a:solidFill>
                 <a:srgbClr val="990000"/>
               </a:solidFill>
@@ -12437,7 +9549,7 @@
               <a:buChar char="•"/>
             </a:pPr>
             <a:r>
-              <a:rPr lang="en-US" sz="2400" dirty="0" smtClean="0">
+              <a:rPr lang="en-US" sz="2400" dirty="0">
                 <a:solidFill>
                   <a:srgbClr val="990000"/>
                 </a:solidFill>
@@ -12445,7 +9557,7 @@
               <a:t>Design:				53   </a:t>
             </a:r>
             <a:r>
-              <a:rPr lang="en-US" sz="2400" dirty="0" err="1" smtClean="0">
+              <a:rPr lang="en-US" sz="2400" dirty="0" err="1">
                 <a:solidFill>
                   <a:srgbClr val="990000"/>
                 </a:solidFill>
@@ -12453,7 +9565,7 @@
               <a:t>Std</a:t>
             </a:r>
             <a:r>
-              <a:rPr lang="en-US" sz="2400" dirty="0" smtClean="0">
+              <a:rPr lang="en-US" sz="2400" dirty="0">
                 <a:solidFill>
                   <a:srgbClr val="990000"/>
                 </a:solidFill>
@@ -12461,14 +9573,14 @@
               <a:t>				54 </a:t>
             </a:r>
             <a:r>
-              <a:rPr lang="en-US" sz="2400" dirty="0" err="1" smtClean="0">
+              <a:rPr lang="en-US" sz="2400" dirty="0" err="1">
                 <a:solidFill>
                   <a:srgbClr val="990000"/>
                 </a:solidFill>
               </a:rPr>
               <a:t>Std</a:t>
             </a:r>
-            <a:endParaRPr lang="en-US" sz="2400" dirty="0" smtClean="0">
+            <a:endParaRPr lang="en-US" sz="2400" dirty="0">
               <a:solidFill>
                 <a:srgbClr val="990000"/>
               </a:solidFill>
@@ -12483,7 +9595,7 @@
               <a:buChar char="•"/>
             </a:pPr>
             <a:r>
-              <a:rPr lang="en-US" sz="2400" dirty="0" err="1" smtClean="0">
+              <a:rPr lang="en-US" sz="2400" dirty="0" err="1">
                 <a:solidFill>
                   <a:srgbClr val="990000"/>
                 </a:solidFill>
@@ -12491,7 +9603,7 @@
               <a:t>Realisierung</a:t>
             </a:r>
             <a:r>
-              <a:rPr lang="en-US" sz="2400" dirty="0" smtClean="0">
+              <a:rPr lang="en-US" sz="2400" dirty="0">
                 <a:solidFill>
                   <a:srgbClr val="990000"/>
                 </a:solidFill>
@@ -12499,14 +9611,14 @@
               <a:t>:			176 </a:t>
             </a:r>
             <a:r>
-              <a:rPr lang="en-US" sz="2400" dirty="0" err="1" smtClean="0">
+              <a:rPr lang="en-US" sz="2400" dirty="0" err="1">
                 <a:solidFill>
                   <a:srgbClr val="990000"/>
                 </a:solidFill>
               </a:rPr>
               <a:t>Std</a:t>
             </a:r>
-            <a:endParaRPr lang="en-US" sz="2400" dirty="0" smtClean="0">
+            <a:endParaRPr lang="en-US" sz="2400" dirty="0">
               <a:solidFill>
                 <a:srgbClr val="990000"/>
               </a:solidFill>
@@ -12521,7 +9633,7 @@
               <a:buChar char="•"/>
             </a:pPr>
             <a:r>
-              <a:rPr lang="en-US" sz="2400" dirty="0" smtClean="0">
+              <a:rPr lang="en-US" sz="2400" dirty="0">
                 <a:solidFill>
                   <a:srgbClr val="990000"/>
                 </a:solidFill>
@@ -12529,14 +9641,14 @@
               <a:t>Test:				33   </a:t>
             </a:r>
             <a:r>
-              <a:rPr lang="en-US" sz="2400" dirty="0" err="1" smtClean="0">
+              <a:rPr lang="en-US" sz="2400" dirty="0" err="1">
                 <a:solidFill>
                   <a:srgbClr val="990000"/>
                 </a:solidFill>
               </a:rPr>
               <a:t>Std</a:t>
             </a:r>
-            <a:endParaRPr lang="en-US" sz="2400" dirty="0" smtClean="0">
+            <a:endParaRPr lang="en-US" sz="2400" dirty="0">
               <a:solidFill>
                 <a:srgbClr val="990000"/>
               </a:solidFill>
@@ -12551,7 +9663,7 @@
               <a:buChar char="•"/>
             </a:pPr>
             <a:r>
-              <a:rPr lang="en-US" sz="2400" dirty="0" err="1" smtClean="0">
+              <a:rPr lang="en-US" sz="2400" dirty="0" err="1">
                 <a:solidFill>
                   <a:srgbClr val="990000"/>
                 </a:solidFill>
@@ -12559,7 +9671,7 @@
               <a:t>Dokumentation</a:t>
             </a:r>
             <a:r>
-              <a:rPr lang="en-US" sz="2400" dirty="0" smtClean="0">
+              <a:rPr lang="en-US" sz="2400" dirty="0">
                 <a:solidFill>
                   <a:srgbClr val="990000"/>
                 </a:solidFill>
@@ -12567,14 +9679,14 @@
               <a:t>:		45   </a:t>
             </a:r>
             <a:r>
-              <a:rPr lang="en-US" sz="2400" dirty="0" err="1" smtClean="0">
+              <a:rPr lang="en-US" sz="2400" dirty="0" err="1">
                 <a:solidFill>
                   <a:srgbClr val="990000"/>
                 </a:solidFill>
               </a:rPr>
               <a:t>Std</a:t>
             </a:r>
-            <a:endParaRPr lang="en-US" sz="2400" dirty="0" smtClean="0">
+            <a:endParaRPr lang="en-US" sz="2400" dirty="0">
               <a:solidFill>
                 <a:srgbClr val="990000"/>
               </a:solidFill>
@@ -12589,7 +9701,7 @@
               <a:buChar char="•"/>
             </a:pPr>
             <a:r>
-              <a:rPr lang="en-US" sz="2400" dirty="0" err="1" smtClean="0">
+              <a:rPr lang="en-US" sz="2400" dirty="0" err="1">
                 <a:solidFill>
                   <a:srgbClr val="990000"/>
                 </a:solidFill>
@@ -12597,7 +9709,7 @@
               <a:t>Projektleitung</a:t>
             </a:r>
             <a:r>
-              <a:rPr lang="en-US" sz="2400" dirty="0" smtClean="0">
+              <a:rPr lang="en-US" sz="2400" dirty="0">
                 <a:solidFill>
                   <a:srgbClr val="990000"/>
                 </a:solidFill>
@@ -12605,7 +9717,7 @@
               <a:t>:			28   </a:t>
             </a:r>
             <a:r>
-              <a:rPr lang="en-US" sz="2400" dirty="0" err="1" smtClean="0">
+              <a:rPr lang="en-US" sz="2400" dirty="0" err="1">
                 <a:solidFill>
                   <a:srgbClr val="990000"/>
                 </a:solidFill>
@@ -12642,13 +9754,6 @@
       </p:transition>
     </mc:Fallback>
   </mc:AlternateContent>
-  <p:timing>
-    <p:tnLst>
-      <p:par>
-        <p:cTn id="1" dur="indefinite" restart="never" nodeType="tmRoot"/>
-      </p:par>
-    </p:tnLst>
-  </p:timing>
 </p:sld>
 </file>
 
@@ -12671,7 +9776,7 @@
       </p:grpSpPr>
       <p:sp>
         <p:nvSpPr>
-          <p:cNvPr id="3" name="Titel 2"/>
+          <p:cNvPr id="2" name="Titel 1"/>
           <p:cNvSpPr>
             <a:spLocks noGrp="1"/>
           </p:cNvSpPr>
@@ -12685,31 +9790,22 @@
           <a:lstStyle/>
           <a:p>
             <a:r>
-              <a:rPr lang="en-GB" dirty="0" err="1" smtClean="0"/>
-              <a:t>Funktionen</a:t>
-            </a:r>
-            <a:r>
-              <a:rPr lang="en-GB" dirty="0" smtClean="0"/>
-              <a:t>: </a:t>
-            </a:r>
-            <a:r>
-              <a:rPr lang="en-GB" dirty="0" err="1" smtClean="0"/>
-              <a:t>Besucher</a:t>
-            </a:r>
-            <a:endParaRPr lang="en-GB" dirty="0"/>
+              <a:rPr lang="en-US" dirty="0"/>
+              <a:t>Live Demo</a:t>
+            </a:r>
           </a:p>
         </p:txBody>
       </p:sp>
       <p:sp>
         <p:nvSpPr>
-          <p:cNvPr id="4" name="Textfeld 3"/>
+          <p:cNvPr id="7" name="Textfeld 6"/>
           <p:cNvSpPr txBox="1"/>
           <p:nvPr/>
         </p:nvSpPr>
         <p:spPr>
-          <a:xfrm>
-            <a:off x="370703" y="1606378"/>
-            <a:ext cx="11252886" cy="589072"/>
+          <a:xfrm rot="20444981">
+            <a:off x="393218" y="1241441"/>
+            <a:ext cx="11252886" cy="3539430"/>
           </a:xfrm>
           <a:prstGeom prst="rect">
             <a:avLst/>
@@ -12722,28 +9818,174 @@
           </a:bodyPr>
           <a:lstStyle/>
           <a:p>
-            <a:pPr lvl="4">
+            <a:pPr algn="ctr">
               <a:lnSpc>
-                <a:spcPct val="150000"/>
+                <a:spcPct val="200000"/>
               </a:lnSpc>
             </a:pPr>
-            <a:endParaRPr lang="en-US" sz="2400" dirty="0">
-              <a:solidFill>
-                <a:srgbClr val="990000"/>
-              </a:solidFill>
-            </a:endParaRPr>
+            <a:r>
+              <a:rPr lang="en-US" sz="8800" b="1" dirty="0">
+                <a:solidFill>
+                  <a:srgbClr val="FF0000"/>
+                </a:solidFill>
+              </a:rPr>
+              <a:t>Live Demo</a:t>
+            </a:r>
+          </a:p>
+          <a:p>
+            <a:pPr algn="ctr">
+              <a:lnSpc>
+                <a:spcPct val="200000"/>
+              </a:lnSpc>
+            </a:pPr>
+            <a:r>
+              <a:rPr lang="en-US" sz="2400" b="1" dirty="0">
+                <a:solidFill>
+                  <a:srgbClr val="FF0000"/>
+                </a:solidFill>
+              </a:rPr>
+              <a:t>(Screenshot der </a:t>
+            </a:r>
+            <a:r>
+              <a:rPr lang="en-US" sz="2400" b="1" dirty="0" err="1">
+                <a:solidFill>
+                  <a:srgbClr val="FF0000"/>
+                </a:solidFill>
+              </a:rPr>
+              <a:t>Startseite</a:t>
+            </a:r>
+            <a:r>
+              <a:rPr lang="en-US" sz="2400" b="1" dirty="0">
+                <a:solidFill>
+                  <a:srgbClr val="FF0000"/>
+                </a:solidFill>
+              </a:rPr>
+              <a:t>)</a:t>
+            </a:r>
           </a:p>
         </p:txBody>
       </p:sp>
       <p:sp>
         <p:nvSpPr>
-          <p:cNvPr id="5" name="Rechteck 4"/>
+          <p:cNvPr id="8" name="Rechteck 7"/>
           <p:cNvSpPr/>
           <p:nvPr/>
         </p:nvSpPr>
         <p:spPr>
           <a:xfrm>
-            <a:off x="2446965" y="5708708"/>
+            <a:off x="0" y="5710766"/>
+            <a:ext cx="2429142" cy="304800"/>
+          </a:xfrm>
+          <a:prstGeom prst="rect">
+            <a:avLst/>
+          </a:prstGeom>
+          <a:solidFill>
+            <a:srgbClr val="990000"/>
+          </a:solidFill>
+          <a:ln>
+            <a:solidFill>
+              <a:srgbClr val="C00000"/>
+            </a:solidFill>
+          </a:ln>
+        </p:spPr>
+        <p:style>
+          <a:lnRef idx="2">
+            <a:schemeClr val="accent1">
+              <a:shade val="50000"/>
+            </a:schemeClr>
+          </a:lnRef>
+          <a:fillRef idx="1">
+            <a:schemeClr val="accent1"/>
+          </a:fillRef>
+          <a:effectRef idx="0">
+            <a:schemeClr val="accent1"/>
+          </a:effectRef>
+          <a:fontRef idx="minor">
+            <a:schemeClr val="lt1"/>
+          </a:fontRef>
+        </p:style>
+        <p:txBody>
+          <a:bodyPr rtlCol="0" anchor="ctr"/>
+          <a:lstStyle/>
+          <a:p>
+            <a:pPr algn="ctr"/>
+            <a:r>
+              <a:rPr lang="en-US" dirty="0" err="1"/>
+              <a:t>Technisches</a:t>
+            </a:r>
+            <a:r>
+              <a:rPr lang="en-US" dirty="0"/>
+              <a:t> </a:t>
+            </a:r>
+            <a:r>
+              <a:rPr lang="en-US" dirty="0" err="1"/>
+              <a:t>Konzept</a:t>
+            </a:r>
+            <a:endParaRPr lang="en-US" dirty="0"/>
+          </a:p>
+        </p:txBody>
+      </p:sp>
+      <p:sp>
+        <p:nvSpPr>
+          <p:cNvPr id="9" name="Rechteck 8"/>
+          <p:cNvSpPr/>
+          <p:nvPr/>
+        </p:nvSpPr>
+        <p:spPr>
+          <a:xfrm>
+            <a:off x="2429475" y="5710766"/>
+            <a:ext cx="2444739" cy="304800"/>
+          </a:xfrm>
+          <a:prstGeom prst="rect">
+            <a:avLst/>
+          </a:prstGeom>
+          <a:solidFill>
+            <a:srgbClr val="990000"/>
+          </a:solidFill>
+          <a:ln>
+            <a:solidFill>
+              <a:srgbClr val="C00000"/>
+            </a:solidFill>
+          </a:ln>
+        </p:spPr>
+        <p:style>
+          <a:lnRef idx="2">
+            <a:schemeClr val="accent1">
+              <a:shade val="50000"/>
+            </a:schemeClr>
+          </a:lnRef>
+          <a:fillRef idx="1">
+            <a:schemeClr val="accent1"/>
+          </a:fillRef>
+          <a:effectRef idx="0">
+            <a:schemeClr val="accent1"/>
+          </a:effectRef>
+          <a:fontRef idx="minor">
+            <a:schemeClr val="lt1"/>
+          </a:fontRef>
+        </p:style>
+        <p:txBody>
+          <a:bodyPr rtlCol="0" anchor="ctr"/>
+          <a:lstStyle/>
+          <a:p>
+            <a:pPr algn="ctr"/>
+            <a:r>
+              <a:rPr lang="en-US" dirty="0" err="1"/>
+              <a:t>Projektmanagement</a:t>
+            </a:r>
+            <a:endParaRPr lang="en-US" dirty="0"/>
+          </a:p>
+        </p:txBody>
+      </p:sp>
+      <p:sp>
+        <p:nvSpPr>
+          <p:cNvPr id="10" name="Rechteck 9"/>
+          <p:cNvSpPr/>
+          <p:nvPr/>
+        </p:nvSpPr>
+        <p:spPr>
+          <a:xfrm>
+            <a:off x="4881119" y="5710766"/>
             <a:ext cx="2438167" cy="304800"/>
           </a:xfrm>
           <a:prstGeom prst="rect">
@@ -12781,7 +10023,7 @@
             <a:pPr algn="ctr"/>
             <a:r>
               <a:rPr lang="en-US" dirty="0" err="1"/>
-              <a:t>Projektmanagement</a:t>
+              <a:t>Funktionen</a:t>
             </a:r>
             <a:endParaRPr lang="en-US" dirty="0"/>
           </a:p>
@@ -12789,13 +10031,381 @@
       </p:sp>
       <p:sp>
         <p:nvSpPr>
-          <p:cNvPr id="6" name="Rechteck 5"/>
+          <p:cNvPr id="11" name="Rechteck 10"/>
           <p:cNvSpPr/>
           <p:nvPr/>
         </p:nvSpPr>
         <p:spPr>
           <a:xfrm>
-            <a:off x="0" y="5708708"/>
+            <a:off x="9753834" y="5710766"/>
+            <a:ext cx="2438166" cy="304800"/>
+          </a:xfrm>
+          <a:prstGeom prst="rect">
+            <a:avLst/>
+          </a:prstGeom>
+          <a:solidFill>
+            <a:srgbClr val="990000"/>
+          </a:solidFill>
+          <a:ln>
+            <a:solidFill>
+              <a:srgbClr val="C00000"/>
+            </a:solidFill>
+          </a:ln>
+        </p:spPr>
+        <p:style>
+          <a:lnRef idx="2">
+            <a:schemeClr val="accent1">
+              <a:shade val="50000"/>
+            </a:schemeClr>
+          </a:lnRef>
+          <a:fillRef idx="1">
+            <a:schemeClr val="accent1"/>
+          </a:fillRef>
+          <a:effectRef idx="0">
+            <a:schemeClr val="accent1"/>
+          </a:effectRef>
+          <a:fontRef idx="minor">
+            <a:schemeClr val="lt1"/>
+          </a:fontRef>
+        </p:style>
+        <p:txBody>
+          <a:bodyPr rtlCol="0" anchor="ctr"/>
+          <a:lstStyle/>
+          <a:p>
+            <a:pPr algn="ctr"/>
+            <a:r>
+              <a:rPr lang="en-US" dirty="0" err="1"/>
+              <a:t>Fazit</a:t>
+            </a:r>
+            <a:endParaRPr lang="en-US" dirty="0"/>
+          </a:p>
+        </p:txBody>
+      </p:sp>
+      <p:sp>
+        <p:nvSpPr>
+          <p:cNvPr id="12" name="Rechteck 11"/>
+          <p:cNvSpPr/>
+          <p:nvPr/>
+        </p:nvSpPr>
+        <p:spPr>
+          <a:xfrm>
+            <a:off x="7317477" y="5578962"/>
+            <a:ext cx="2438167" cy="436604"/>
+          </a:xfrm>
+          <a:prstGeom prst="rect">
+            <a:avLst/>
+          </a:prstGeom>
+          <a:solidFill>
+            <a:srgbClr val="C00000"/>
+          </a:solidFill>
+          <a:ln>
+            <a:solidFill>
+              <a:srgbClr val="990000"/>
+            </a:solidFill>
+          </a:ln>
+        </p:spPr>
+        <p:style>
+          <a:lnRef idx="2">
+            <a:schemeClr val="accent1">
+              <a:shade val="50000"/>
+            </a:schemeClr>
+          </a:lnRef>
+          <a:fillRef idx="1">
+            <a:schemeClr val="accent1"/>
+          </a:fillRef>
+          <a:effectRef idx="0">
+            <a:schemeClr val="accent1"/>
+          </a:effectRef>
+          <a:fontRef idx="minor">
+            <a:schemeClr val="lt1"/>
+          </a:fontRef>
+        </p:style>
+        <p:txBody>
+          <a:bodyPr rtlCol="0" anchor="ctr"/>
+          <a:lstStyle/>
+          <a:p>
+            <a:pPr algn="ctr"/>
+            <a:r>
+              <a:rPr lang="en-US" dirty="0"/>
+              <a:t>Live Demo</a:t>
+            </a:r>
+          </a:p>
+        </p:txBody>
+      </p:sp>
+    </p:spTree>
+    <p:extLst>
+      <p:ext uri="{BB962C8B-B14F-4D97-AF65-F5344CB8AC3E}">
+        <p14:creationId xmlns:p14="http://schemas.microsoft.com/office/powerpoint/2010/main" val="919154234"/>
+      </p:ext>
+    </p:extLst>
+  </p:cSld>
+  <p:clrMapOvr>
+    <a:masterClrMapping/>
+  </p:clrMapOvr>
+  <p:timing>
+    <p:tnLst>
+      <p:par>
+        <p:cTn id="1" dur="indefinite" restart="never" nodeType="tmRoot">
+          <p:childTnLst>
+            <p:seq concurrent="1" nextAc="seek">
+              <p:cTn id="2" dur="indefinite" nodeType="mainSeq">
+                <p:childTnLst>
+                  <p:par>
+                    <p:cTn id="3" fill="hold">
+                      <p:stCondLst>
+                        <p:cond delay="indefinite"/>
+                      </p:stCondLst>
+                      <p:childTnLst>
+                        <p:par>
+                          <p:cTn id="4" fill="hold">
+                            <p:stCondLst>
+                              <p:cond delay="0"/>
+                            </p:stCondLst>
+                            <p:childTnLst>
+                              <p:par>
+                                <p:cTn id="5" presetID="10" presetClass="entr" presetSubtype="0" fill="hold" nodeType="clickEffect">
+                                  <p:stCondLst>
+                                    <p:cond delay="0"/>
+                                  </p:stCondLst>
+                                  <p:childTnLst>
+                                    <p:set>
+                                      <p:cBhvr>
+                                        <p:cTn id="6" dur="1" fill="hold">
+                                          <p:stCondLst>
+                                            <p:cond delay="0"/>
+                                          </p:stCondLst>
+                                        </p:cTn>
+                                        <p:tgtEl>
+                                          <p:spTgt spid="7">
+                                            <p:txEl>
+                                              <p:pRg st="0" end="0"/>
+                                            </p:txEl>
+                                          </p:spTgt>
+                                        </p:tgtEl>
+                                        <p:attrNameLst>
+                                          <p:attrName>style.visibility</p:attrName>
+                                        </p:attrNameLst>
+                                      </p:cBhvr>
+                                      <p:to>
+                                        <p:strVal val="visible"/>
+                                      </p:to>
+                                    </p:set>
+                                    <p:animEffect transition="in" filter="fade">
+                                      <p:cBhvr>
+                                        <p:cTn id="7" dur="500"/>
+                                        <p:tgtEl>
+                                          <p:spTgt spid="7">
+                                            <p:txEl>
+                                              <p:pRg st="0" end="0"/>
+                                            </p:txEl>
+                                          </p:spTgt>
+                                        </p:tgtEl>
+                                      </p:cBhvr>
+                                    </p:animEffect>
+                                  </p:childTnLst>
+                                </p:cTn>
+                              </p:par>
+                            </p:childTnLst>
+                          </p:cTn>
+                        </p:par>
+                      </p:childTnLst>
+                    </p:cTn>
+                  </p:par>
+                  <p:par>
+                    <p:cTn id="8" fill="hold">
+                      <p:stCondLst>
+                        <p:cond delay="indefinite"/>
+                      </p:stCondLst>
+                      <p:childTnLst>
+                        <p:par>
+                          <p:cTn id="9" fill="hold">
+                            <p:stCondLst>
+                              <p:cond delay="0"/>
+                            </p:stCondLst>
+                            <p:childTnLst>
+                              <p:par>
+                                <p:cTn id="10" presetID="10" presetClass="entr" presetSubtype="0" fill="hold" nodeType="clickEffect">
+                                  <p:stCondLst>
+                                    <p:cond delay="0"/>
+                                  </p:stCondLst>
+                                  <p:childTnLst>
+                                    <p:set>
+                                      <p:cBhvr>
+                                        <p:cTn id="11" dur="1" fill="hold">
+                                          <p:stCondLst>
+                                            <p:cond delay="0"/>
+                                          </p:stCondLst>
+                                        </p:cTn>
+                                        <p:tgtEl>
+                                          <p:spTgt spid="7">
+                                            <p:txEl>
+                                              <p:pRg st="1" end="1"/>
+                                            </p:txEl>
+                                          </p:spTgt>
+                                        </p:tgtEl>
+                                        <p:attrNameLst>
+                                          <p:attrName>style.visibility</p:attrName>
+                                        </p:attrNameLst>
+                                      </p:cBhvr>
+                                      <p:to>
+                                        <p:strVal val="visible"/>
+                                      </p:to>
+                                    </p:set>
+                                    <p:animEffect transition="in" filter="fade">
+                                      <p:cBhvr>
+                                        <p:cTn id="12" dur="500"/>
+                                        <p:tgtEl>
+                                          <p:spTgt spid="7">
+                                            <p:txEl>
+                                              <p:pRg st="1" end="1"/>
+                                            </p:txEl>
+                                          </p:spTgt>
+                                        </p:tgtEl>
+                                      </p:cBhvr>
+                                    </p:animEffect>
+                                  </p:childTnLst>
+                                </p:cTn>
+                              </p:par>
+                            </p:childTnLst>
+                          </p:cTn>
+                        </p:par>
+                      </p:childTnLst>
+                    </p:cTn>
+                  </p:par>
+                </p:childTnLst>
+              </p:cTn>
+              <p:prevCondLst>
+                <p:cond evt="onPrev" delay="0">
+                  <p:tgtEl>
+                    <p:sldTgt/>
+                  </p:tgtEl>
+                </p:cond>
+              </p:prevCondLst>
+              <p:nextCondLst>
+                <p:cond evt="onNext" delay="0">
+                  <p:tgtEl>
+                    <p:sldTgt/>
+                  </p:tgtEl>
+                </p:cond>
+              </p:nextCondLst>
+            </p:seq>
+          </p:childTnLst>
+        </p:cTn>
+      </p:par>
+    </p:tnLst>
+  </p:timing>
+</p:sld>
+</file>
+
+<file path=ppt/slides/slide9.xml><?xml version="1.0" encoding="utf-8"?>
+<p:sld xmlns:a="http://schemas.openxmlformats.org/drawingml/2006/main" xmlns:r="http://schemas.openxmlformats.org/officeDocument/2006/relationships" xmlns:p="http://schemas.openxmlformats.org/presentationml/2006/main">
+  <p:cSld>
+    <p:spTree>
+      <p:nvGrpSpPr>
+        <p:cNvPr id="1" name=""/>
+        <p:cNvGrpSpPr/>
+        <p:nvPr/>
+      </p:nvGrpSpPr>
+      <p:grpSpPr>
+        <a:xfrm>
+          <a:off x="0" y="0"/>
+          <a:ext cx="0" cy="0"/>
+          <a:chOff x="0" y="0"/>
+          <a:chExt cx="0" cy="0"/>
+        </a:xfrm>
+      </p:grpSpPr>
+      <p:sp>
+        <p:nvSpPr>
+          <p:cNvPr id="2" name="Titel 1"/>
+          <p:cNvSpPr>
+            <a:spLocks noGrp="1"/>
+          </p:cNvSpPr>
+          <p:nvPr>
+            <p:ph type="title"/>
+          </p:nvPr>
+        </p:nvSpPr>
+        <p:spPr/>
+        <p:txBody>
+          <a:bodyPr/>
+          <a:lstStyle/>
+          <a:p>
+            <a:r>
+              <a:rPr lang="en-US" dirty="0" err="1"/>
+              <a:t>Fazit</a:t>
+            </a:r>
+            <a:endParaRPr lang="en-US" dirty="0"/>
+          </a:p>
+        </p:txBody>
+      </p:sp>
+      <p:sp>
+        <p:nvSpPr>
+          <p:cNvPr id="9" name="Rechteck 8"/>
+          <p:cNvSpPr/>
+          <p:nvPr/>
+        </p:nvSpPr>
+        <p:spPr>
+          <a:xfrm>
+            <a:off x="0" y="5710766"/>
+            <a:ext cx="2429142" cy="304800"/>
+          </a:xfrm>
+          <a:prstGeom prst="rect">
+            <a:avLst/>
+          </a:prstGeom>
+          <a:solidFill>
+            <a:srgbClr val="990000"/>
+          </a:solidFill>
+          <a:ln>
+            <a:solidFill>
+              <a:srgbClr val="C00000"/>
+            </a:solidFill>
+          </a:ln>
+        </p:spPr>
+        <p:style>
+          <a:lnRef idx="2">
+            <a:schemeClr val="accent1">
+              <a:shade val="50000"/>
+            </a:schemeClr>
+          </a:lnRef>
+          <a:fillRef idx="1">
+            <a:schemeClr val="accent1"/>
+          </a:fillRef>
+          <a:effectRef idx="0">
+            <a:schemeClr val="accent1"/>
+          </a:effectRef>
+          <a:fontRef idx="minor">
+            <a:schemeClr val="lt1"/>
+          </a:fontRef>
+        </p:style>
+        <p:txBody>
+          <a:bodyPr rtlCol="0" anchor="ctr"/>
+          <a:lstStyle/>
+          <a:p>
+            <a:pPr algn="ctr"/>
+            <a:r>
+              <a:rPr lang="en-US" dirty="0" err="1"/>
+              <a:t>Technisches</a:t>
+            </a:r>
+            <a:r>
+              <a:rPr lang="en-US" dirty="0"/>
+              <a:t> </a:t>
+            </a:r>
+            <a:r>
+              <a:rPr lang="en-US" dirty="0" err="1"/>
+              <a:t>Konzept</a:t>
+            </a:r>
+            <a:endParaRPr lang="en-US" dirty="0"/>
+          </a:p>
+        </p:txBody>
+      </p:sp>
+      <p:sp>
+        <p:nvSpPr>
+          <p:cNvPr id="10" name="Rechteck 9"/>
+          <p:cNvSpPr/>
+          <p:nvPr/>
+        </p:nvSpPr>
+        <p:spPr>
+          <a:xfrm>
+            <a:off x="2429475" y="5710766"/>
             <a:ext cx="2444739" cy="304800"/>
           </a:xfrm>
           <a:prstGeom prst="rect">
@@ -12833,15 +10443,7 @@
             <a:pPr algn="ctr"/>
             <a:r>
               <a:rPr lang="en-US" dirty="0" err="1"/>
-              <a:t>Technisches</a:t>
-            </a:r>
-            <a:r>
-              <a:rPr lang="en-US" dirty="0"/>
-              <a:t> </a:t>
-            </a:r>
-            <a:r>
-              <a:rPr lang="en-US" dirty="0" err="1"/>
-              <a:t>Konzept</a:t>
+              <a:t>Projektmanagement</a:t>
             </a:r>
             <a:endParaRPr lang="en-US" dirty="0"/>
           </a:p>
@@ -12849,65 +10451,13 @@
       </p:sp>
       <p:sp>
         <p:nvSpPr>
-          <p:cNvPr id="7" name="Rechteck 6"/>
+          <p:cNvPr id="11" name="Rechteck 10"/>
           <p:cNvSpPr/>
           <p:nvPr/>
         </p:nvSpPr>
         <p:spPr>
           <a:xfrm>
-            <a:off x="4885132" y="5576904"/>
-            <a:ext cx="2422903" cy="436604"/>
-          </a:xfrm>
-          <a:prstGeom prst="rect">
-            <a:avLst/>
-          </a:prstGeom>
-          <a:solidFill>
-            <a:srgbClr val="C00000"/>
-          </a:solidFill>
-          <a:ln>
-            <a:solidFill>
-              <a:srgbClr val="990000"/>
-            </a:solidFill>
-          </a:ln>
-        </p:spPr>
-        <p:style>
-          <a:lnRef idx="2">
-            <a:schemeClr val="accent1">
-              <a:shade val="50000"/>
-            </a:schemeClr>
-          </a:lnRef>
-          <a:fillRef idx="1">
-            <a:schemeClr val="accent1"/>
-          </a:fillRef>
-          <a:effectRef idx="0">
-            <a:schemeClr val="accent1"/>
-          </a:effectRef>
-          <a:fontRef idx="minor">
-            <a:schemeClr val="lt1"/>
-          </a:fontRef>
-        </p:style>
-        <p:txBody>
-          <a:bodyPr rtlCol="0" anchor="ctr"/>
-          <a:lstStyle/>
-          <a:p>
-            <a:pPr algn="ctr"/>
-            <a:r>
-              <a:rPr lang="en-US" dirty="0" err="1"/>
-              <a:t>Funktionen</a:t>
-            </a:r>
-            <a:endParaRPr lang="en-US" dirty="0"/>
-          </a:p>
-        </p:txBody>
-      </p:sp>
-      <p:sp>
-        <p:nvSpPr>
-          <p:cNvPr id="8" name="Rechteck 7"/>
-          <p:cNvSpPr/>
-          <p:nvPr/>
-        </p:nvSpPr>
-        <p:spPr>
-          <a:xfrm>
-            <a:off x="7315667" y="5708708"/>
+            <a:off x="4881119" y="5710766"/>
             <a:ext cx="2438167" cy="304800"/>
           </a:xfrm>
           <a:prstGeom prst="rect">
@@ -12944,8 +10494,8 @@
           <a:p>
             <a:pPr algn="ctr"/>
             <a:r>
-              <a:rPr lang="en-US" dirty="0"/>
-              <a:t>Live Demo</a:t>
+              <a:rPr lang="en-US" dirty="0" err="1"/>
+              <a:t>Funktionen</a:t>
             </a:r>
             <a:endParaRPr lang="en-US" dirty="0"/>
           </a:p>
@@ -12953,13 +10503,13 @@
       </p:sp>
       <p:sp>
         <p:nvSpPr>
-          <p:cNvPr id="9" name="Rechteck 8"/>
+          <p:cNvPr id="12" name="Rechteck 11"/>
           <p:cNvSpPr/>
           <p:nvPr/>
         </p:nvSpPr>
         <p:spPr>
           <a:xfrm>
-            <a:off x="9753834" y="5708708"/>
+            <a:off x="7319286" y="5710766"/>
             <a:ext cx="2438166" cy="304800"/>
           </a:xfrm>
           <a:prstGeom prst="rect">
@@ -12996,286 +10546,22 @@
           <a:p>
             <a:pPr algn="ctr"/>
             <a:r>
-              <a:rPr lang="en-US" dirty="0" err="1"/>
-              <a:t>Fazit</a:t>
-            </a:r>
-            <a:endParaRPr lang="en-US" dirty="0"/>
-          </a:p>
-        </p:txBody>
-      </p:sp>
-      <p:pic>
-        <p:nvPicPr>
-          <p:cNvPr id="11" name="Grafik 10"/>
-          <p:cNvPicPr>
-            <a:picLocks noChangeAspect="1"/>
-          </p:cNvPicPr>
-          <p:nvPr/>
-        </p:nvPicPr>
-        <p:blipFill>
-          <a:blip r:embed="rId2">
-            <a:extLst>
-              <a:ext uri="{28A0092B-C50C-407E-A947-70E740481C1C}">
-                <a14:useLocalDpi xmlns:a14="http://schemas.microsoft.com/office/drawing/2010/main" val="0"/>
-              </a:ext>
-            </a:extLst>
-          </a:blip>
-          <a:stretch>
-            <a:fillRect/>
-          </a:stretch>
-        </p:blipFill>
-        <p:spPr>
-          <a:xfrm>
-            <a:off x="925092" y="1561699"/>
-            <a:ext cx="7743712" cy="3847428"/>
-          </a:xfrm>
-          <a:prstGeom prst="rect">
-            <a:avLst/>
-          </a:prstGeom>
-          <a:ln>
-            <a:noFill/>
-          </a:ln>
-          <a:effectLst>
-            <a:outerShdw blurRad="190500" algn="tl" rotWithShape="0">
-              <a:srgbClr val="000000">
-                <a:alpha val="70000"/>
-              </a:srgbClr>
-            </a:outerShdw>
-          </a:effectLst>
-        </p:spPr>
-      </p:pic>
-    </p:spTree>
-    <p:extLst>
-      <p:ext uri="{BB962C8B-B14F-4D97-AF65-F5344CB8AC3E}">
-        <p14:creationId xmlns:p14="http://schemas.microsoft.com/office/powerpoint/2010/main" val="3035963758"/>
-      </p:ext>
-    </p:extLst>
-  </p:cSld>
-  <p:clrMapOvr>
-    <a:masterClrMapping/>
-  </p:clrMapOvr>
-  <p:timing>
-    <p:tnLst>
-      <p:par>
-        <p:cTn id="1" dur="indefinite" restart="never" nodeType="tmRoot"/>
-      </p:par>
-    </p:tnLst>
-  </p:timing>
-</p:sld>
-</file>
-
-<file path=ppt/slides/slide9.xml><?xml version="1.0" encoding="utf-8"?>
-<p:sld xmlns:a="http://schemas.openxmlformats.org/drawingml/2006/main" xmlns:r="http://schemas.openxmlformats.org/officeDocument/2006/relationships" xmlns:p="http://schemas.openxmlformats.org/presentationml/2006/main">
-  <p:cSld>
-    <p:spTree>
-      <p:nvGrpSpPr>
-        <p:cNvPr id="1" name=""/>
-        <p:cNvGrpSpPr/>
-        <p:nvPr/>
-      </p:nvGrpSpPr>
-      <p:grpSpPr>
-        <a:xfrm>
-          <a:off x="0" y="0"/>
-          <a:ext cx="0" cy="0"/>
-          <a:chOff x="0" y="0"/>
-          <a:chExt cx="0" cy="0"/>
-        </a:xfrm>
-      </p:grpSpPr>
-      <p:sp>
-        <p:nvSpPr>
-          <p:cNvPr id="3" name="Titel 2"/>
-          <p:cNvSpPr>
-            <a:spLocks noGrp="1"/>
-          </p:cNvSpPr>
-          <p:nvPr>
-            <p:ph type="title"/>
-          </p:nvPr>
-        </p:nvSpPr>
-        <p:spPr/>
-        <p:txBody>
-          <a:bodyPr/>
-          <a:lstStyle/>
-          <a:p>
-            <a:r>
-              <a:rPr lang="en-GB" dirty="0" err="1" smtClean="0"/>
-              <a:t>Funktionen</a:t>
-            </a:r>
-            <a:r>
-              <a:rPr lang="en-GB" dirty="0" smtClean="0"/>
-              <a:t>: </a:t>
-            </a:r>
-            <a:r>
-              <a:rPr lang="en-GB" dirty="0" err="1" smtClean="0"/>
-              <a:t>registrierter</a:t>
-            </a:r>
-            <a:r>
-              <a:rPr lang="en-GB" dirty="0" smtClean="0"/>
-              <a:t> </a:t>
-            </a:r>
-            <a:r>
-              <a:rPr lang="en-GB" dirty="0" err="1" smtClean="0"/>
-              <a:t>Kunde</a:t>
-            </a:r>
-            <a:endParaRPr lang="en-GB" dirty="0"/>
+              <a:rPr lang="en-US" dirty="0"/>
+              <a:t>Live Demo</a:t>
+            </a:r>
           </a:p>
         </p:txBody>
       </p:sp>
       <p:sp>
         <p:nvSpPr>
-          <p:cNvPr id="4" name="Textfeld 3"/>
-          <p:cNvSpPr txBox="1"/>
-          <p:nvPr/>
-        </p:nvSpPr>
-        <p:spPr>
-          <a:xfrm>
-            <a:off x="370703" y="1606378"/>
-            <a:ext cx="11252886" cy="589072"/>
-          </a:xfrm>
-          <a:prstGeom prst="rect">
-            <a:avLst/>
-          </a:prstGeom>
-          <a:noFill/>
-        </p:spPr>
-        <p:txBody>
-          <a:bodyPr wrap="square" rtlCol="0">
-            <a:spAutoFit/>
-          </a:bodyPr>
-          <a:lstStyle/>
-          <a:p>
-            <a:pPr lvl="4">
-              <a:lnSpc>
-                <a:spcPct val="150000"/>
-              </a:lnSpc>
-            </a:pPr>
-            <a:endParaRPr lang="en-US" sz="2400" dirty="0">
-              <a:solidFill>
-                <a:srgbClr val="990000"/>
-              </a:solidFill>
-            </a:endParaRPr>
-          </a:p>
-        </p:txBody>
-      </p:sp>
-      <p:sp>
-        <p:nvSpPr>
-          <p:cNvPr id="5" name="Rechteck 4"/>
+          <p:cNvPr id="13" name="Rechteck 12"/>
           <p:cNvSpPr/>
           <p:nvPr/>
         </p:nvSpPr>
         <p:spPr>
           <a:xfrm>
-            <a:off x="2446965" y="5708708"/>
-            <a:ext cx="2438167" cy="304800"/>
-          </a:xfrm>
-          <a:prstGeom prst="rect">
-            <a:avLst/>
-          </a:prstGeom>
-          <a:solidFill>
-            <a:srgbClr val="990000"/>
-          </a:solidFill>
-          <a:ln>
-            <a:solidFill>
-              <a:srgbClr val="C00000"/>
-            </a:solidFill>
-          </a:ln>
-        </p:spPr>
-        <p:style>
-          <a:lnRef idx="2">
-            <a:schemeClr val="accent1">
-              <a:shade val="50000"/>
-            </a:schemeClr>
-          </a:lnRef>
-          <a:fillRef idx="1">
-            <a:schemeClr val="accent1"/>
-          </a:fillRef>
-          <a:effectRef idx="0">
-            <a:schemeClr val="accent1"/>
-          </a:effectRef>
-          <a:fontRef idx="minor">
-            <a:schemeClr val="lt1"/>
-          </a:fontRef>
-        </p:style>
-        <p:txBody>
-          <a:bodyPr rtlCol="0" anchor="ctr"/>
-          <a:lstStyle/>
-          <a:p>
-            <a:pPr algn="ctr"/>
-            <a:r>
-              <a:rPr lang="en-US" dirty="0" err="1"/>
-              <a:t>Projektmanagement</a:t>
-            </a:r>
-            <a:endParaRPr lang="en-US" dirty="0"/>
-          </a:p>
-        </p:txBody>
-      </p:sp>
-      <p:sp>
-        <p:nvSpPr>
-          <p:cNvPr id="6" name="Rechteck 5"/>
-          <p:cNvSpPr/>
-          <p:nvPr/>
-        </p:nvSpPr>
-        <p:spPr>
-          <a:xfrm>
-            <a:off x="0" y="5708708"/>
-            <a:ext cx="2444739" cy="304800"/>
-          </a:xfrm>
-          <a:prstGeom prst="rect">
-            <a:avLst/>
-          </a:prstGeom>
-          <a:solidFill>
-            <a:srgbClr val="990000"/>
-          </a:solidFill>
-          <a:ln>
-            <a:solidFill>
-              <a:srgbClr val="C00000"/>
-            </a:solidFill>
-          </a:ln>
-        </p:spPr>
-        <p:style>
-          <a:lnRef idx="2">
-            <a:schemeClr val="accent1">
-              <a:shade val="50000"/>
-            </a:schemeClr>
-          </a:lnRef>
-          <a:fillRef idx="1">
-            <a:schemeClr val="accent1"/>
-          </a:fillRef>
-          <a:effectRef idx="0">
-            <a:schemeClr val="accent1"/>
-          </a:effectRef>
-          <a:fontRef idx="minor">
-            <a:schemeClr val="lt1"/>
-          </a:fontRef>
-        </p:style>
-        <p:txBody>
-          <a:bodyPr rtlCol="0" anchor="ctr"/>
-          <a:lstStyle/>
-          <a:p>
-            <a:pPr algn="ctr"/>
-            <a:r>
-              <a:rPr lang="en-US" dirty="0" err="1"/>
-              <a:t>Technisches</a:t>
-            </a:r>
-            <a:r>
-              <a:rPr lang="en-US" dirty="0"/>
-              <a:t> </a:t>
-            </a:r>
-            <a:r>
-              <a:rPr lang="en-US" dirty="0" err="1"/>
-              <a:t>Konzept</a:t>
-            </a:r>
-            <a:endParaRPr lang="en-US" dirty="0"/>
-          </a:p>
-        </p:txBody>
-      </p:sp>
-      <p:sp>
-        <p:nvSpPr>
-          <p:cNvPr id="7" name="Rechteck 6"/>
-          <p:cNvSpPr/>
-          <p:nvPr/>
-        </p:nvSpPr>
-        <p:spPr>
-          <a:xfrm>
-            <a:off x="4885132" y="5576904"/>
-            <a:ext cx="2422903" cy="436604"/>
+            <a:off x="9757452" y="5578962"/>
+            <a:ext cx="2438167" cy="436604"/>
           </a:xfrm>
           <a:prstGeom prst="rect">
             <a:avLst/>
@@ -13312,7 +10598,7 @@
             <a:pPr algn="ctr"/>
             <a:r>
               <a:rPr lang="en-US" dirty="0" err="1"/>
-              <a:t>Funktionen</a:t>
+              <a:t>Fazit</a:t>
             </a:r>
             <a:endParaRPr lang="en-US" dirty="0"/>
           </a:p>
@@ -13320,111 +10606,244 @@
       </p:sp>
       <p:sp>
         <p:nvSpPr>
-          <p:cNvPr id="8" name="Rechteck 7"/>
-          <p:cNvSpPr/>
+          <p:cNvPr id="15" name="Textfeld 14"/>
+          <p:cNvSpPr txBox="1"/>
           <p:nvPr/>
         </p:nvSpPr>
         <p:spPr>
           <a:xfrm>
-            <a:off x="7315667" y="5708708"/>
-            <a:ext cx="2438167" cy="304800"/>
+            <a:off x="370703" y="1606378"/>
+            <a:ext cx="11252886" cy="3785652"/>
           </a:xfrm>
           <a:prstGeom prst="rect">
             <a:avLst/>
           </a:prstGeom>
-          <a:solidFill>
-            <a:srgbClr val="990000"/>
-          </a:solidFill>
-          <a:ln>
-            <a:solidFill>
-              <a:srgbClr val="C00000"/>
-            </a:solidFill>
-          </a:ln>
+          <a:noFill/>
         </p:spPr>
-        <p:style>
-          <a:lnRef idx="2">
-            <a:schemeClr val="accent1">
-              <a:shade val="50000"/>
-            </a:schemeClr>
-          </a:lnRef>
-          <a:fillRef idx="1">
-            <a:schemeClr val="accent1"/>
-          </a:fillRef>
-          <a:effectRef idx="0">
-            <a:schemeClr val="accent1"/>
-          </a:effectRef>
-          <a:fontRef idx="minor">
-            <a:schemeClr val="lt1"/>
-          </a:fontRef>
-        </p:style>
         <p:txBody>
-          <a:bodyPr rtlCol="0" anchor="ctr"/>
+          <a:bodyPr wrap="square" rtlCol="0">
+            <a:spAutoFit/>
+          </a:bodyPr>
           <a:lstStyle/>
           <a:p>
-            <a:pPr algn="ctr"/>
-            <a:r>
-              <a:rPr lang="en-US" dirty="0"/>
-              <a:t>Live Demo</a:t>
-            </a:r>
-            <a:endParaRPr lang="en-US" dirty="0"/>
+            <a:pPr marL="285750" indent="-285750">
+              <a:lnSpc>
+                <a:spcPct val="200000"/>
+              </a:lnSpc>
+              <a:buFont typeface="Arial" panose="020B0604020202020204" pitchFamily="34" charset="0"/>
+              <a:buChar char="•"/>
+            </a:pPr>
+            <a:r>
+              <a:rPr lang="en-US" sz="2400" dirty="0" err="1">
+                <a:solidFill>
+                  <a:srgbClr val="990000"/>
+                </a:solidFill>
+              </a:rPr>
+              <a:t>Alle</a:t>
+            </a:r>
+            <a:r>
+              <a:rPr lang="en-US" sz="2400" dirty="0">
+                <a:solidFill>
+                  <a:srgbClr val="990000"/>
+                </a:solidFill>
+              </a:rPr>
+              <a:t> Muss-</a:t>
+            </a:r>
+            <a:r>
+              <a:rPr lang="en-US" sz="2400" dirty="0" err="1">
+                <a:solidFill>
+                  <a:srgbClr val="990000"/>
+                </a:solidFill>
+              </a:rPr>
+              <a:t>Kriterien</a:t>
+            </a:r>
+            <a:r>
+              <a:rPr lang="en-US" sz="2400" dirty="0">
+                <a:solidFill>
+                  <a:srgbClr val="990000"/>
+                </a:solidFill>
+              </a:rPr>
+              <a:t> </a:t>
+            </a:r>
+            <a:r>
+              <a:rPr lang="en-US" sz="2400" dirty="0" err="1">
+                <a:solidFill>
+                  <a:srgbClr val="990000"/>
+                </a:solidFill>
+              </a:rPr>
+              <a:t>erfüllt</a:t>
+            </a:r>
+            <a:endParaRPr lang="en-US" sz="2400" dirty="0">
+              <a:solidFill>
+                <a:srgbClr val="990000"/>
+              </a:solidFill>
+            </a:endParaRPr>
           </a:p>
-        </p:txBody>
-      </p:sp>
-      <p:sp>
-        <p:nvSpPr>
-          <p:cNvPr id="9" name="Rechteck 8"/>
-          <p:cNvSpPr/>
-          <p:nvPr/>
-        </p:nvSpPr>
-        <p:spPr>
-          <a:xfrm>
-            <a:off x="9753834" y="5708708"/>
-            <a:ext cx="2438166" cy="304800"/>
-          </a:xfrm>
-          <a:prstGeom prst="rect">
-            <a:avLst/>
-          </a:prstGeom>
-          <a:solidFill>
-            <a:srgbClr val="990000"/>
-          </a:solidFill>
-          <a:ln>
-            <a:solidFill>
-              <a:srgbClr val="C00000"/>
-            </a:solidFill>
-          </a:ln>
-        </p:spPr>
-        <p:style>
-          <a:lnRef idx="2">
-            <a:schemeClr val="accent1">
-              <a:shade val="50000"/>
-            </a:schemeClr>
-          </a:lnRef>
-          <a:fillRef idx="1">
-            <a:schemeClr val="accent1"/>
-          </a:fillRef>
-          <a:effectRef idx="0">
-            <a:schemeClr val="accent1"/>
-          </a:effectRef>
-          <a:fontRef idx="minor">
-            <a:schemeClr val="lt1"/>
-          </a:fontRef>
-        </p:style>
-        <p:txBody>
-          <a:bodyPr rtlCol="0" anchor="ctr"/>
-          <a:lstStyle/>
           <a:p>
-            <a:pPr algn="ctr"/>
-            <a:r>
-              <a:rPr lang="en-US" dirty="0" err="1"/>
-              <a:t>Fazit</a:t>
-            </a:r>
-            <a:endParaRPr lang="en-US" dirty="0"/>
+            <a:pPr marL="285750" indent="-285750">
+              <a:lnSpc>
+                <a:spcPct val="200000"/>
+              </a:lnSpc>
+              <a:buFont typeface="Arial" panose="020B0604020202020204" pitchFamily="34" charset="0"/>
+              <a:buChar char="•"/>
+            </a:pPr>
+            <a:r>
+              <a:rPr lang="en-US" sz="2400" dirty="0" err="1">
+                <a:solidFill>
+                  <a:srgbClr val="990000"/>
+                </a:solidFill>
+              </a:rPr>
+              <a:t>Einige</a:t>
+            </a:r>
+            <a:r>
+              <a:rPr lang="en-US" sz="2400" dirty="0">
+                <a:solidFill>
+                  <a:srgbClr val="990000"/>
+                </a:solidFill>
+              </a:rPr>
+              <a:t> </a:t>
+            </a:r>
+            <a:r>
+              <a:rPr lang="en-US" sz="2400" dirty="0" err="1">
+                <a:solidFill>
+                  <a:srgbClr val="990000"/>
+                </a:solidFill>
+              </a:rPr>
+              <a:t>Kann-Kriterien</a:t>
+            </a:r>
+            <a:r>
+              <a:rPr lang="en-US" sz="2400" dirty="0">
+                <a:solidFill>
+                  <a:srgbClr val="990000"/>
+                </a:solidFill>
+              </a:rPr>
+              <a:t> </a:t>
+            </a:r>
+            <a:r>
+              <a:rPr lang="en-US" sz="2400" dirty="0" err="1">
+                <a:solidFill>
+                  <a:srgbClr val="990000"/>
+                </a:solidFill>
+              </a:rPr>
+              <a:t>erfüllt</a:t>
+            </a:r>
+            <a:endParaRPr lang="en-US" sz="2400" dirty="0">
+              <a:solidFill>
+                <a:srgbClr val="990000"/>
+              </a:solidFill>
+            </a:endParaRPr>
+          </a:p>
+          <a:p>
+            <a:pPr marL="285750" indent="-285750">
+              <a:lnSpc>
+                <a:spcPct val="200000"/>
+              </a:lnSpc>
+              <a:buFont typeface="Arial" panose="020B0604020202020204" pitchFamily="34" charset="0"/>
+              <a:buChar char="•"/>
+            </a:pPr>
+            <a:r>
+              <a:rPr lang="en-US" sz="2400" dirty="0" err="1">
+                <a:solidFill>
+                  <a:srgbClr val="990000"/>
+                </a:solidFill>
+              </a:rPr>
+              <a:t>Probleme</a:t>
+            </a:r>
+            <a:r>
+              <a:rPr lang="en-US" sz="2400" dirty="0">
+                <a:solidFill>
+                  <a:srgbClr val="990000"/>
+                </a:solidFill>
+              </a:rPr>
+              <a:t> in der </a:t>
+            </a:r>
+            <a:r>
+              <a:rPr lang="en-US" sz="2400" dirty="0" err="1">
+                <a:solidFill>
+                  <a:srgbClr val="990000"/>
+                </a:solidFill>
+              </a:rPr>
+              <a:t>Kommunikation</a:t>
+            </a:r>
+            <a:endParaRPr lang="en-US" sz="2400" dirty="0">
+              <a:solidFill>
+                <a:srgbClr val="990000"/>
+              </a:solidFill>
+            </a:endParaRPr>
+          </a:p>
+          <a:p>
+            <a:pPr marL="285750" indent="-285750">
+              <a:lnSpc>
+                <a:spcPct val="200000"/>
+              </a:lnSpc>
+              <a:buFont typeface="Arial" panose="020B0604020202020204" pitchFamily="34" charset="0"/>
+              <a:buChar char="•"/>
+            </a:pPr>
+            <a:r>
+              <a:rPr lang="en-US" sz="2400" dirty="0" err="1">
+                <a:solidFill>
+                  <a:srgbClr val="990000"/>
+                </a:solidFill>
+              </a:rPr>
+              <a:t>Nicht</a:t>
+            </a:r>
+            <a:r>
+              <a:rPr lang="en-US" sz="2400" dirty="0">
+                <a:solidFill>
+                  <a:srgbClr val="990000"/>
+                </a:solidFill>
+              </a:rPr>
+              <a:t> </a:t>
+            </a:r>
+            <a:r>
+              <a:rPr lang="en-US" sz="2400" dirty="0" err="1">
+                <a:solidFill>
+                  <a:srgbClr val="990000"/>
+                </a:solidFill>
+              </a:rPr>
+              <a:t>einhalten</a:t>
+            </a:r>
+            <a:r>
+              <a:rPr lang="en-US" sz="2400" dirty="0">
+                <a:solidFill>
+                  <a:srgbClr val="990000"/>
+                </a:solidFill>
+              </a:rPr>
+              <a:t> von </a:t>
+            </a:r>
+            <a:r>
+              <a:rPr lang="en-US" sz="2400" dirty="0" err="1">
+                <a:solidFill>
+                  <a:srgbClr val="990000"/>
+                </a:solidFill>
+              </a:rPr>
+              <a:t>Terminen</a:t>
+            </a:r>
+            <a:endParaRPr lang="en-US" sz="2400" dirty="0">
+              <a:solidFill>
+                <a:srgbClr val="990000"/>
+              </a:solidFill>
+            </a:endParaRPr>
+          </a:p>
+          <a:p>
+            <a:pPr marL="285750" indent="-285750">
+              <a:lnSpc>
+                <a:spcPct val="200000"/>
+              </a:lnSpc>
+              <a:buFont typeface="Arial" panose="020B0604020202020204" pitchFamily="34" charset="0"/>
+              <a:buChar char="•"/>
+            </a:pPr>
+            <a:endParaRPr lang="en-US" sz="2400" dirty="0">
+              <a:solidFill>
+                <a:srgbClr val="990000"/>
+              </a:solidFill>
+            </a:endParaRPr>
           </a:p>
         </p:txBody>
       </p:sp>
       <p:pic>
         <p:nvPicPr>
-          <p:cNvPr id="10" name="Grafik 9"/>
+          <p:cNvPr id="14" name="Grafik 13"/>
           <p:cNvPicPr>
             <a:picLocks noChangeAspect="1"/>
           </p:cNvPicPr>
@@ -13444,28 +10863,26 @@
         </p:blipFill>
         <p:spPr>
           <a:xfrm>
-            <a:off x="925092" y="1561700"/>
-            <a:ext cx="7960289" cy="3850810"/>
+            <a:off x="6992115" y="1612082"/>
+            <a:ext cx="4821316" cy="3900978"/>
           </a:xfrm>
           <a:prstGeom prst="rect">
             <a:avLst/>
           </a:prstGeom>
-          <a:ln>
-            <a:noFill/>
-          </a:ln>
           <a:effectLst>
-            <a:outerShdw blurRad="190500" algn="tl" rotWithShape="0">
-              <a:srgbClr val="000000">
-                <a:alpha val="70000"/>
-              </a:srgbClr>
+            <a:outerShdw blurRad="50800" dist="38100" dir="2700000" algn="tl" rotWithShape="0">
+              <a:prstClr val="black">
+                <a:alpha val="40000"/>
+              </a:prstClr>
             </a:outerShdw>
+            <a:softEdge rad="76200"/>
           </a:effectLst>
         </p:spPr>
       </p:pic>
     </p:spTree>
     <p:extLst>
       <p:ext uri="{BB962C8B-B14F-4D97-AF65-F5344CB8AC3E}">
-        <p14:creationId xmlns:p14="http://schemas.microsoft.com/office/powerpoint/2010/main" val="135804923"/>
+        <p14:creationId xmlns:p14="http://schemas.microsoft.com/office/powerpoint/2010/main" val="3133564744"/>
       </p:ext>
     </p:extLst>
   </p:cSld>
@@ -13475,7 +10892,274 @@
   <p:timing>
     <p:tnLst>
       <p:par>
-        <p:cTn id="1" dur="indefinite" restart="never" nodeType="tmRoot"/>
+        <p:cTn id="1" dur="indefinite" restart="never" nodeType="tmRoot">
+          <p:childTnLst>
+            <p:seq concurrent="1" nextAc="seek">
+              <p:cTn id="2" dur="indefinite" nodeType="mainSeq">
+                <p:childTnLst>
+                  <p:par>
+                    <p:cTn id="3" fill="hold">
+                      <p:stCondLst>
+                        <p:cond delay="indefinite"/>
+                      </p:stCondLst>
+                      <p:childTnLst>
+                        <p:par>
+                          <p:cTn id="4" fill="hold">
+                            <p:stCondLst>
+                              <p:cond delay="0"/>
+                            </p:stCondLst>
+                            <p:childTnLst>
+                              <p:par>
+                                <p:cTn id="5" presetID="10" presetClass="entr" presetSubtype="0" fill="hold" nodeType="clickEffect">
+                                  <p:stCondLst>
+                                    <p:cond delay="0"/>
+                                  </p:stCondLst>
+                                  <p:childTnLst>
+                                    <p:set>
+                                      <p:cBhvr>
+                                        <p:cTn id="6" dur="1" fill="hold">
+                                          <p:stCondLst>
+                                            <p:cond delay="0"/>
+                                          </p:stCondLst>
+                                        </p:cTn>
+                                        <p:tgtEl>
+                                          <p:spTgt spid="15">
+                                            <p:txEl>
+                                              <p:pRg st="0" end="0"/>
+                                            </p:txEl>
+                                          </p:spTgt>
+                                        </p:tgtEl>
+                                        <p:attrNameLst>
+                                          <p:attrName>style.visibility</p:attrName>
+                                        </p:attrNameLst>
+                                      </p:cBhvr>
+                                      <p:to>
+                                        <p:strVal val="visible"/>
+                                      </p:to>
+                                    </p:set>
+                                    <p:animEffect transition="in" filter="fade">
+                                      <p:cBhvr>
+                                        <p:cTn id="7" dur="500"/>
+                                        <p:tgtEl>
+                                          <p:spTgt spid="15">
+                                            <p:txEl>
+                                              <p:pRg st="0" end="0"/>
+                                            </p:txEl>
+                                          </p:spTgt>
+                                        </p:tgtEl>
+                                      </p:cBhvr>
+                                    </p:animEffect>
+                                  </p:childTnLst>
+                                </p:cTn>
+                              </p:par>
+                            </p:childTnLst>
+                          </p:cTn>
+                        </p:par>
+                      </p:childTnLst>
+                    </p:cTn>
+                  </p:par>
+                  <p:par>
+                    <p:cTn id="8" fill="hold">
+                      <p:stCondLst>
+                        <p:cond delay="indefinite"/>
+                      </p:stCondLst>
+                      <p:childTnLst>
+                        <p:par>
+                          <p:cTn id="9" fill="hold">
+                            <p:stCondLst>
+                              <p:cond delay="0"/>
+                            </p:stCondLst>
+                            <p:childTnLst>
+                              <p:par>
+                                <p:cTn id="10" presetID="10" presetClass="entr" presetSubtype="0" fill="hold" nodeType="clickEffect">
+                                  <p:stCondLst>
+                                    <p:cond delay="0"/>
+                                  </p:stCondLst>
+                                  <p:childTnLst>
+                                    <p:set>
+                                      <p:cBhvr>
+                                        <p:cTn id="11" dur="1" fill="hold">
+                                          <p:stCondLst>
+                                            <p:cond delay="0"/>
+                                          </p:stCondLst>
+                                        </p:cTn>
+                                        <p:tgtEl>
+                                          <p:spTgt spid="15">
+                                            <p:txEl>
+                                              <p:pRg st="1" end="1"/>
+                                            </p:txEl>
+                                          </p:spTgt>
+                                        </p:tgtEl>
+                                        <p:attrNameLst>
+                                          <p:attrName>style.visibility</p:attrName>
+                                        </p:attrNameLst>
+                                      </p:cBhvr>
+                                      <p:to>
+                                        <p:strVal val="visible"/>
+                                      </p:to>
+                                    </p:set>
+                                    <p:animEffect transition="in" filter="fade">
+                                      <p:cBhvr>
+                                        <p:cTn id="12" dur="500"/>
+                                        <p:tgtEl>
+                                          <p:spTgt spid="15">
+                                            <p:txEl>
+                                              <p:pRg st="1" end="1"/>
+                                            </p:txEl>
+                                          </p:spTgt>
+                                        </p:tgtEl>
+                                      </p:cBhvr>
+                                    </p:animEffect>
+                                  </p:childTnLst>
+                                </p:cTn>
+                              </p:par>
+                            </p:childTnLst>
+                          </p:cTn>
+                        </p:par>
+                      </p:childTnLst>
+                    </p:cTn>
+                  </p:par>
+                  <p:par>
+                    <p:cTn id="13" fill="hold">
+                      <p:stCondLst>
+                        <p:cond delay="indefinite"/>
+                      </p:stCondLst>
+                      <p:childTnLst>
+                        <p:par>
+                          <p:cTn id="14" fill="hold">
+                            <p:stCondLst>
+                              <p:cond delay="0"/>
+                            </p:stCondLst>
+                            <p:childTnLst>
+                              <p:par>
+                                <p:cTn id="15" presetID="10" presetClass="entr" presetSubtype="0" fill="hold" nodeType="clickEffect">
+                                  <p:stCondLst>
+                                    <p:cond delay="0"/>
+                                  </p:stCondLst>
+                                  <p:childTnLst>
+                                    <p:set>
+                                      <p:cBhvr>
+                                        <p:cTn id="16" dur="1" fill="hold">
+                                          <p:stCondLst>
+                                            <p:cond delay="0"/>
+                                          </p:stCondLst>
+                                        </p:cTn>
+                                        <p:tgtEl>
+                                          <p:spTgt spid="15">
+                                            <p:txEl>
+                                              <p:pRg st="2" end="2"/>
+                                            </p:txEl>
+                                          </p:spTgt>
+                                        </p:tgtEl>
+                                        <p:attrNameLst>
+                                          <p:attrName>style.visibility</p:attrName>
+                                        </p:attrNameLst>
+                                      </p:cBhvr>
+                                      <p:to>
+                                        <p:strVal val="visible"/>
+                                      </p:to>
+                                    </p:set>
+                                    <p:animEffect transition="in" filter="fade">
+                                      <p:cBhvr>
+                                        <p:cTn id="17" dur="500"/>
+                                        <p:tgtEl>
+                                          <p:spTgt spid="15">
+                                            <p:txEl>
+                                              <p:pRg st="2" end="2"/>
+                                            </p:txEl>
+                                          </p:spTgt>
+                                        </p:tgtEl>
+                                      </p:cBhvr>
+                                    </p:animEffect>
+                                  </p:childTnLst>
+                                </p:cTn>
+                              </p:par>
+                            </p:childTnLst>
+                          </p:cTn>
+                        </p:par>
+                      </p:childTnLst>
+                    </p:cTn>
+                  </p:par>
+                  <p:par>
+                    <p:cTn id="18" fill="hold">
+                      <p:stCondLst>
+                        <p:cond delay="indefinite"/>
+                      </p:stCondLst>
+                      <p:childTnLst>
+                        <p:par>
+                          <p:cTn id="19" fill="hold">
+                            <p:stCondLst>
+                              <p:cond delay="0"/>
+                            </p:stCondLst>
+                            <p:childTnLst>
+                              <p:par>
+                                <p:cTn id="20" presetID="10" presetClass="entr" presetSubtype="0" fill="hold" nodeType="clickEffect">
+                                  <p:stCondLst>
+                                    <p:cond delay="0"/>
+                                  </p:stCondLst>
+                                  <p:childTnLst>
+                                    <p:set>
+                                      <p:cBhvr>
+                                        <p:cTn id="21" dur="1" fill="hold">
+                                          <p:stCondLst>
+                                            <p:cond delay="0"/>
+                                          </p:stCondLst>
+                                        </p:cTn>
+                                        <p:tgtEl>
+                                          <p:spTgt spid="15">
+                                            <p:txEl>
+                                              <p:pRg st="3" end="3"/>
+                                            </p:txEl>
+                                          </p:spTgt>
+                                        </p:tgtEl>
+                                        <p:attrNameLst>
+                                          <p:attrName>style.visibility</p:attrName>
+                                        </p:attrNameLst>
+                                      </p:cBhvr>
+                                      <p:to>
+                                        <p:strVal val="visible"/>
+                                      </p:to>
+                                    </p:set>
+                                    <p:animEffect transition="in" filter="fade">
+                                      <p:cBhvr>
+                                        <p:cTn id="22" dur="500"/>
+                                        <p:tgtEl>
+                                          <p:spTgt spid="15">
+                                            <p:txEl>
+                                              <p:pRg st="3" end="3"/>
+                                            </p:txEl>
+                                          </p:spTgt>
+                                        </p:tgtEl>
+                                      </p:cBhvr>
+                                    </p:animEffect>
+                                  </p:childTnLst>
+                                </p:cTn>
+                              </p:par>
+                            </p:childTnLst>
+                          </p:cTn>
+                        </p:par>
+                      </p:childTnLst>
+                    </p:cTn>
+                  </p:par>
+                </p:childTnLst>
+              </p:cTn>
+              <p:prevCondLst>
+                <p:cond evt="onPrev" delay="0">
+                  <p:tgtEl>
+                    <p:sldTgt/>
+                  </p:tgtEl>
+                </p:cond>
+              </p:prevCondLst>
+              <p:nextCondLst>
+                <p:cond evt="onNext" delay="0">
+                  <p:tgtEl>
+                    <p:sldTgt/>
+                  </p:tgtEl>
+                </p:cond>
+              </p:nextCondLst>
+            </p:seq>
+          </p:childTnLst>
+        </p:cTn>
       </p:par>
     </p:tnLst>
   </p:timing>
